--- a/H3 - Databases en Beveiliging/Presentatie/H3 Databases en Beveiliging - Dynamische Websites.pptx
+++ b/H3 - Databases en Beveiliging/Presentatie/H3 Databases en Beveiliging - Dynamische Websites.pptx
@@ -142,6 +142,7 @@
 <p1510:revInfo xmlns:a="http://schemas.openxmlformats.org/drawingml/2006/main" xmlns:r="http://schemas.openxmlformats.org/officeDocument/2006/relationships" xmlns:p1510="http://schemas.microsoft.com/office/powerpoint/2015/10/main">
   <p1510:revLst>
     <p1510:client id="{C6E7D8E5-334B-6BED-3A15-C50C85D7133C}" v="2733" dt="2025-11-05T14:12:54.596"/>
+    <p1510:client id="{E5F3F909-AD2C-F04E-F173-6FF068CB45DB}" v="54" dt="2025-11-05T20:45:33.113"/>
     <p1510:client id="{E9627F19-914F-3B8E-9AE0-EB1A5D63F7B9}" v="7401" dt="2025-11-05T20:29:13.609"/>
   </p1510:revLst>
 </p1510:revInfo>
@@ -229,7 +230,7 @@
           <a:p>
             <a:fld id="{6706355E-35B0-47A6-8E00-D68DE081856C}" type="datetimeFigureOut">
               <a:rPr lang="nl-BE" smtClean="0"/>
-              <a:t>5/11/2025</a:t>
+              <a:t>6/11/2025</a:t>
             </a:fld>
             <a:endParaRPr lang="nl-BE"/>
           </a:p>
@@ -388,7 +389,7 @@
           <a:p>
             <a:fld id="{39DBD449-D42A-4711-8837-53EC15580D9C}" type="slidenum">
               <a:rPr lang="nl-BE" smtClean="0"/>
-              <a:t>‹nr.›</a:t>
+              <a:t>‹#›</a:t>
             </a:fld>
             <a:endParaRPr lang="nl-BE"/>
           </a:p>
@@ -689,7 +690,7 @@
           <a:p>
             <a:fld id="{39DBD449-D42A-4711-8837-53EC15580D9C}" type="slidenum">
               <a:rPr lang="nl-BE" smtClean="0"/>
-              <a:t>21</a:t>
+              <a:t>24</a:t>
             </a:fld>
             <a:endParaRPr lang="nl-BE"/>
           </a:p>
@@ -859,7 +860,7 @@
           <a:p>
             <a:fld id="{C128FA71-3A18-48C0-980F-4B68F7F63042}" type="datetime1">
               <a:rPr lang="en-US" smtClean="0"/>
-              <a:t>11/5/2025</a:t>
+              <a:t>11/6/2025</a:t>
             </a:fld>
             <a:endParaRPr lang="en-US"/>
           </a:p>
@@ -913,7 +914,7 @@
           <a:p>
             <a:fld id="{CC057153-B650-4DEB-B370-79DDCFDCE934}" type="slidenum">
               <a:rPr lang="en-US" smtClean="0"/>
-              <a:t>‹nr.›</a:t>
+              <a:t>‹#›</a:t>
             </a:fld>
             <a:endParaRPr lang="en-US"/>
           </a:p>
@@ -929,13 +930,13 @@
   <p:clrMapOvr>
     <a:masterClrMapping/>
   </p:clrMapOvr>
-  <mc:AlternateContent xmlns:mc="http://schemas.openxmlformats.org/markup-compatibility/2006">
-    <mc:Choice xmlns:p14="http://schemas.microsoft.com/office/powerpoint/2010/main" Requires="p14">
+  <mc:AlternateContent xmlns:mc="http://schemas.openxmlformats.org/markup-compatibility/2006" xmlns:p14="http://schemas.microsoft.com/office/powerpoint/2010/main">
+    <mc:Choice Requires="p14">
       <p:transition spd="slow" p14:dur="4000">
         <p14:vortex dir="u"/>
       </p:transition>
     </mc:Choice>
-    <mc:Fallback>
+    <mc:Fallback xmlns="">
       <p:transition spd="slow">
         <p:fade/>
       </p:transition>
@@ -1079,7 +1080,7 @@
           <a:p>
             <a:fld id="{7104EDB3-C0E8-45F8-9E1D-1B6C8D1880C0}" type="datetime1">
               <a:rPr lang="en-US" smtClean="0"/>
-              <a:t>11/5/2025</a:t>
+              <a:t>11/6/2025</a:t>
             </a:fld>
             <a:endParaRPr lang="en-US"/>
           </a:p>
@@ -1133,7 +1134,7 @@
           <a:p>
             <a:fld id="{CC057153-B650-4DEB-B370-79DDCFDCE934}" type="slidenum">
               <a:rPr lang="en-US" smtClean="0"/>
-              <a:t>‹nr.›</a:t>
+              <a:t>‹#›</a:t>
             </a:fld>
             <a:endParaRPr lang="en-US"/>
           </a:p>
@@ -1149,13 +1150,13 @@
   <p:clrMapOvr>
     <a:masterClrMapping/>
   </p:clrMapOvr>
-  <mc:AlternateContent xmlns:mc="http://schemas.openxmlformats.org/markup-compatibility/2006">
-    <mc:Choice xmlns:p14="http://schemas.microsoft.com/office/powerpoint/2010/main" Requires="p14">
+  <mc:AlternateContent xmlns:mc="http://schemas.openxmlformats.org/markup-compatibility/2006" xmlns:p14="http://schemas.microsoft.com/office/powerpoint/2010/main">
+    <mc:Choice Requires="p14">
       <p:transition spd="slow" p14:dur="4000">
         <p14:vortex dir="u"/>
       </p:transition>
     </mc:Choice>
-    <mc:Fallback>
+    <mc:Fallback xmlns="">
       <p:transition spd="slow">
         <p:fade/>
       </p:transition>
@@ -1299,7 +1300,7 @@
           <a:p>
             <a:fld id="{9CF0EC4B-54ED-4041-B552-9BA760FA3DBA}" type="datetime1">
               <a:rPr lang="en-US" smtClean="0"/>
-              <a:t>11/5/2025</a:t>
+              <a:t>11/6/2025</a:t>
             </a:fld>
             <a:endParaRPr lang="en-US"/>
           </a:p>
@@ -1353,7 +1354,7 @@
           <a:p>
             <a:fld id="{CC057153-B650-4DEB-B370-79DDCFDCE934}" type="slidenum">
               <a:rPr lang="en-US" smtClean="0"/>
-              <a:t>‹nr.›</a:t>
+              <a:t>‹#›</a:t>
             </a:fld>
             <a:endParaRPr lang="en-US"/>
           </a:p>
@@ -1369,13 +1370,13 @@
   <p:clrMapOvr>
     <a:masterClrMapping/>
   </p:clrMapOvr>
-  <mc:AlternateContent xmlns:mc="http://schemas.openxmlformats.org/markup-compatibility/2006">
-    <mc:Choice xmlns:p14="http://schemas.microsoft.com/office/powerpoint/2010/main" Requires="p14">
+  <mc:AlternateContent xmlns:mc="http://schemas.openxmlformats.org/markup-compatibility/2006" xmlns:p14="http://schemas.microsoft.com/office/powerpoint/2010/main">
+    <mc:Choice Requires="p14">
       <p:transition spd="slow" p14:dur="4000">
         <p14:vortex dir="u"/>
       </p:transition>
     </mc:Choice>
-    <mc:Fallback>
+    <mc:Fallback xmlns="">
       <p:transition spd="slow">
         <p:fade/>
       </p:transition>
@@ -1509,7 +1510,7 @@
           <a:p>
             <a:fld id="{51C1210E-201E-4473-82AC-2466F5386C38}" type="datetime1">
               <a:rPr lang="en-US" smtClean="0"/>
-              <a:t>11/5/2025</a:t>
+              <a:t>11/6/2025</a:t>
             </a:fld>
             <a:endParaRPr lang="en-US"/>
           </a:p>
@@ -1563,7 +1564,7 @@
           <a:p>
             <a:fld id="{CC057153-B650-4DEB-B370-79DDCFDCE934}" type="slidenum">
               <a:rPr lang="en-US" smtClean="0"/>
-              <a:t>‹nr.›</a:t>
+              <a:t>‹#›</a:t>
             </a:fld>
             <a:endParaRPr lang="en-US"/>
           </a:p>
@@ -1579,13 +1580,13 @@
   <p:clrMapOvr>
     <a:masterClrMapping/>
   </p:clrMapOvr>
-  <mc:AlternateContent xmlns:mc="http://schemas.openxmlformats.org/markup-compatibility/2006">
-    <mc:Choice xmlns:p14="http://schemas.microsoft.com/office/powerpoint/2010/main" Requires="p14">
+  <mc:AlternateContent xmlns:mc="http://schemas.openxmlformats.org/markup-compatibility/2006" xmlns:p14="http://schemas.microsoft.com/office/powerpoint/2010/main">
+    <mc:Choice Requires="p14">
       <p:transition spd="slow" p14:dur="4000">
         <p14:vortex dir="u"/>
       </p:transition>
     </mc:Choice>
-    <mc:Fallback>
+    <mc:Fallback xmlns="">
       <p:transition spd="slow">
         <p:fade/>
       </p:transition>
@@ -1798,7 +1799,7 @@
           <a:p>
             <a:fld id="{B01EA198-6CAB-4B8F-B93F-1F9C8C4B6CE7}" type="datetime1">
               <a:rPr lang="en-US" smtClean="0"/>
-              <a:t>11/5/2025</a:t>
+              <a:t>11/6/2025</a:t>
             </a:fld>
             <a:endParaRPr lang="en-US"/>
           </a:p>
@@ -1852,7 +1853,7 @@
           <a:p>
             <a:fld id="{CC057153-B650-4DEB-B370-79DDCFDCE934}" type="slidenum">
               <a:rPr lang="en-US" smtClean="0"/>
-              <a:t>‹nr.›</a:t>
+              <a:t>‹#›</a:t>
             </a:fld>
             <a:endParaRPr lang="en-US"/>
           </a:p>
@@ -1868,13 +1869,13 @@
   <p:clrMapOvr>
     <a:masterClrMapping/>
   </p:clrMapOvr>
-  <mc:AlternateContent xmlns:mc="http://schemas.openxmlformats.org/markup-compatibility/2006">
-    <mc:Choice xmlns:p14="http://schemas.microsoft.com/office/powerpoint/2010/main" Requires="p14">
+  <mc:AlternateContent xmlns:mc="http://schemas.openxmlformats.org/markup-compatibility/2006" xmlns:p14="http://schemas.microsoft.com/office/powerpoint/2010/main">
+    <mc:Choice Requires="p14">
       <p:transition spd="slow" p14:dur="4000">
         <p14:vortex dir="u"/>
       </p:transition>
     </mc:Choice>
-    <mc:Fallback>
+    <mc:Fallback xmlns="">
       <p:transition spd="slow">
         <p:fade/>
       </p:transition>
@@ -2080,7 +2081,7 @@
           <a:p>
             <a:fld id="{CA06041F-4525-44D5-AA4F-332294BF1F56}" type="datetime1">
               <a:rPr lang="en-US" smtClean="0"/>
-              <a:t>11/5/2025</a:t>
+              <a:t>11/6/2025</a:t>
             </a:fld>
             <a:endParaRPr lang="en-US"/>
           </a:p>
@@ -2134,7 +2135,7 @@
           <a:p>
             <a:fld id="{CC057153-B650-4DEB-B370-79DDCFDCE934}" type="slidenum">
               <a:rPr lang="en-US" smtClean="0"/>
-              <a:t>‹nr.›</a:t>
+              <a:t>‹#›</a:t>
             </a:fld>
             <a:endParaRPr lang="en-US"/>
           </a:p>
@@ -2150,13 +2151,13 @@
   <p:clrMapOvr>
     <a:masterClrMapping/>
   </p:clrMapOvr>
-  <mc:AlternateContent xmlns:mc="http://schemas.openxmlformats.org/markup-compatibility/2006">
-    <mc:Choice xmlns:p14="http://schemas.microsoft.com/office/powerpoint/2010/main" Requires="p14">
+  <mc:AlternateContent xmlns:mc="http://schemas.openxmlformats.org/markup-compatibility/2006" xmlns:p14="http://schemas.microsoft.com/office/powerpoint/2010/main">
+    <mc:Choice Requires="p14">
       <p:transition spd="slow" p14:dur="4000">
         <p14:vortex dir="u"/>
       </p:transition>
     </mc:Choice>
-    <mc:Fallback>
+    <mc:Fallback xmlns="">
       <p:transition spd="slow">
         <p:fade/>
       </p:transition>
@@ -2514,7 +2515,7 @@
           <a:p>
             <a:fld id="{F9557091-BBDF-4EB9-BA6B-2BB67AC4FC0F}" type="datetime1">
               <a:rPr lang="en-US" smtClean="0"/>
-              <a:t>11/5/2025</a:t>
+              <a:t>11/6/2025</a:t>
             </a:fld>
             <a:endParaRPr lang="en-US"/>
           </a:p>
@@ -2568,7 +2569,7 @@
           <a:p>
             <a:fld id="{CC057153-B650-4DEB-B370-79DDCFDCE934}" type="slidenum">
               <a:rPr lang="en-US" smtClean="0"/>
-              <a:t>‹nr.›</a:t>
+              <a:t>‹#›</a:t>
             </a:fld>
             <a:endParaRPr lang="en-US"/>
           </a:p>
@@ -2584,13 +2585,13 @@
   <p:clrMapOvr>
     <a:masterClrMapping/>
   </p:clrMapOvr>
-  <mc:AlternateContent xmlns:mc="http://schemas.openxmlformats.org/markup-compatibility/2006">
-    <mc:Choice xmlns:p14="http://schemas.microsoft.com/office/powerpoint/2010/main" Requires="p14">
+  <mc:AlternateContent xmlns:mc="http://schemas.openxmlformats.org/markup-compatibility/2006" xmlns:p14="http://schemas.microsoft.com/office/powerpoint/2010/main">
+    <mc:Choice Requires="p14">
       <p:transition spd="slow" p14:dur="4000">
         <p14:vortex dir="u"/>
       </p:transition>
     </mc:Choice>
-    <mc:Fallback>
+    <mc:Fallback xmlns="">
       <p:transition spd="slow">
         <p:fade/>
       </p:transition>
@@ -2667,7 +2668,7 @@
           <a:p>
             <a:fld id="{2D6B226B-77A6-410C-9796-083F278E0125}" type="datetime1">
               <a:rPr lang="en-US" smtClean="0"/>
-              <a:t>11/5/2025</a:t>
+              <a:t>11/6/2025</a:t>
             </a:fld>
             <a:endParaRPr lang="en-US"/>
           </a:p>
@@ -2721,7 +2722,7 @@
           <a:p>
             <a:fld id="{CC057153-B650-4DEB-B370-79DDCFDCE934}" type="slidenum">
               <a:rPr lang="en-US" smtClean="0"/>
-              <a:t>‹nr.›</a:t>
+              <a:t>‹#›</a:t>
             </a:fld>
             <a:endParaRPr lang="en-US"/>
           </a:p>
@@ -2737,13 +2738,13 @@
   <p:clrMapOvr>
     <a:masterClrMapping/>
   </p:clrMapOvr>
-  <mc:AlternateContent xmlns:mc="http://schemas.openxmlformats.org/markup-compatibility/2006">
-    <mc:Choice xmlns:p14="http://schemas.microsoft.com/office/powerpoint/2010/main" Requires="p14">
+  <mc:AlternateContent xmlns:mc="http://schemas.openxmlformats.org/markup-compatibility/2006" xmlns:p14="http://schemas.microsoft.com/office/powerpoint/2010/main">
+    <mc:Choice Requires="p14">
       <p:transition spd="slow" p14:dur="4000">
         <p14:vortex dir="u"/>
       </p:transition>
     </mc:Choice>
-    <mc:Fallback>
+    <mc:Fallback xmlns="">
       <p:transition spd="slow">
         <p:fade/>
       </p:transition>
@@ -2792,7 +2793,7 @@
           <a:p>
             <a:fld id="{A23A578B-D289-4C40-8593-3D356C49DA58}" type="datetime1">
               <a:rPr lang="en-US" smtClean="0"/>
-              <a:t>11/5/2025</a:t>
+              <a:t>11/6/2025</a:t>
             </a:fld>
             <a:endParaRPr lang="en-US"/>
           </a:p>
@@ -2846,7 +2847,7 @@
           <a:p>
             <a:fld id="{CC057153-B650-4DEB-B370-79DDCFDCE934}" type="slidenum">
               <a:rPr lang="en-US" smtClean="0"/>
-              <a:t>‹nr.›</a:t>
+              <a:t>‹#›</a:t>
             </a:fld>
             <a:endParaRPr lang="en-US"/>
           </a:p>
@@ -2862,13 +2863,13 @@
   <p:clrMapOvr>
     <a:masterClrMapping/>
   </p:clrMapOvr>
-  <mc:AlternateContent xmlns:mc="http://schemas.openxmlformats.org/markup-compatibility/2006">
-    <mc:Choice xmlns:p14="http://schemas.microsoft.com/office/powerpoint/2010/main" Requires="p14">
+  <mc:AlternateContent xmlns:mc="http://schemas.openxmlformats.org/markup-compatibility/2006" xmlns:p14="http://schemas.microsoft.com/office/powerpoint/2010/main">
+    <mc:Choice Requires="p14">
       <p:transition spd="slow" p14:dur="4000">
         <p14:vortex dir="u"/>
       </p:transition>
     </mc:Choice>
-    <mc:Fallback>
+    <mc:Fallback xmlns="">
       <p:transition spd="slow">
         <p:fade/>
       </p:transition>
@@ -3121,7 +3122,7 @@
           <a:p>
             <a:fld id="{713DFAE3-14DB-48A7-A80F-80DDB072CE3D}" type="datetime1">
               <a:rPr lang="en-US" smtClean="0"/>
-              <a:t>11/5/2025</a:t>
+              <a:t>11/6/2025</a:t>
             </a:fld>
             <a:endParaRPr lang="en-US"/>
           </a:p>
@@ -3175,7 +3176,7 @@
           <a:p>
             <a:fld id="{CC057153-B650-4DEB-B370-79DDCFDCE934}" type="slidenum">
               <a:rPr lang="en-US" smtClean="0"/>
-              <a:t>‹nr.›</a:t>
+              <a:t>‹#›</a:t>
             </a:fld>
             <a:endParaRPr lang="en-US"/>
           </a:p>
@@ -3191,13 +3192,13 @@
   <p:clrMapOvr>
     <a:masterClrMapping/>
   </p:clrMapOvr>
-  <mc:AlternateContent xmlns:mc="http://schemas.openxmlformats.org/markup-compatibility/2006">
-    <mc:Choice xmlns:p14="http://schemas.microsoft.com/office/powerpoint/2010/main" Requires="p14">
+  <mc:AlternateContent xmlns:mc="http://schemas.openxmlformats.org/markup-compatibility/2006" xmlns:p14="http://schemas.microsoft.com/office/powerpoint/2010/main">
+    <mc:Choice Requires="p14">
       <p:transition spd="slow" p14:dur="4000">
         <p14:vortex dir="u"/>
       </p:transition>
     </mc:Choice>
-    <mc:Fallback>
+    <mc:Fallback xmlns="">
       <p:transition spd="slow">
         <p:fade/>
       </p:transition>
@@ -3426,7 +3427,7 @@
           <a:p>
             <a:fld id="{92C5EAEF-6478-4102-8F5D-A5FE9FC97ACB}" type="datetime1">
               <a:rPr lang="en-US" smtClean="0"/>
-              <a:t>11/5/2025</a:t>
+              <a:t>11/6/2025</a:t>
             </a:fld>
             <a:endParaRPr lang="en-US"/>
           </a:p>
@@ -3480,7 +3481,7 @@
           <a:p>
             <a:fld id="{CC057153-B650-4DEB-B370-79DDCFDCE934}" type="slidenum">
               <a:rPr lang="en-US" smtClean="0"/>
-              <a:t>‹nr.›</a:t>
+              <a:t>‹#›</a:t>
             </a:fld>
             <a:endParaRPr lang="en-US"/>
           </a:p>
@@ -3496,13 +3497,13 @@
   <p:clrMapOvr>
     <a:masterClrMapping/>
   </p:clrMapOvr>
-  <mc:AlternateContent xmlns:mc="http://schemas.openxmlformats.org/markup-compatibility/2006">
-    <mc:Choice xmlns:p14="http://schemas.microsoft.com/office/powerpoint/2010/main" Requires="p14">
+  <mc:AlternateContent xmlns:mc="http://schemas.openxmlformats.org/markup-compatibility/2006" xmlns:p14="http://schemas.microsoft.com/office/powerpoint/2010/main">
+    <mc:Choice Requires="p14">
       <p:transition spd="slow" p14:dur="4000">
         <p14:vortex dir="u"/>
       </p:transition>
     </mc:Choice>
-    <mc:Fallback>
+    <mc:Fallback xmlns="">
       <p:transition spd="slow">
         <p:fade/>
       </p:transition>
@@ -3677,7 +3678,7 @@
           <a:p>
             <a:fld id="{67F45AC6-C491-4585-A584-9CE2AF7D5500}" type="datetime1">
               <a:rPr lang="en-US" smtClean="0"/>
-              <a:t>11/5/2025</a:t>
+              <a:t>11/6/2025</a:t>
             </a:fld>
             <a:endParaRPr lang="en-US"/>
           </a:p>
@@ -3763,7 +3764,7 @@
           <a:p>
             <a:fld id="{CC057153-B650-4DEB-B370-79DDCFDCE934}" type="slidenum">
               <a:rPr lang="en-US" smtClean="0"/>
-              <a:t>‹nr.›</a:t>
+              <a:t>‹#›</a:t>
             </a:fld>
             <a:endParaRPr lang="en-US"/>
           </a:p>
@@ -3790,13 +3791,13 @@
     <p:sldLayoutId id="2147483688" r:id="rId10"/>
     <p:sldLayoutId id="2147483690" r:id="rId11"/>
   </p:sldLayoutIdLst>
-  <mc:AlternateContent xmlns:mc="http://schemas.openxmlformats.org/markup-compatibility/2006">
-    <mc:Choice xmlns:p14="http://schemas.microsoft.com/office/powerpoint/2010/main" Requires="p14">
+  <mc:AlternateContent xmlns:mc="http://schemas.openxmlformats.org/markup-compatibility/2006" xmlns:p14="http://schemas.microsoft.com/office/powerpoint/2010/main">
+    <mc:Choice Requires="p14">
       <p:transition spd="slow" p14:dur="4000">
         <p14:vortex dir="u"/>
       </p:transition>
     </mc:Choice>
-    <mc:Fallback>
+    <mc:Fallback xmlns="">
       <p:transition spd="slow">
         <p:fade/>
       </p:transition>
@@ -4403,13 +4404,13 @@
   <p:clrMapOvr>
     <a:masterClrMapping/>
   </p:clrMapOvr>
-  <mc:AlternateContent xmlns:mc="http://schemas.openxmlformats.org/markup-compatibility/2006">
-    <mc:Choice xmlns:p14="http://schemas.microsoft.com/office/powerpoint/2010/main" Requires="p14">
+  <mc:AlternateContent xmlns:mc="http://schemas.openxmlformats.org/markup-compatibility/2006" xmlns:p14="http://schemas.microsoft.com/office/powerpoint/2010/main">
+    <mc:Choice Requires="p14">
       <p:transition spd="slow" p14:dur="4000">
         <p14:vortex dir="u"/>
       </p:transition>
     </mc:Choice>
-    <mc:Fallback>
+    <mc:Fallback xmlns="">
       <p:transition spd="slow">
         <p:fade/>
       </p:transition>
@@ -4722,13 +4723,13 @@
   <p:clrMapOvr>
     <a:masterClrMapping/>
   </p:clrMapOvr>
-  <mc:AlternateContent xmlns:mc="http://schemas.openxmlformats.org/markup-compatibility/2006">
-    <mc:Choice xmlns:p14="http://schemas.microsoft.com/office/powerpoint/2010/main" Requires="p14">
+  <mc:AlternateContent xmlns:mc="http://schemas.openxmlformats.org/markup-compatibility/2006" xmlns:p14="http://schemas.microsoft.com/office/powerpoint/2010/main">
+    <mc:Choice Requires="p14">
       <p:transition spd="slow" p14:dur="4000">
         <p14:vortex dir="u"/>
       </p:transition>
     </mc:Choice>
-    <mc:Fallback>
+    <mc:Fallback xmlns="">
       <p:transition spd="slow">
         <p:fade/>
       </p:transition>
@@ -5082,13 +5083,13 @@
   <p:clrMapOvr>
     <a:masterClrMapping/>
   </p:clrMapOvr>
-  <mc:AlternateContent xmlns:mc="http://schemas.openxmlformats.org/markup-compatibility/2006">
-    <mc:Choice xmlns:p14="http://schemas.microsoft.com/office/powerpoint/2010/main" Requires="p14">
+  <mc:AlternateContent xmlns:mc="http://schemas.openxmlformats.org/markup-compatibility/2006" xmlns:p14="http://schemas.microsoft.com/office/powerpoint/2010/main">
+    <mc:Choice Requires="p14">
       <p:transition spd="slow" p14:dur="4000">
         <p14:vortex dir="u"/>
       </p:transition>
     </mc:Choice>
-    <mc:Fallback>
+    <mc:Fallback xmlns="">
       <p:transition spd="slow">
         <p:fade/>
       </p:transition>
@@ -5683,13 +5684,13 @@
   <p:clrMapOvr>
     <a:masterClrMapping/>
   </p:clrMapOvr>
-  <mc:AlternateContent xmlns:mc="http://schemas.openxmlformats.org/markup-compatibility/2006">
-    <mc:Choice xmlns:p14="http://schemas.microsoft.com/office/powerpoint/2010/main" Requires="p14">
+  <mc:AlternateContent xmlns:mc="http://schemas.openxmlformats.org/markup-compatibility/2006" xmlns:p14="http://schemas.microsoft.com/office/powerpoint/2010/main">
+    <mc:Choice Requires="p14">
       <p:transition spd="slow" p14:dur="4000">
         <p14:vortex dir="u"/>
       </p:transition>
     </mc:Choice>
-    <mc:Fallback>
+    <mc:Fallback xmlns="">
       <p:transition spd="slow">
         <p:fade/>
       </p:transition>
@@ -6222,13 +6223,13 @@
   <p:clrMapOvr>
     <a:masterClrMapping/>
   </p:clrMapOvr>
-  <mc:AlternateContent xmlns:mc="http://schemas.openxmlformats.org/markup-compatibility/2006">
-    <mc:Choice xmlns:p14="http://schemas.microsoft.com/office/powerpoint/2010/main" Requires="p14">
+  <mc:AlternateContent xmlns:mc="http://schemas.openxmlformats.org/markup-compatibility/2006" xmlns:p14="http://schemas.microsoft.com/office/powerpoint/2010/main">
+    <mc:Choice Requires="p14">
       <p:transition spd="slow" p14:dur="4000">
         <p14:vortex dir="u"/>
       </p:transition>
     </mc:Choice>
-    <mc:Fallback>
+    <mc:Fallback xmlns="">
       <p:transition spd="slow">
         <p:fade/>
       </p:transition>
@@ -6975,13 +6976,13 @@
   <p:clrMapOvr>
     <a:masterClrMapping/>
   </p:clrMapOvr>
-  <mc:AlternateContent xmlns:mc="http://schemas.openxmlformats.org/markup-compatibility/2006">
-    <mc:Choice xmlns:p14="http://schemas.microsoft.com/office/powerpoint/2010/main" Requires="p14">
+  <mc:AlternateContent xmlns:mc="http://schemas.openxmlformats.org/markup-compatibility/2006" xmlns:p14="http://schemas.microsoft.com/office/powerpoint/2010/main">
+    <mc:Choice Requires="p14">
       <p:transition spd="slow" p14:dur="4000">
         <p14:vortex dir="u"/>
       </p:transition>
     </mc:Choice>
-    <mc:Fallback>
+    <mc:Fallback xmlns="">
       <p:transition spd="slow">
         <p:fade/>
       </p:transition>
@@ -7173,13 +7174,13 @@
   <p:clrMapOvr>
     <a:masterClrMapping/>
   </p:clrMapOvr>
-  <mc:AlternateContent xmlns:mc="http://schemas.openxmlformats.org/markup-compatibility/2006">
-    <mc:Choice xmlns:p14="http://schemas.microsoft.com/office/powerpoint/2010/main" Requires="p14">
+  <mc:AlternateContent xmlns:mc="http://schemas.openxmlformats.org/markup-compatibility/2006" xmlns:p14="http://schemas.microsoft.com/office/powerpoint/2010/main">
+    <mc:Choice Requires="p14">
       <p:transition spd="slow" p14:dur="4000">
         <p14:vortex dir="u"/>
       </p:transition>
     </mc:Choice>
-    <mc:Fallback>
+    <mc:Fallback xmlns="">
       <p:transition spd="slow">
         <p:fade/>
       </p:transition>
@@ -7541,13 +7542,13 @@
   <p:clrMapOvr>
     <a:masterClrMapping/>
   </p:clrMapOvr>
-  <mc:AlternateContent xmlns:mc="http://schemas.openxmlformats.org/markup-compatibility/2006">
-    <mc:Choice xmlns:p14="http://schemas.microsoft.com/office/powerpoint/2010/main" Requires="p14">
+  <mc:AlternateContent xmlns:mc="http://schemas.openxmlformats.org/markup-compatibility/2006" xmlns:p14="http://schemas.microsoft.com/office/powerpoint/2010/main">
+    <mc:Choice Requires="p14">
       <p:transition spd="slow" p14:dur="4000">
         <p14:vortex dir="u"/>
       </p:transition>
     </mc:Choice>
-    <mc:Fallback>
+    <mc:Fallback xmlns="">
       <p:transition spd="slow">
         <p:fade/>
       </p:transition>
@@ -8026,13 +8027,13 @@
   <p:clrMapOvr>
     <a:masterClrMapping/>
   </p:clrMapOvr>
-  <mc:AlternateContent xmlns:mc="http://schemas.openxmlformats.org/markup-compatibility/2006">
-    <mc:Choice xmlns:p14="http://schemas.microsoft.com/office/powerpoint/2010/main" Requires="p14">
+  <mc:AlternateContent xmlns:mc="http://schemas.openxmlformats.org/markup-compatibility/2006" xmlns:p14="http://schemas.microsoft.com/office/powerpoint/2010/main">
+    <mc:Choice Requires="p14">
       <p:transition spd="slow" p14:dur="4000">
         <p14:vortex dir="u"/>
       </p:transition>
     </mc:Choice>
-    <mc:Fallback>
+    <mc:Fallback xmlns="">
       <p:transition spd="slow">
         <p:fade/>
       </p:transition>
@@ -8627,13 +8628,13 @@
   <p:clrMapOvr>
     <a:masterClrMapping/>
   </p:clrMapOvr>
-  <mc:AlternateContent xmlns:mc="http://schemas.openxmlformats.org/markup-compatibility/2006">
-    <mc:Choice xmlns:p14="http://schemas.microsoft.com/office/powerpoint/2010/main" Requires="p14">
+  <mc:AlternateContent xmlns:mc="http://schemas.openxmlformats.org/markup-compatibility/2006" xmlns:p14="http://schemas.microsoft.com/office/powerpoint/2010/main">
+    <mc:Choice Requires="p14">
       <p:transition spd="slow" p14:dur="4000">
         <p14:vortex dir="u"/>
       </p:transition>
     </mc:Choice>
-    <mc:Fallback>
+    <mc:Fallback xmlns="">
       <p:transition spd="slow">
         <p:fade/>
       </p:transition>
@@ -8824,13 +8825,13 @@
   <p:clrMapOvr>
     <a:masterClrMapping/>
   </p:clrMapOvr>
-  <mc:AlternateContent xmlns:mc="http://schemas.openxmlformats.org/markup-compatibility/2006">
-    <mc:Choice xmlns:p14="http://schemas.microsoft.com/office/powerpoint/2010/main" Requires="p14">
+  <mc:AlternateContent xmlns:mc="http://schemas.openxmlformats.org/markup-compatibility/2006" xmlns:p14="http://schemas.microsoft.com/office/powerpoint/2010/main">
+    <mc:Choice Requires="p14">
       <p:transition spd="slow" p14:dur="4000">
         <p14:vortex dir="u"/>
       </p:transition>
     </mc:Choice>
-    <mc:Fallback>
+    <mc:Fallback xmlns="">
       <p:transition spd="slow">
         <p:fade/>
       </p:transition>
@@ -9060,13 +9061,13 @@
   <p:clrMapOvr>
     <a:masterClrMapping/>
   </p:clrMapOvr>
-  <mc:AlternateContent xmlns:mc="http://schemas.openxmlformats.org/markup-compatibility/2006">
-    <mc:Choice xmlns:p14="http://schemas.microsoft.com/office/powerpoint/2010/main" Requires="p14">
+  <mc:AlternateContent xmlns:mc="http://schemas.openxmlformats.org/markup-compatibility/2006" xmlns:p14="http://schemas.microsoft.com/office/powerpoint/2010/main">
+    <mc:Choice Requires="p14">
       <p:transition spd="slow" p14:dur="4000">
         <p14:vortex dir="u"/>
       </p:transition>
     </mc:Choice>
-    <mc:Fallback>
+    <mc:Fallback xmlns="">
       <p:transition spd="slow">
         <p:fade/>
       </p:transition>
@@ -9297,13 +9298,13 @@
   <p:clrMapOvr>
     <a:masterClrMapping/>
   </p:clrMapOvr>
-  <mc:AlternateContent xmlns:mc="http://schemas.openxmlformats.org/markup-compatibility/2006">
-    <mc:Choice xmlns:p14="http://schemas.microsoft.com/office/powerpoint/2010/main" Requires="p14">
+  <mc:AlternateContent xmlns:mc="http://schemas.openxmlformats.org/markup-compatibility/2006" xmlns:p14="http://schemas.microsoft.com/office/powerpoint/2010/main">
+    <mc:Choice Requires="p14">
       <p:transition spd="slow" p14:dur="4000">
         <p14:vortex dir="u"/>
       </p:transition>
     </mc:Choice>
-    <mc:Fallback>
+    <mc:Fallback xmlns="">
       <p:transition spd="slow">
         <p:fade/>
       </p:transition>
@@ -9556,13 +9557,13 @@
   <p:clrMapOvr>
     <a:masterClrMapping/>
   </p:clrMapOvr>
-  <mc:AlternateContent xmlns:mc="http://schemas.openxmlformats.org/markup-compatibility/2006">
-    <mc:Choice xmlns:p14="http://schemas.microsoft.com/office/powerpoint/2010/main" Requires="p14">
+  <mc:AlternateContent xmlns:mc="http://schemas.openxmlformats.org/markup-compatibility/2006" xmlns:p14="http://schemas.microsoft.com/office/powerpoint/2010/main">
+    <mc:Choice Requires="p14">
       <p:transition spd="slow" p14:dur="4000">
         <p14:vortex dir="u"/>
       </p:transition>
     </mc:Choice>
-    <mc:Fallback>
+    <mc:Fallback xmlns="">
       <p:transition spd="slow">
         <p:fade/>
       </p:transition>
@@ -10033,13 +10034,13 @@
   <p:clrMapOvr>
     <a:masterClrMapping/>
   </p:clrMapOvr>
-  <mc:AlternateContent xmlns:mc="http://schemas.openxmlformats.org/markup-compatibility/2006">
-    <mc:Choice xmlns:p14="http://schemas.microsoft.com/office/powerpoint/2010/main" Requires="p14">
+  <mc:AlternateContent xmlns:mc="http://schemas.openxmlformats.org/markup-compatibility/2006" xmlns:p14="http://schemas.microsoft.com/office/powerpoint/2010/main">
+    <mc:Choice Requires="p14">
       <p:transition spd="slow" p14:dur="4000">
         <p14:vortex dir="u"/>
       </p:transition>
     </mc:Choice>
-    <mc:Fallback>
+    <mc:Fallback xmlns="">
       <p:transition spd="slow">
         <p:fade/>
       </p:transition>
@@ -10565,13 +10566,13 @@
   <p:clrMapOvr>
     <a:masterClrMapping/>
   </p:clrMapOvr>
-  <mc:AlternateContent xmlns:mc="http://schemas.openxmlformats.org/markup-compatibility/2006">
-    <mc:Choice xmlns:p14="http://schemas.microsoft.com/office/powerpoint/2010/main" Requires="p14">
+  <mc:AlternateContent xmlns:mc="http://schemas.openxmlformats.org/markup-compatibility/2006" xmlns:p14="http://schemas.microsoft.com/office/powerpoint/2010/main">
+    <mc:Choice Requires="p14">
       <p:transition spd="slow" p14:dur="4000">
         <p14:vortex dir="u"/>
       </p:transition>
     </mc:Choice>
-    <mc:Fallback>
+    <mc:Fallback xmlns="">
       <p:transition spd="slow">
         <p:fade/>
       </p:transition>
@@ -10926,13 +10927,13 @@
   <p:clrMapOvr>
     <a:masterClrMapping/>
   </p:clrMapOvr>
-  <mc:AlternateContent xmlns:mc="http://schemas.openxmlformats.org/markup-compatibility/2006">
-    <mc:Choice xmlns:p14="http://schemas.microsoft.com/office/powerpoint/2010/main" Requires="p14">
+  <mc:AlternateContent xmlns:mc="http://schemas.openxmlformats.org/markup-compatibility/2006" xmlns:p14="http://schemas.microsoft.com/office/powerpoint/2010/main">
+    <mc:Choice Requires="p14">
       <p:transition spd="slow" p14:dur="4000">
         <p14:vortex dir="u"/>
       </p:transition>
     </mc:Choice>
-    <mc:Fallback>
+    <mc:Fallback xmlns="">
       <p:transition spd="slow">
         <p:fade/>
       </p:transition>
@@ -11312,13 +11313,13 @@
   <p:clrMapOvr>
     <a:masterClrMapping/>
   </p:clrMapOvr>
-  <mc:AlternateContent xmlns:mc="http://schemas.openxmlformats.org/markup-compatibility/2006">
-    <mc:Choice xmlns:p14="http://schemas.microsoft.com/office/powerpoint/2010/main" Requires="p14">
+  <mc:AlternateContent xmlns:mc="http://schemas.openxmlformats.org/markup-compatibility/2006" xmlns:p14="http://schemas.microsoft.com/office/powerpoint/2010/main">
+    <mc:Choice Requires="p14">
       <p:transition spd="slow" p14:dur="4000">
         <p14:vortex dir="u"/>
       </p:transition>
     </mc:Choice>
-    <mc:Fallback>
+    <mc:Fallback xmlns="">
       <p:transition spd="slow">
         <p:fade/>
       </p:transition>
@@ -11595,13 +11596,13 @@
   <p:clrMapOvr>
     <a:masterClrMapping/>
   </p:clrMapOvr>
-  <mc:AlternateContent xmlns:mc="http://schemas.openxmlformats.org/markup-compatibility/2006">
-    <mc:Choice xmlns:p14="http://schemas.microsoft.com/office/powerpoint/2010/main" Requires="p14">
+  <mc:AlternateContent xmlns:mc="http://schemas.openxmlformats.org/markup-compatibility/2006" xmlns:p14="http://schemas.microsoft.com/office/powerpoint/2010/main">
+    <mc:Choice Requires="p14">
       <p:transition spd="slow" p14:dur="4000">
         <p14:vortex dir="u"/>
       </p:transition>
     </mc:Choice>
-    <mc:Fallback>
+    <mc:Fallback xmlns="">
       <p:transition spd="slow">
         <p:fade/>
       </p:transition>
@@ -11846,6 +11847,96 @@
           </a:p>
         </p:txBody>
       </p:sp>
+      <p:sp>
+        <p:nvSpPr>
+          <p:cNvPr id="4" name="Tekstvak 3">
+            <a:extLst>
+              <a:ext uri="{FF2B5EF4-FFF2-40B4-BE49-F238E27FC236}">
+                <a16:creationId xmlns:a16="http://schemas.microsoft.com/office/drawing/2014/main" id="{0A92A93F-75D0-1B63-692F-48F517A28967}"/>
+              </a:ext>
+            </a:extLst>
+          </p:cNvPr>
+          <p:cNvSpPr txBox="1"/>
+          <p:nvPr/>
+        </p:nvSpPr>
+        <p:spPr>
+          <a:xfrm>
+            <a:off x="736022" y="4043795"/>
+            <a:ext cx="4727863" cy="1477328"/>
+          </a:xfrm>
+          <a:prstGeom prst="rect">
+            <a:avLst/>
+          </a:prstGeom>
+          <a:noFill/>
+        </p:spPr>
+        <p:txBody>
+          <a:bodyPr rot="0" spcFirstLastPara="0" vertOverflow="overflow" horzOverflow="overflow" vert="horz" wrap="square" lIns="91440" tIns="45720" rIns="91440" bIns="45720" numCol="1" spcCol="0" rtlCol="0" fromWordArt="0" anchor="t" anchorCtr="0" forceAA="0" compatLnSpc="1">
+            <a:prstTxWarp prst="textNoShape">
+              <a:avLst/>
+            </a:prstTxWarp>
+            <a:spAutoFit/>
+          </a:bodyPr>
+          <a:lstStyle/>
+          <a:p>
+            <a:r>
+              <a:rPr lang="nl-NL" dirty="0"/>
+              <a:t>PDO doorloopt stapsgewijs:</a:t>
+            </a:r>
+          </a:p>
+          <a:p>
+            <a:pPr marL="285750" indent="-285750">
+              <a:buFont typeface="Calibri"/>
+              <a:buChar char="-"/>
+            </a:pPr>
+            <a:r>
+              <a:rPr lang="nl-NL" dirty="0" err="1"/>
+              <a:t>Prepare</a:t>
+            </a:r>
+          </a:p>
+          <a:p>
+            <a:pPr marL="285750" indent="-285750">
+              <a:buFont typeface="Calibri"/>
+              <a:buChar char="-"/>
+            </a:pPr>
+            <a:r>
+              <a:rPr lang="nl-NL" dirty="0"/>
+              <a:t>Bind</a:t>
+            </a:r>
+          </a:p>
+          <a:p>
+            <a:pPr marL="285750" indent="-285750">
+              <a:buFont typeface="Calibri"/>
+              <a:buChar char="-"/>
+            </a:pPr>
+            <a:r>
+              <a:rPr lang="nl-NL" dirty="0" err="1"/>
+              <a:t>Execute</a:t>
+            </a:r>
+          </a:p>
+          <a:p>
+            <a:pPr marL="285750" indent="-285750">
+              <a:buFont typeface="Calibri"/>
+              <a:buChar char="-"/>
+            </a:pPr>
+            <a:r>
+              <a:rPr lang="nl-NL" dirty="0"/>
+              <a:t>Optioneel: </a:t>
+            </a:r>
+            <a:r>
+              <a:rPr lang="nl-NL" dirty="0" err="1"/>
+              <a:t>Fetch</a:t>
+            </a:r>
+            <a:r>
+              <a:rPr lang="nl-NL" dirty="0"/>
+              <a:t> / </a:t>
+            </a:r>
+            <a:r>
+              <a:rPr lang="nl-NL" dirty="0" err="1"/>
+              <a:t>FetchAll</a:t>
+            </a:r>
+          </a:p>
+        </p:txBody>
+      </p:sp>
     </p:spTree>
     <p:extLst>
       <p:ext uri="{BB962C8B-B14F-4D97-AF65-F5344CB8AC3E}">
@@ -11856,13 +11947,13 @@
   <p:clrMapOvr>
     <a:masterClrMapping/>
   </p:clrMapOvr>
-  <mc:AlternateContent xmlns:mc="http://schemas.openxmlformats.org/markup-compatibility/2006">
-    <mc:Choice xmlns:p14="http://schemas.microsoft.com/office/powerpoint/2010/main" Requires="p14">
+  <mc:AlternateContent xmlns:mc="http://schemas.openxmlformats.org/markup-compatibility/2006" xmlns:p14="http://schemas.microsoft.com/office/powerpoint/2010/main">
+    <mc:Choice Requires="p14">
       <p:transition spd="slow" p14:dur="4000">
         <p14:vortex dir="u"/>
       </p:transition>
     </mc:Choice>
-    <mc:Fallback>
+    <mc:Fallback xmlns="">
       <p:transition spd="slow">
         <p:fade/>
       </p:transition>
@@ -12053,13 +12144,13 @@
   <p:clrMapOvr>
     <a:masterClrMapping/>
   </p:clrMapOvr>
-  <mc:AlternateContent xmlns:mc="http://schemas.openxmlformats.org/markup-compatibility/2006">
-    <mc:Choice xmlns:p14="http://schemas.microsoft.com/office/powerpoint/2010/main" Requires="p14">
+  <mc:AlternateContent xmlns:mc="http://schemas.openxmlformats.org/markup-compatibility/2006" xmlns:p14="http://schemas.microsoft.com/office/powerpoint/2010/main">
+    <mc:Choice Requires="p14">
       <p:transition spd="slow" p14:dur="4000">
         <p14:vortex dir="u"/>
       </p:transition>
     </mc:Choice>
-    <mc:Fallback>
+    <mc:Fallback xmlns="">
       <p:transition spd="slow">
         <p:fade/>
       </p:transition>
@@ -12271,13 +12362,13 @@
   <p:clrMapOvr>
     <a:masterClrMapping/>
   </p:clrMapOvr>
-  <mc:AlternateContent xmlns:mc="http://schemas.openxmlformats.org/markup-compatibility/2006">
-    <mc:Choice xmlns:p14="http://schemas.microsoft.com/office/powerpoint/2010/main" Requires="p14">
+  <mc:AlternateContent xmlns:mc="http://schemas.openxmlformats.org/markup-compatibility/2006" xmlns:p14="http://schemas.microsoft.com/office/powerpoint/2010/main">
+    <mc:Choice Requires="p14">
       <p:transition spd="slow" p14:dur="4000">
         <p14:vortex dir="u"/>
       </p:transition>
     </mc:Choice>
-    <mc:Fallback>
+    <mc:Fallback xmlns="">
       <p:transition spd="slow">
         <p:fade/>
       </p:transition>
@@ -12523,13 +12614,13 @@
   <p:clrMapOvr>
     <a:masterClrMapping/>
   </p:clrMapOvr>
-  <mc:AlternateContent xmlns:mc="http://schemas.openxmlformats.org/markup-compatibility/2006">
-    <mc:Choice xmlns:p14="http://schemas.microsoft.com/office/powerpoint/2010/main" Requires="p14">
+  <mc:AlternateContent xmlns:mc="http://schemas.openxmlformats.org/markup-compatibility/2006" xmlns:p14="http://schemas.microsoft.com/office/powerpoint/2010/main">
+    <mc:Choice Requires="p14">
       <p:transition spd="slow" p14:dur="4000">
         <p14:vortex dir="u"/>
       </p:transition>
     </mc:Choice>
-    <mc:Fallback>
+    <mc:Fallback xmlns="">
       <p:transition spd="slow">
         <p:fade/>
       </p:transition>
@@ -12916,13 +13007,13 @@
   <p:clrMapOvr>
     <a:masterClrMapping/>
   </p:clrMapOvr>
-  <mc:AlternateContent xmlns:mc="http://schemas.openxmlformats.org/markup-compatibility/2006">
-    <mc:Choice xmlns:p14="http://schemas.microsoft.com/office/powerpoint/2010/main" Requires="p14">
+  <mc:AlternateContent xmlns:mc="http://schemas.openxmlformats.org/markup-compatibility/2006" xmlns:p14="http://schemas.microsoft.com/office/powerpoint/2010/main">
+    <mc:Choice Requires="p14">
       <p:transition spd="slow" p14:dur="4000">
         <p14:vortex dir="u"/>
       </p:transition>
     </mc:Choice>
-    <mc:Fallback>
+    <mc:Fallback xmlns="">
       <p:transition spd="slow">
         <p:fade/>
       </p:transition>

--- a/H3 - Databases en Beveiliging/Presentatie/H3 Databases en Beveiliging - Dynamische Websites.pptx
+++ b/H3 - Databases en Beveiliging/Presentatie/H3 Databases en Beveiliging - Dynamische Websites.pptx
@@ -5,33 +5,34 @@
     <p:sldMasterId id="2147483696" r:id="rId1"/>
   </p:sldMasterIdLst>
   <p:notesMasterIdLst>
-    <p:notesMasterId r:id="rId26"/>
+    <p:notesMasterId r:id="rId27"/>
   </p:notesMasterIdLst>
   <p:sldIdLst>
     <p:sldId id="256" r:id="rId2"/>
-    <p:sldId id="273" r:id="rId3"/>
-    <p:sldId id="274" r:id="rId4"/>
-    <p:sldId id="275" r:id="rId5"/>
-    <p:sldId id="276" r:id="rId6"/>
-    <p:sldId id="277" r:id="rId7"/>
-    <p:sldId id="278" r:id="rId8"/>
-    <p:sldId id="279" r:id="rId9"/>
-    <p:sldId id="280" r:id="rId10"/>
-    <p:sldId id="281" r:id="rId11"/>
-    <p:sldId id="282" r:id="rId12"/>
-    <p:sldId id="283" r:id="rId13"/>
-    <p:sldId id="284" r:id="rId14"/>
-    <p:sldId id="285" r:id="rId15"/>
-    <p:sldId id="286" r:id="rId16"/>
-    <p:sldId id="289" r:id="rId17"/>
-    <p:sldId id="287" r:id="rId18"/>
-    <p:sldId id="290" r:id="rId19"/>
-    <p:sldId id="291" r:id="rId20"/>
-    <p:sldId id="288" r:id="rId21"/>
-    <p:sldId id="292" r:id="rId22"/>
-    <p:sldId id="293" r:id="rId23"/>
-    <p:sldId id="294" r:id="rId24"/>
-    <p:sldId id="272" r:id="rId25"/>
+    <p:sldId id="295" r:id="rId3"/>
+    <p:sldId id="273" r:id="rId4"/>
+    <p:sldId id="274" r:id="rId5"/>
+    <p:sldId id="275" r:id="rId6"/>
+    <p:sldId id="276" r:id="rId7"/>
+    <p:sldId id="277" r:id="rId8"/>
+    <p:sldId id="278" r:id="rId9"/>
+    <p:sldId id="279" r:id="rId10"/>
+    <p:sldId id="280" r:id="rId11"/>
+    <p:sldId id="281" r:id="rId12"/>
+    <p:sldId id="282" r:id="rId13"/>
+    <p:sldId id="283" r:id="rId14"/>
+    <p:sldId id="284" r:id="rId15"/>
+    <p:sldId id="285" r:id="rId16"/>
+    <p:sldId id="286" r:id="rId17"/>
+    <p:sldId id="289" r:id="rId18"/>
+    <p:sldId id="287" r:id="rId19"/>
+    <p:sldId id="290" r:id="rId20"/>
+    <p:sldId id="291" r:id="rId21"/>
+    <p:sldId id="288" r:id="rId22"/>
+    <p:sldId id="292" r:id="rId23"/>
+    <p:sldId id="293" r:id="rId24"/>
+    <p:sldId id="294" r:id="rId25"/>
+    <p:sldId id="272" r:id="rId26"/>
   </p:sldIdLst>
   <p:sldSz cx="12192000" cy="6858000"/>
   <p:notesSz cx="6858000" cy="9144000"/>
@@ -130,20 +131,15 @@
       </a:defRPr>
     </a:lvl9pPr>
   </p:defaultTextStyle>
-  <p:extLst>
-    <p:ext uri="{EFAFB233-063F-42B5-8137-9DF3F51BA10A}">
-      <p15:sldGuideLst xmlns:p15="http://schemas.microsoft.com/office/powerpoint/2012/main"/>
-    </p:ext>
-  </p:extLst>
 </p:presentation>
 </file>
 
 <file path=ppt/revisionInfo.xml><?xml version="1.0" encoding="utf-8"?>
 <p1510:revInfo xmlns:a="http://schemas.openxmlformats.org/drawingml/2006/main" xmlns:r="http://schemas.openxmlformats.org/officeDocument/2006/relationships" xmlns:p1510="http://schemas.microsoft.com/office/powerpoint/2015/10/main">
   <p1510:revLst>
-    <p1510:client id="{C6E7D8E5-334B-6BED-3A15-C50C85D7133C}" v="2733" dt="2025-11-05T14:12:54.596"/>
-    <p1510:client id="{E5F3F909-AD2C-F04E-F173-6FF068CB45DB}" v="54" dt="2025-11-05T20:45:33.113"/>
-    <p1510:client id="{E9627F19-914F-3B8E-9AE0-EB1A5D63F7B9}" v="7401" dt="2025-11-05T20:29:13.609"/>
+    <p1510:client id="{4A070448-62BB-7CBF-429E-2E7FE329A604}" v="1" dt="2026-01-07T12:26:00.548"/>
+    <p1510:client id="{7D2C3034-85B8-F5B9-2F60-765159E2E2AC}" v="19" dt="2026-01-07T18:34:25.280"/>
+    <p1510:client id="{8112954C-72CE-0D70-4C2C-C0AAF86BFAA5}" v="73" dt="2026-01-07T18:57:17.943"/>
   </p1510:revLst>
 </p1510:revInfo>
 </file>
@@ -230,7 +226,7 @@
           <a:p>
             <a:fld id="{6706355E-35B0-47A6-8E00-D68DE081856C}" type="datetimeFigureOut">
               <a:rPr lang="nl-BE" smtClean="0"/>
-              <a:t>6/11/2025</a:t>
+              <a:t>7/01/2026</a:t>
             </a:fld>
             <a:endParaRPr lang="nl-BE"/>
           </a:p>
@@ -389,7 +385,7 @@
           <a:p>
             <a:fld id="{39DBD449-D42A-4711-8837-53EC15580D9C}" type="slidenum">
               <a:rPr lang="nl-BE" smtClean="0"/>
-              <a:t>‹#›</a:t>
+              <a:t>‹nr.›</a:t>
             </a:fld>
             <a:endParaRPr lang="nl-BE"/>
           </a:p>
@@ -690,7 +686,7 @@
           <a:p>
             <a:fld id="{39DBD449-D42A-4711-8837-53EC15580D9C}" type="slidenum">
               <a:rPr lang="nl-BE" smtClean="0"/>
-              <a:t>24</a:t>
+              <a:t>25</a:t>
             </a:fld>
             <a:endParaRPr lang="nl-BE"/>
           </a:p>
@@ -860,7 +856,7 @@
           <a:p>
             <a:fld id="{C128FA71-3A18-48C0-980F-4B68F7F63042}" type="datetime1">
               <a:rPr lang="en-US" smtClean="0"/>
-              <a:t>11/6/2025</a:t>
+              <a:t>1/7/2026</a:t>
             </a:fld>
             <a:endParaRPr lang="en-US"/>
           </a:p>
@@ -914,7 +910,7 @@
           <a:p>
             <a:fld id="{CC057153-B650-4DEB-B370-79DDCFDCE934}" type="slidenum">
               <a:rPr lang="en-US" smtClean="0"/>
-              <a:t>‹#›</a:t>
+              <a:t>‹nr.›</a:t>
             </a:fld>
             <a:endParaRPr lang="en-US"/>
           </a:p>
@@ -1080,7 +1076,7 @@
           <a:p>
             <a:fld id="{7104EDB3-C0E8-45F8-9E1D-1B6C8D1880C0}" type="datetime1">
               <a:rPr lang="en-US" smtClean="0"/>
-              <a:t>11/6/2025</a:t>
+              <a:t>1/7/2026</a:t>
             </a:fld>
             <a:endParaRPr lang="en-US"/>
           </a:p>
@@ -1134,7 +1130,7 @@
           <a:p>
             <a:fld id="{CC057153-B650-4DEB-B370-79DDCFDCE934}" type="slidenum">
               <a:rPr lang="en-US" smtClean="0"/>
-              <a:t>‹#›</a:t>
+              <a:t>‹nr.›</a:t>
             </a:fld>
             <a:endParaRPr lang="en-US"/>
           </a:p>
@@ -1300,7 +1296,7 @@
           <a:p>
             <a:fld id="{9CF0EC4B-54ED-4041-B552-9BA760FA3DBA}" type="datetime1">
               <a:rPr lang="en-US" smtClean="0"/>
-              <a:t>11/6/2025</a:t>
+              <a:t>1/7/2026</a:t>
             </a:fld>
             <a:endParaRPr lang="en-US"/>
           </a:p>
@@ -1354,7 +1350,7 @@
           <a:p>
             <a:fld id="{CC057153-B650-4DEB-B370-79DDCFDCE934}" type="slidenum">
               <a:rPr lang="en-US" smtClean="0"/>
-              <a:t>‹#›</a:t>
+              <a:t>‹nr.›</a:t>
             </a:fld>
             <a:endParaRPr lang="en-US"/>
           </a:p>
@@ -1510,7 +1506,7 @@
           <a:p>
             <a:fld id="{51C1210E-201E-4473-82AC-2466F5386C38}" type="datetime1">
               <a:rPr lang="en-US" smtClean="0"/>
-              <a:t>11/6/2025</a:t>
+              <a:t>1/7/2026</a:t>
             </a:fld>
             <a:endParaRPr lang="en-US"/>
           </a:p>
@@ -1564,7 +1560,7 @@
           <a:p>
             <a:fld id="{CC057153-B650-4DEB-B370-79DDCFDCE934}" type="slidenum">
               <a:rPr lang="en-US" smtClean="0"/>
-              <a:t>‹#›</a:t>
+              <a:t>‹nr.›</a:t>
             </a:fld>
             <a:endParaRPr lang="en-US"/>
           </a:p>
@@ -1799,7 +1795,7 @@
           <a:p>
             <a:fld id="{B01EA198-6CAB-4B8F-B93F-1F9C8C4B6CE7}" type="datetime1">
               <a:rPr lang="en-US" smtClean="0"/>
-              <a:t>11/6/2025</a:t>
+              <a:t>1/7/2026</a:t>
             </a:fld>
             <a:endParaRPr lang="en-US"/>
           </a:p>
@@ -1853,7 +1849,7 @@
           <a:p>
             <a:fld id="{CC057153-B650-4DEB-B370-79DDCFDCE934}" type="slidenum">
               <a:rPr lang="en-US" smtClean="0"/>
-              <a:t>‹#›</a:t>
+              <a:t>‹nr.›</a:t>
             </a:fld>
             <a:endParaRPr lang="en-US"/>
           </a:p>
@@ -2081,7 +2077,7 @@
           <a:p>
             <a:fld id="{CA06041F-4525-44D5-AA4F-332294BF1F56}" type="datetime1">
               <a:rPr lang="en-US" smtClean="0"/>
-              <a:t>11/6/2025</a:t>
+              <a:t>1/7/2026</a:t>
             </a:fld>
             <a:endParaRPr lang="en-US"/>
           </a:p>
@@ -2135,7 +2131,7 @@
           <a:p>
             <a:fld id="{CC057153-B650-4DEB-B370-79DDCFDCE934}" type="slidenum">
               <a:rPr lang="en-US" smtClean="0"/>
-              <a:t>‹#›</a:t>
+              <a:t>‹nr.›</a:t>
             </a:fld>
             <a:endParaRPr lang="en-US"/>
           </a:p>
@@ -2515,7 +2511,7 @@
           <a:p>
             <a:fld id="{F9557091-BBDF-4EB9-BA6B-2BB67AC4FC0F}" type="datetime1">
               <a:rPr lang="en-US" smtClean="0"/>
-              <a:t>11/6/2025</a:t>
+              <a:t>1/7/2026</a:t>
             </a:fld>
             <a:endParaRPr lang="en-US"/>
           </a:p>
@@ -2569,7 +2565,7 @@
           <a:p>
             <a:fld id="{CC057153-B650-4DEB-B370-79DDCFDCE934}" type="slidenum">
               <a:rPr lang="en-US" smtClean="0"/>
-              <a:t>‹#›</a:t>
+              <a:t>‹nr.›</a:t>
             </a:fld>
             <a:endParaRPr lang="en-US"/>
           </a:p>
@@ -2668,7 +2664,7 @@
           <a:p>
             <a:fld id="{2D6B226B-77A6-410C-9796-083F278E0125}" type="datetime1">
               <a:rPr lang="en-US" smtClean="0"/>
-              <a:t>11/6/2025</a:t>
+              <a:t>1/7/2026</a:t>
             </a:fld>
             <a:endParaRPr lang="en-US"/>
           </a:p>
@@ -2722,7 +2718,7 @@
           <a:p>
             <a:fld id="{CC057153-B650-4DEB-B370-79DDCFDCE934}" type="slidenum">
               <a:rPr lang="en-US" smtClean="0"/>
-              <a:t>‹#›</a:t>
+              <a:t>‹nr.›</a:t>
             </a:fld>
             <a:endParaRPr lang="en-US"/>
           </a:p>
@@ -2793,7 +2789,7 @@
           <a:p>
             <a:fld id="{A23A578B-D289-4C40-8593-3D356C49DA58}" type="datetime1">
               <a:rPr lang="en-US" smtClean="0"/>
-              <a:t>11/6/2025</a:t>
+              <a:t>1/7/2026</a:t>
             </a:fld>
             <a:endParaRPr lang="en-US"/>
           </a:p>
@@ -2847,7 +2843,7 @@
           <a:p>
             <a:fld id="{CC057153-B650-4DEB-B370-79DDCFDCE934}" type="slidenum">
               <a:rPr lang="en-US" smtClean="0"/>
-              <a:t>‹#›</a:t>
+              <a:t>‹nr.›</a:t>
             </a:fld>
             <a:endParaRPr lang="en-US"/>
           </a:p>
@@ -3122,7 +3118,7 @@
           <a:p>
             <a:fld id="{713DFAE3-14DB-48A7-A80F-80DDB072CE3D}" type="datetime1">
               <a:rPr lang="en-US" smtClean="0"/>
-              <a:t>11/6/2025</a:t>
+              <a:t>1/7/2026</a:t>
             </a:fld>
             <a:endParaRPr lang="en-US"/>
           </a:p>
@@ -3176,7 +3172,7 @@
           <a:p>
             <a:fld id="{CC057153-B650-4DEB-B370-79DDCFDCE934}" type="slidenum">
               <a:rPr lang="en-US" smtClean="0"/>
-              <a:t>‹#›</a:t>
+              <a:t>‹nr.›</a:t>
             </a:fld>
             <a:endParaRPr lang="en-US"/>
           </a:p>
@@ -3427,7 +3423,7 @@
           <a:p>
             <a:fld id="{92C5EAEF-6478-4102-8F5D-A5FE9FC97ACB}" type="datetime1">
               <a:rPr lang="en-US" smtClean="0"/>
-              <a:t>11/6/2025</a:t>
+              <a:t>1/7/2026</a:t>
             </a:fld>
             <a:endParaRPr lang="en-US"/>
           </a:p>
@@ -3481,7 +3477,7 @@
           <a:p>
             <a:fld id="{CC057153-B650-4DEB-B370-79DDCFDCE934}" type="slidenum">
               <a:rPr lang="en-US" smtClean="0"/>
-              <a:t>‹#›</a:t>
+              <a:t>‹nr.›</a:t>
             </a:fld>
             <a:endParaRPr lang="en-US"/>
           </a:p>
@@ -3678,7 +3674,7 @@
           <a:p>
             <a:fld id="{67F45AC6-C491-4585-A584-9CE2AF7D5500}" type="datetime1">
               <a:rPr lang="en-US" smtClean="0"/>
-              <a:t>11/6/2025</a:t>
+              <a:t>1/7/2026</a:t>
             </a:fld>
             <a:endParaRPr lang="en-US"/>
           </a:p>
@@ -3764,7 +3760,7 @@
           <a:p>
             <a:fld id="{CC057153-B650-4DEB-B370-79DDCFDCE934}" type="slidenum">
               <a:rPr lang="en-US" smtClean="0"/>
-              <a:t>‹#›</a:t>
+              <a:t>‹nr.›</a:t>
             </a:fld>
             <a:endParaRPr lang="en-US"/>
           </a:p>
@@ -4218,15 +4214,15 @@
           <a:p>
             <a:pPr algn="l"/>
             <a:r>
-              <a:rPr lang="nl-BE" b="0" dirty="0"/>
+              <a:rPr lang="nl-BE" b="0"/>
               <a:t>Webdesign:</a:t>
             </a:r>
             <a:r>
-              <a:rPr lang="nl-BE" dirty="0"/>
+              <a:rPr lang="nl-BE"/>
               <a:t> </a:t>
             </a:r>
             <a:r>
-              <a:rPr lang="nl-BE" b="0" dirty="0">
+              <a:rPr lang="nl-BE" b="0">
                 <a:solidFill>
                   <a:schemeClr val="accent3"/>
                 </a:solidFill>
@@ -4234,13 +4230,13 @@
               <a:t>Dynamische Websites</a:t>
             </a:r>
             <a:br>
-              <a:rPr lang="nl-BE" b="0" dirty="0"/>
+              <a:rPr lang="nl-BE" b="0"/>
             </a:br>
             <a:br>
-              <a:rPr lang="nl-BE" b="0" dirty="0"/>
+              <a:rPr lang="nl-BE" b="0"/>
             </a:br>
             <a:r>
-              <a:rPr lang="nl-BE" dirty="0">
+              <a:rPr lang="nl-BE">
                 <a:solidFill>
                   <a:schemeClr val="accent3"/>
                 </a:solidFill>
@@ -4435,7 +4431,7 @@
         <p:cNvPr id="1" name="">
           <a:extLst>
             <a:ext uri="{FF2B5EF4-FFF2-40B4-BE49-F238E27FC236}">
-              <a16:creationId xmlns:a16="http://schemas.microsoft.com/office/drawing/2014/main" id="{763503CF-7B12-CBBA-68B3-1AF1F5B952BE}"/>
+              <a16:creationId xmlns:a16="http://schemas.microsoft.com/office/drawing/2014/main" id="{FCA5A999-D668-D122-5CF9-38D4413010EA}"/>
             </a:ext>
           </a:extLst>
         </p:cNvPr>
@@ -4455,7 +4451,7 @@
           <p:cNvPr id="61" name="Rectangle 60">
             <a:extLst>
               <a:ext uri="{FF2B5EF4-FFF2-40B4-BE49-F238E27FC236}">
-                <a16:creationId xmlns:a16="http://schemas.microsoft.com/office/drawing/2014/main" id="{FB61192C-349D-2053-D31B-E251C82B900A}"/>
+                <a16:creationId xmlns:a16="http://schemas.microsoft.com/office/drawing/2014/main" id="{43867147-1C83-BF71-39B0-B590EE7F349F}"/>
               </a:ext>
               <a:ext uri="{C183D7F6-B498-43B3-948B-1728B52AA6E4}">
                 <adec:decorative xmlns:adec="http://schemas.microsoft.com/office/drawing/2017/decorative" val="1"/>
@@ -4531,7 +4527,7 @@
           <p:cNvPr id="2" name="Titel 1">
             <a:extLst>
               <a:ext uri="{FF2B5EF4-FFF2-40B4-BE49-F238E27FC236}">
-                <a16:creationId xmlns:a16="http://schemas.microsoft.com/office/drawing/2014/main" id="{96FF7AD7-98F7-CB2A-7208-F340D1DCD34E}"/>
+                <a16:creationId xmlns:a16="http://schemas.microsoft.com/office/drawing/2014/main" id="{FD3AAE6F-D3B0-27F7-FA33-879DE876EFD9}"/>
               </a:ext>
             </a:extLst>
           </p:cNvPr>
@@ -4555,160 +4551,234 @@
           <a:lstStyle/>
           <a:p>
             <a:r>
-              <a:rPr lang="en-US" dirty="0"/>
-              <a:t>Hoe </a:t>
-            </a:r>
-            <a:r>
-              <a:rPr lang="en-US" dirty="0" err="1"/>
-              <a:t>wordt</a:t>
-            </a:r>
-            <a:r>
-              <a:rPr lang="en-US" dirty="0"/>
-              <a:t> SQLi </a:t>
-            </a:r>
-            <a:r>
-              <a:rPr lang="en-US" dirty="0" err="1"/>
-              <a:t>uitgevoerd</a:t>
-            </a:r>
-            <a:r>
-              <a:rPr lang="en-US" dirty="0"/>
-              <a:t>?</a:t>
-            </a:r>
-          </a:p>
-        </p:txBody>
-      </p:sp>
-      <p:sp>
-        <p:nvSpPr>
-          <p:cNvPr id="5" name="Tekstvak 4">
-            <a:extLst>
-              <a:ext uri="{FF2B5EF4-FFF2-40B4-BE49-F238E27FC236}">
-                <a16:creationId xmlns:a16="http://schemas.microsoft.com/office/drawing/2014/main" id="{DB7C3D45-F3A6-5F64-A162-9A1DE0DC9DFA}"/>
-              </a:ext>
-            </a:extLst>
-          </p:cNvPr>
-          <p:cNvSpPr txBox="1"/>
+              <a:rPr lang="en-US" b="1" kern="1200">
+                <a:solidFill>
+                  <a:schemeClr val="tx1"/>
+                </a:solidFill>
+                <a:latin typeface="+mj-lt"/>
+                <a:ea typeface="+mj-ea"/>
+                <a:cs typeface="+mj-cs"/>
+              </a:rPr>
+              <a:t>Security: SQL Injection</a:t>
+            </a:r>
+          </a:p>
+        </p:txBody>
+      </p:sp>
+      <p:pic>
+        <p:nvPicPr>
+          <p:cNvPr id="6" name="Afbeelding 5" descr="SQL Injection Attacks — Web-based App Security, Part 4 | Spanning">
+            <a:extLst>
+              <a:ext uri="{FF2B5EF4-FFF2-40B4-BE49-F238E27FC236}">
+                <a16:creationId xmlns:a16="http://schemas.microsoft.com/office/drawing/2014/main" id="{7B16DF80-FFD3-1FC4-A667-0E2145A55D31}"/>
+              </a:ext>
+            </a:extLst>
+          </p:cNvPr>
+          <p:cNvPicPr>
+            <a:picLocks noChangeAspect="1"/>
+          </p:cNvPicPr>
           <p:nvPr/>
-        </p:nvSpPr>
+        </p:nvPicPr>
+        <p:blipFill>
+          <a:blip r:embed="rId2"/>
+          <a:stretch>
+            <a:fillRect/>
+          </a:stretch>
+        </p:blipFill>
         <p:spPr>
           <a:xfrm>
-            <a:off x="543152" y="1313440"/>
-            <a:ext cx="11200685" cy="3139321"/>
+            <a:off x="827735" y="1792223"/>
+            <a:ext cx="5921495" cy="4539813"/>
           </a:xfrm>
           <a:prstGeom prst="rect">
             <a:avLst/>
           </a:prstGeom>
-          <a:noFill/>
         </p:spPr>
-        <p:txBody>
-          <a:bodyPr rot="0" spcFirstLastPara="0" vertOverflow="overflow" horzOverflow="overflow" vert="horz" wrap="square" lIns="91440" tIns="45720" rIns="91440" bIns="45720" numCol="1" spcCol="0" rtlCol="0" fromWordArt="0" anchor="t" anchorCtr="0" forceAA="0" compatLnSpc="1">
+      </p:pic>
+      <p:sp>
+        <p:nvSpPr>
+          <p:cNvPr id="4" name="Tekstvak 3">
+            <a:extLst>
+              <a:ext uri="{FF2B5EF4-FFF2-40B4-BE49-F238E27FC236}">
+                <a16:creationId xmlns:a16="http://schemas.microsoft.com/office/drawing/2014/main" id="{878FE41B-9CC3-6EEF-2A40-11A20FDC9D73}"/>
+              </a:ext>
+            </a:extLst>
+          </p:cNvPr>
+          <p:cNvSpPr txBox="1"/>
+          <p:nvPr/>
+        </p:nvSpPr>
+        <p:spPr>
+          <a:xfrm>
+            <a:off x="7177176" y="1792224"/>
+            <a:ext cx="4307527" cy="4517136"/>
+          </a:xfrm>
+          <a:prstGeom prst="rect">
+            <a:avLst/>
+          </a:prstGeom>
+        </p:spPr>
+        <p:txBody>
+          <a:bodyPr rot="0" spcFirstLastPara="0" vertOverflow="overflow" horzOverflow="overflow" vert="horz" lIns="91440" tIns="45720" rIns="91440" bIns="45720" numCol="1" spcCol="0" rtlCol="0" fromWordArt="0" anchor="t" anchorCtr="0" forceAA="0" compatLnSpc="1">
             <a:prstTxWarp prst="textNoShape">
               <a:avLst/>
             </a:prstTxWarp>
-            <a:spAutoFit/>
+            <a:normAutofit/>
           </a:bodyPr>
           <a:lstStyle/>
           <a:p>
-            <a:pPr marL="285750" indent="-285750">
-              <a:buFont typeface="Calibri"/>
-              <a:buChar char="-"/>
+            <a:pPr marL="285750" indent="-228600">
+              <a:lnSpc>
+                <a:spcPct val="120000"/>
+              </a:lnSpc>
+              <a:spcBef>
+                <a:spcPts val="1000"/>
+              </a:spcBef>
+              <a:buFont typeface="Arial" panose="020B0604020202020204" pitchFamily="34" charset="0"/>
+              <a:buChar char="•"/>
             </a:pPr>
             <a:r>
-              <a:rPr lang="nl-NL" dirty="0">
-                <a:ea typeface="+mn-lt"/>
-                <a:cs typeface="+mn-lt"/>
-              </a:rPr>
-              <a:t>Slecht beveiligde website accepteert ongefilterde invoer (=kwetsbaar voor </a:t>
-            </a:r>
-            <a:r>
-              <a:rPr lang="nl-NL" dirty="0" err="1">
-                <a:ea typeface="+mn-lt"/>
-                <a:cs typeface="+mn-lt"/>
-              </a:rPr>
-              <a:t>SQLi</a:t>
-            </a:r>
-            <a:r>
-              <a:rPr lang="nl-NL" dirty="0">
-                <a:ea typeface="+mn-lt"/>
-                <a:cs typeface="+mn-lt"/>
-              </a:rPr>
+              <a:rPr lang="en-US"/>
+              <a:t>⚠️ </a:t>
+            </a:r>
+            <a:r>
+              <a:rPr lang="en-US" err="1"/>
+              <a:t>Gevaarlijke</a:t>
+            </a:r>
+            <a:r>
+              <a:rPr lang="en-US"/>
+              <a:t> </a:t>
+            </a:r>
+            <a:r>
+              <a:rPr lang="en-US" err="1"/>
+              <a:t>kwetsbaarheid</a:t>
+            </a:r>
+            <a:r>
+              <a:rPr lang="en-US"/>
+              <a:t> (vulnerability) </a:t>
+            </a:r>
+            <a:r>
+              <a:rPr lang="en-US" err="1"/>
+              <a:t>bij</a:t>
+            </a:r>
+            <a:r>
+              <a:rPr lang="en-US"/>
+              <a:t> </a:t>
+            </a:r>
+            <a:r>
+              <a:rPr lang="en-US" err="1"/>
+              <a:t>webapplicaties</a:t>
+            </a:r>
+            <a:endParaRPr lang="en-US"/>
+          </a:p>
+          <a:p>
+            <a:pPr marL="285750" indent="-228600">
+              <a:lnSpc>
+                <a:spcPct val="120000"/>
+              </a:lnSpc>
+              <a:spcBef>
+                <a:spcPts val="1000"/>
+              </a:spcBef>
+              <a:buFont typeface="Arial" panose="020B0604020202020204" pitchFamily="34" charset="0"/>
+              <a:buChar char="•"/>
+            </a:pPr>
+            <a:r>
+              <a:rPr lang="en-US"/>
+              <a:t>Bij </a:t>
+            </a:r>
+            <a:r>
+              <a:rPr lang="en-US" err="1"/>
+              <a:t>kwetsbaarheid</a:t>
+            </a:r>
+            <a:r>
+              <a:rPr lang="en-US"/>
+              <a:t> </a:t>
+            </a:r>
+            <a:r>
+              <a:rPr lang="en-US" err="1"/>
+              <a:t>kan</a:t>
+            </a:r>
+            <a:r>
+              <a:rPr lang="en-US"/>
+              <a:t> </a:t>
+            </a:r>
+            <a:r>
+              <a:rPr lang="en-US" err="1"/>
+              <a:t>een</a:t>
+            </a:r>
+            <a:r>
+              <a:rPr lang="en-US"/>
+              <a:t> </a:t>
+            </a:r>
+            <a:r>
+              <a:rPr lang="en-US" err="1"/>
+              <a:t>aanvaller</a:t>
+            </a:r>
+            <a:r>
+              <a:rPr lang="en-US"/>
+              <a:t>/hacker </a:t>
+            </a:r>
+            <a:r>
+              <a:rPr lang="en-US" err="1"/>
+              <a:t>zich</a:t>
+            </a:r>
+            <a:r>
+              <a:rPr lang="en-US"/>
+              <a:t> </a:t>
+            </a:r>
+            <a:r>
+              <a:rPr lang="en-US" err="1"/>
+              <a:t>bemoeien</a:t>
+            </a:r>
+            <a:r>
+              <a:rPr lang="en-US"/>
+              <a:t> met SQL queries </a:t>
+            </a:r>
+            <a:r>
+              <a:rPr lang="en-US" b="1"/>
+              <a:t>VIA de </a:t>
+            </a:r>
+            <a:r>
+              <a:rPr lang="en-US" b="1" err="1"/>
+              <a:t>applicatie</a:t>
+            </a:r>
+            <a:r>
+              <a:rPr lang="en-US" b="1"/>
+              <a:t> </a:t>
+            </a:r>
+            <a:r>
+              <a:rPr lang="en-US" b="1" err="1"/>
+              <a:t>zelf</a:t>
+            </a:r>
+            <a:endParaRPr lang="en-US" b="1"/>
+          </a:p>
+          <a:p>
+            <a:pPr marL="285750" indent="-228600">
+              <a:lnSpc>
+                <a:spcPct val="120000"/>
+              </a:lnSpc>
+              <a:spcBef>
+                <a:spcPts val="1000"/>
+              </a:spcBef>
+              <a:buFont typeface="Arial" panose="020B0604020202020204" pitchFamily="34" charset="0"/>
+              <a:buChar char="•"/>
+            </a:pPr>
+            <a:r>
+              <a:rPr lang="en-US"/>
+              <a:t>SQL Injection ≠ SQL Server Vulnerability (</a:t>
+            </a:r>
+            <a:r>
+              <a:rPr lang="en-US" err="1"/>
+              <a:t>opgenomen</a:t>
+            </a:r>
+            <a:r>
+              <a:rPr lang="en-US"/>
+              <a:t> in CVE </a:t>
+            </a:r>
+            <a:r>
+              <a:rPr lang="en-US" err="1"/>
+              <a:t>lijsten</a:t>
+            </a:r>
+            <a:r>
+              <a:rPr lang="en-US"/>
               <a:t>)</a:t>
-            </a:r>
-          </a:p>
-          <a:p>
-            <a:pPr marL="285750" indent="-285750">
-              <a:buFont typeface="Calibri"/>
-              <a:buChar char="-"/>
-            </a:pPr>
-            <a:endParaRPr lang="nl-NL" dirty="0">
-              <a:ea typeface="+mn-lt"/>
-              <a:cs typeface="+mn-lt"/>
-            </a:endParaRPr>
-          </a:p>
-          <a:p>
-            <a:pPr marL="285750" indent="-285750">
-              <a:buFont typeface="Calibri"/>
-              <a:buChar char="-"/>
-            </a:pPr>
-            <a:r>
-              <a:rPr lang="nl-NL" dirty="0">
-                <a:ea typeface="+mn-lt"/>
-                <a:cs typeface="+mn-lt"/>
-              </a:rPr>
-              <a:t>Een aanvaller/hacker maakt een zorgvuldig samengesteld stuk tekst (input) in gebruikersinvoer </a:t>
-            </a:r>
-          </a:p>
-          <a:p>
-            <a:pPr marL="285750" indent="-285750">
-              <a:buFont typeface="Calibri"/>
-              <a:buChar char="-"/>
-            </a:pPr>
-            <a:endParaRPr lang="nl-NL" dirty="0">
-              <a:ea typeface="+mn-lt"/>
-              <a:cs typeface="+mn-lt"/>
-            </a:endParaRPr>
-          </a:p>
-          <a:p>
-            <a:pPr marL="285750" indent="-285750">
-              <a:buFont typeface="Calibri"/>
-              <a:buChar char="-"/>
-            </a:pPr>
-            <a:r>
-              <a:rPr lang="nl-NL" dirty="0">
-                <a:ea typeface="+mn-lt"/>
-                <a:cs typeface="+mn-lt"/>
-              </a:rPr>
-              <a:t>Die tekst breekt de bestaande SQL-query en voegt een kwaadaardige opdracht toe</a:t>
-            </a:r>
-            <a:endParaRPr lang="nl-NL" dirty="0"/>
-          </a:p>
-          <a:p>
-            <a:endParaRPr lang="nl-NL"/>
-          </a:p>
-          <a:p>
-            <a:pPr marL="285750" indent="-285750">
-              <a:buFont typeface="Calibri"/>
-              <a:buChar char="-"/>
-            </a:pPr>
-            <a:r>
-              <a:rPr lang="nl-NL" dirty="0"/>
-              <a:t>Resultaat: ongewenste toegang tot gegevens (data-lekken), manipulatie of volledige controle over de database</a:t>
-            </a:r>
-          </a:p>
-          <a:p>
-            <a:endParaRPr lang="nl-NL" dirty="0"/>
-          </a:p>
-          <a:p>
-            <a:pPr marL="285750" indent="-285750">
-              <a:buFont typeface="Calibri"/>
-              <a:buChar char="-"/>
-            </a:pPr>
-            <a:r>
-              <a:rPr lang="nl-NL" dirty="0">
-                <a:solidFill>
-                  <a:srgbClr val="00B0F0"/>
-                </a:solidFill>
-              </a:rPr>
-              <a:t>Kort samengevat: Je misleidt de website door gebruik van kwaadaardige User Input om eigen commando's uit te voeren</a:t>
             </a:r>
           </a:p>
         </p:txBody>
@@ -4716,7 +4786,7 @@
     </p:spTree>
     <p:extLst>
       <p:ext uri="{BB962C8B-B14F-4D97-AF65-F5344CB8AC3E}">
-        <p14:creationId xmlns:p14="http://schemas.microsoft.com/office/powerpoint/2010/main" val="2992929016"/>
+        <p14:creationId xmlns:p14="http://schemas.microsoft.com/office/powerpoint/2010/main" val="1336239671"/>
       </p:ext>
     </p:extLst>
   </p:cSld>
@@ -4754,7 +4824,7 @@
         <p:cNvPr id="1" name="">
           <a:extLst>
             <a:ext uri="{FF2B5EF4-FFF2-40B4-BE49-F238E27FC236}">
-              <a16:creationId xmlns:a16="http://schemas.microsoft.com/office/drawing/2014/main" id="{955DB250-1E77-9EC1-437D-2854E137AB48}"/>
+              <a16:creationId xmlns:a16="http://schemas.microsoft.com/office/drawing/2014/main" id="{763503CF-7B12-CBBA-68B3-1AF1F5B952BE}"/>
             </a:ext>
           </a:extLst>
         </p:cNvPr>
@@ -4774,7 +4844,7 @@
           <p:cNvPr id="61" name="Rectangle 60">
             <a:extLst>
               <a:ext uri="{FF2B5EF4-FFF2-40B4-BE49-F238E27FC236}">
-                <a16:creationId xmlns:a16="http://schemas.microsoft.com/office/drawing/2014/main" id="{D82F82BC-5306-C083-95B5-851C34F41208}"/>
+                <a16:creationId xmlns:a16="http://schemas.microsoft.com/office/drawing/2014/main" id="{FB61192C-349D-2053-D31B-E251C82B900A}"/>
               </a:ext>
               <a:ext uri="{C183D7F6-B498-43B3-948B-1728B52AA6E4}">
                 <adec:decorative xmlns:adec="http://schemas.microsoft.com/office/drawing/2017/decorative" val="1"/>
@@ -4850,7 +4920,7 @@
           <p:cNvPr id="2" name="Titel 1">
             <a:extLst>
               <a:ext uri="{FF2B5EF4-FFF2-40B4-BE49-F238E27FC236}">
-                <a16:creationId xmlns:a16="http://schemas.microsoft.com/office/drawing/2014/main" id="{C40CA3D0-5B2C-887C-CEB3-AB7FC2B5AD74}"/>
+                <a16:creationId xmlns:a16="http://schemas.microsoft.com/office/drawing/2014/main" id="{96FF7AD7-98F7-CB2A-7208-F340D1DCD34E}"/>
               </a:ext>
             </a:extLst>
           </p:cNvPr>
@@ -4874,10 +4944,329 @@
           <a:lstStyle/>
           <a:p>
             <a:r>
-              <a:rPr lang="en-US" dirty="0"/>
+              <a:rPr lang="en-US"/>
+              <a:t>Hoe </a:t>
+            </a:r>
+            <a:r>
+              <a:rPr lang="en-US" err="1"/>
+              <a:t>wordt</a:t>
+            </a:r>
+            <a:r>
+              <a:rPr lang="en-US"/>
+              <a:t> SQLi </a:t>
+            </a:r>
+            <a:r>
+              <a:rPr lang="en-US" err="1"/>
+              <a:t>uitgevoerd</a:t>
+            </a:r>
+            <a:r>
+              <a:rPr lang="en-US"/>
+              <a:t>?</a:t>
+            </a:r>
+          </a:p>
+        </p:txBody>
+      </p:sp>
+      <p:sp>
+        <p:nvSpPr>
+          <p:cNvPr id="5" name="Tekstvak 4">
+            <a:extLst>
+              <a:ext uri="{FF2B5EF4-FFF2-40B4-BE49-F238E27FC236}">
+                <a16:creationId xmlns:a16="http://schemas.microsoft.com/office/drawing/2014/main" id="{DB7C3D45-F3A6-5F64-A162-9A1DE0DC9DFA}"/>
+              </a:ext>
+            </a:extLst>
+          </p:cNvPr>
+          <p:cNvSpPr txBox="1"/>
+          <p:nvPr/>
+        </p:nvSpPr>
+        <p:spPr>
+          <a:xfrm>
+            <a:off x="543152" y="1313440"/>
+            <a:ext cx="11200685" cy="3139321"/>
+          </a:xfrm>
+          <a:prstGeom prst="rect">
+            <a:avLst/>
+          </a:prstGeom>
+          <a:noFill/>
+        </p:spPr>
+        <p:txBody>
+          <a:bodyPr rot="0" spcFirstLastPara="0" vertOverflow="overflow" horzOverflow="overflow" vert="horz" wrap="square" lIns="91440" tIns="45720" rIns="91440" bIns="45720" numCol="1" spcCol="0" rtlCol="0" fromWordArt="0" anchor="t" anchorCtr="0" forceAA="0" compatLnSpc="1">
+            <a:prstTxWarp prst="textNoShape">
+              <a:avLst/>
+            </a:prstTxWarp>
+            <a:spAutoFit/>
+          </a:bodyPr>
+          <a:lstStyle/>
+          <a:p>
+            <a:pPr marL="285750" indent="-285750">
+              <a:buFont typeface="Calibri"/>
+              <a:buChar char="-"/>
+            </a:pPr>
+            <a:r>
+              <a:rPr lang="nl-NL">
+                <a:ea typeface="+mn-lt"/>
+                <a:cs typeface="+mn-lt"/>
+              </a:rPr>
+              <a:t>Slecht beveiligde website accepteert ongefilterde invoer (=kwetsbaar voor </a:t>
+            </a:r>
+            <a:r>
+              <a:rPr lang="nl-NL" err="1">
+                <a:ea typeface="+mn-lt"/>
+                <a:cs typeface="+mn-lt"/>
+              </a:rPr>
+              <a:t>SQLi</a:t>
+            </a:r>
+            <a:r>
+              <a:rPr lang="nl-NL">
+                <a:ea typeface="+mn-lt"/>
+                <a:cs typeface="+mn-lt"/>
+              </a:rPr>
+              <a:t>)</a:t>
+            </a:r>
+          </a:p>
+          <a:p>
+            <a:pPr marL="285750" indent="-285750">
+              <a:buFont typeface="Calibri"/>
+              <a:buChar char="-"/>
+            </a:pPr>
+            <a:endParaRPr lang="nl-NL">
+              <a:ea typeface="+mn-lt"/>
+              <a:cs typeface="+mn-lt"/>
+            </a:endParaRPr>
+          </a:p>
+          <a:p>
+            <a:pPr marL="285750" indent="-285750">
+              <a:buFont typeface="Calibri"/>
+              <a:buChar char="-"/>
+            </a:pPr>
+            <a:r>
+              <a:rPr lang="nl-NL">
+                <a:ea typeface="+mn-lt"/>
+                <a:cs typeface="+mn-lt"/>
+              </a:rPr>
+              <a:t>Een aanvaller/hacker maakt een zorgvuldig samengesteld stuk tekst (input) in gebruikersinvoer </a:t>
+            </a:r>
+          </a:p>
+          <a:p>
+            <a:pPr marL="285750" indent="-285750">
+              <a:buFont typeface="Calibri"/>
+              <a:buChar char="-"/>
+            </a:pPr>
+            <a:endParaRPr lang="nl-NL">
+              <a:ea typeface="+mn-lt"/>
+              <a:cs typeface="+mn-lt"/>
+            </a:endParaRPr>
+          </a:p>
+          <a:p>
+            <a:pPr marL="285750" indent="-285750">
+              <a:buFont typeface="Calibri"/>
+              <a:buChar char="-"/>
+            </a:pPr>
+            <a:r>
+              <a:rPr lang="nl-NL">
+                <a:ea typeface="+mn-lt"/>
+                <a:cs typeface="+mn-lt"/>
+              </a:rPr>
+              <a:t>Die tekst breekt de bestaande SQL-query en voegt een kwaadaardige opdracht toe</a:t>
+            </a:r>
+            <a:endParaRPr lang="nl-NL"/>
+          </a:p>
+          <a:p>
+            <a:endParaRPr lang="nl-NL"/>
+          </a:p>
+          <a:p>
+            <a:pPr marL="285750" indent="-285750">
+              <a:buFont typeface="Calibri"/>
+              <a:buChar char="-"/>
+            </a:pPr>
+            <a:r>
+              <a:rPr lang="nl-NL"/>
+              <a:t>Resultaat: ongewenste toegang tot gegevens (data-lekken), manipulatie of volledige controle over de database</a:t>
+            </a:r>
+          </a:p>
+          <a:p>
+            <a:endParaRPr lang="nl-NL"/>
+          </a:p>
+          <a:p>
+            <a:pPr marL="285750" indent="-285750">
+              <a:buFont typeface="Calibri"/>
+              <a:buChar char="-"/>
+            </a:pPr>
+            <a:r>
+              <a:rPr lang="nl-NL">
+                <a:solidFill>
+                  <a:srgbClr val="00B0F0"/>
+                </a:solidFill>
+              </a:rPr>
+              <a:t>Kort samengevat: Je misleidt de website door gebruik van kwaadaardige User Input om eigen commando's uit te voeren</a:t>
+            </a:r>
+          </a:p>
+        </p:txBody>
+      </p:sp>
+    </p:spTree>
+    <p:extLst>
+      <p:ext uri="{BB962C8B-B14F-4D97-AF65-F5344CB8AC3E}">
+        <p14:creationId xmlns:p14="http://schemas.microsoft.com/office/powerpoint/2010/main" val="2992929016"/>
+      </p:ext>
+    </p:extLst>
+  </p:cSld>
+  <p:clrMapOvr>
+    <a:masterClrMapping/>
+  </p:clrMapOvr>
+  <mc:AlternateContent xmlns:mc="http://schemas.openxmlformats.org/markup-compatibility/2006" xmlns:p14="http://schemas.microsoft.com/office/powerpoint/2010/main">
+    <mc:Choice Requires="p14">
+      <p:transition spd="slow" p14:dur="4000">
+        <p14:vortex dir="u"/>
+      </p:transition>
+    </mc:Choice>
+    <mc:Fallback xmlns="">
+      <p:transition spd="slow">
+        <p:fade/>
+      </p:transition>
+    </mc:Fallback>
+  </mc:AlternateContent>
+</p:sld>
+</file>
+
+<file path=ppt/slides/slide12.xml><?xml version="1.0" encoding="utf-8"?>
+<p:sld xmlns:a="http://schemas.openxmlformats.org/drawingml/2006/main" xmlns:r="http://schemas.openxmlformats.org/officeDocument/2006/relationships" xmlns:p="http://schemas.openxmlformats.org/presentationml/2006/main">
+  <p:cSld>
+    <p:bg>
+      <p:bgPr>
+        <a:solidFill>
+          <a:schemeClr val="bg1"/>
+        </a:solidFill>
+        <a:effectLst/>
+      </p:bgPr>
+    </p:bg>
+    <p:spTree>
+      <p:nvGrpSpPr>
+        <p:cNvPr id="1" name="">
+          <a:extLst>
+            <a:ext uri="{FF2B5EF4-FFF2-40B4-BE49-F238E27FC236}">
+              <a16:creationId xmlns:a16="http://schemas.microsoft.com/office/drawing/2014/main" id="{955DB250-1E77-9EC1-437D-2854E137AB48}"/>
+            </a:ext>
+          </a:extLst>
+        </p:cNvPr>
+        <p:cNvGrpSpPr/>
+        <p:nvPr/>
+      </p:nvGrpSpPr>
+      <p:grpSpPr>
+        <a:xfrm>
+          <a:off x="0" y="0"/>
+          <a:ext cx="0" cy="0"/>
+          <a:chOff x="0" y="0"/>
+          <a:chExt cx="0" cy="0"/>
+        </a:xfrm>
+      </p:grpSpPr>
+      <p:sp useBgFill="1">
+        <p:nvSpPr>
+          <p:cNvPr id="61" name="Rectangle 60">
+            <a:extLst>
+              <a:ext uri="{FF2B5EF4-FFF2-40B4-BE49-F238E27FC236}">
+                <a16:creationId xmlns:a16="http://schemas.microsoft.com/office/drawing/2014/main" id="{D82F82BC-5306-C083-95B5-851C34F41208}"/>
+              </a:ext>
+              <a:ext uri="{C183D7F6-B498-43B3-948B-1728B52AA6E4}">
+                <adec:decorative xmlns:adec="http://schemas.microsoft.com/office/drawing/2017/decorative" val="1"/>
+              </a:ext>
+            </a:extLst>
+          </p:cNvPr>
+          <p:cNvSpPr>
+            <a:spLocks noGrp="1" noRot="1" noChangeAspect="1" noMove="1" noResize="1" noEditPoints="1" noAdjustHandles="1" noChangeArrowheads="1" noChangeShapeType="1" noTextEdit="1"/>
+          </p:cNvSpPr>
+          <p:nvPr>
+            <p:extLst>
+              <p:ext uri="{386F3935-93C4-4BCD-93E2-E3B085C9AB24}">
+                <p16:designElem xmlns:p16="http://schemas.microsoft.com/office/powerpoint/2015/main" val="1"/>
+              </p:ext>
+            </p:extLst>
+          </p:nvPr>
+        </p:nvSpPr>
+        <p:spPr>
+          <a:xfrm>
+            <a:off x="0" y="0"/>
+            <a:ext cx="12192000" cy="6858000"/>
+          </a:xfrm>
+          <a:prstGeom prst="rect">
+            <a:avLst/>
+          </a:prstGeom>
+          <a:ln w="12700" cap="flat" cmpd="sng" algn="ctr">
+            <a:noFill/>
+            <a:prstDash val="solid"/>
+            <a:miter lim="800000"/>
+          </a:ln>
+          <a:effectLst/>
+          <a:extLst>
+            <a:ext uri="{91240B29-F687-4F45-9708-019B960494DF}">
+              <a14:hiddenLine xmlns:a14="http://schemas.microsoft.com/office/drawing/2010/main" w="12700" cap="flat" cmpd="sng" algn="ctr">
+                <a:solidFill>
+                  <a:schemeClr val="accent1">
+                    <a:shade val="15000"/>
+                  </a:schemeClr>
+                </a:solidFill>
+                <a:prstDash val="solid"/>
+                <a:miter lim="800000"/>
+              </a14:hiddenLine>
+            </a:ext>
+          </a:extLst>
+        </p:spPr>
+        <p:style>
+          <a:lnRef idx="2">
+            <a:schemeClr val="accent1">
+              <a:shade val="15000"/>
+            </a:schemeClr>
+          </a:lnRef>
+          <a:fillRef idx="1">
+            <a:schemeClr val="accent1"/>
+          </a:fillRef>
+          <a:effectRef idx="0">
+            <a:schemeClr val="accent1"/>
+          </a:effectRef>
+          <a:fontRef idx="minor">
+            <a:schemeClr val="lt1"/>
+          </a:fontRef>
+        </p:style>
+        <p:txBody>
+          <a:bodyPr rtlCol="0" anchor="ctr"/>
+          <a:lstStyle/>
+          <a:p>
+            <a:pPr algn="ctr"/>
+            <a:endParaRPr lang="en-US"/>
+          </a:p>
+        </p:txBody>
+      </p:sp>
+      <p:sp>
+        <p:nvSpPr>
+          <p:cNvPr id="2" name="Titel 1">
+            <a:extLst>
+              <a:ext uri="{FF2B5EF4-FFF2-40B4-BE49-F238E27FC236}">
+                <a16:creationId xmlns:a16="http://schemas.microsoft.com/office/drawing/2014/main" id="{C40CA3D0-5B2C-887C-CEB3-AB7FC2B5AD74}"/>
+              </a:ext>
+            </a:extLst>
+          </p:cNvPr>
+          <p:cNvSpPr>
+            <a:spLocks noGrp="1"/>
+          </p:cNvSpPr>
+          <p:nvPr>
+            <p:ph type="title"/>
+          </p:nvPr>
+        </p:nvSpPr>
+        <p:spPr>
+          <a:xfrm>
+            <a:off x="614678" y="548640"/>
+            <a:ext cx="10872216" cy="1133856"/>
+          </a:xfrm>
+        </p:spPr>
+        <p:txBody>
+          <a:bodyPr vert="horz" lIns="91440" tIns="45720" rIns="91440" bIns="45720" rtlCol="0" anchor="t">
+            <a:normAutofit/>
+          </a:bodyPr>
+          <a:lstStyle/>
+          <a:p>
+            <a:r>
+              <a:rPr lang="en-US"/>
               <a:t>Types van SQLi: In-Band</a:t>
             </a:r>
-            <a:endParaRPr lang="nl-NL" dirty="0">
+            <a:endParaRPr lang="nl-NL">
               <a:ea typeface="+mj-ea"/>
               <a:cs typeface="+mj-cs"/>
             </a:endParaRPr>
@@ -4923,59 +5312,59 @@
               </a:spcBef>
             </a:pPr>
             <a:r>
-              <a:rPr lang="en-US" b="1" dirty="0"/>
+              <a:rPr lang="en-US" b="1"/>
               <a:t>In-band</a:t>
             </a:r>
             <a:r>
-              <a:rPr lang="en-US" dirty="0"/>
+              <a:rPr lang="en-US"/>
               <a:t>: De </a:t>
             </a:r>
             <a:r>
-              <a:rPr lang="en-US" dirty="0" err="1"/>
+              <a:rPr lang="en-US" err="1"/>
               <a:t>aanvaller</a:t>
             </a:r>
             <a:r>
-              <a:rPr lang="en-US" dirty="0"/>
+              <a:rPr lang="en-US"/>
               <a:t> </a:t>
             </a:r>
             <a:r>
-              <a:rPr lang="en-US" dirty="0" err="1"/>
+              <a:rPr lang="en-US" err="1"/>
               <a:t>krijgt</a:t>
             </a:r>
             <a:r>
-              <a:rPr lang="en-US" dirty="0"/>
+              <a:rPr lang="en-US"/>
               <a:t> direct feedback van </a:t>
             </a:r>
             <a:r>
-              <a:rPr lang="en-US" dirty="0" err="1"/>
+              <a:rPr lang="en-US" err="1"/>
               <a:t>pogingen</a:t>
             </a:r>
             <a:r>
-              <a:rPr lang="en-US" dirty="0"/>
+              <a:rPr lang="en-US"/>
               <a:t> (</a:t>
             </a:r>
             <a:r>
-              <a:rPr lang="en-US" dirty="0" err="1"/>
+              <a:rPr lang="en-US" err="1"/>
               <a:t>bv</a:t>
             </a:r>
             <a:r>
-              <a:rPr lang="en-US" dirty="0"/>
+              <a:rPr lang="en-US"/>
               <a:t>: </a:t>
             </a:r>
             <a:r>
-              <a:rPr lang="en-US" dirty="0" err="1"/>
+              <a:rPr lang="en-US" err="1"/>
               <a:t>loginpagina</a:t>
             </a:r>
             <a:r>
-              <a:rPr lang="en-US" dirty="0"/>
+              <a:rPr lang="en-US"/>
               <a:t> met </a:t>
             </a:r>
             <a:r>
-              <a:rPr lang="en-US" dirty="0" err="1"/>
+              <a:rPr lang="en-US" err="1"/>
               <a:t>foutmeldingen</a:t>
             </a:r>
             <a:r>
-              <a:rPr lang="en-US" dirty="0"/>
+              <a:rPr lang="en-US"/>
               <a:t>)</a:t>
             </a:r>
             <a:endParaRPr lang="nl-NL"/>
@@ -4992,51 +5381,51 @@
               <a:buChar char="-"/>
             </a:pPr>
             <a:r>
-              <a:rPr lang="en-US" dirty="0"/>
+              <a:rPr lang="en-US"/>
               <a:t>Als </a:t>
             </a:r>
             <a:r>
-              <a:rPr lang="en-US" dirty="0" err="1"/>
+              <a:rPr lang="en-US" err="1"/>
               <a:t>foutmeldingen</a:t>
             </a:r>
             <a:r>
-              <a:rPr lang="en-US" dirty="0"/>
+              <a:rPr lang="en-US"/>
               <a:t> </a:t>
             </a:r>
             <a:r>
-              <a:rPr lang="en-US" dirty="0" err="1"/>
+              <a:rPr lang="en-US" err="1"/>
               <a:t>aanstaan</a:t>
             </a:r>
             <a:r>
-              <a:rPr lang="en-US" dirty="0"/>
+              <a:rPr lang="en-US"/>
               <a:t>: </a:t>
             </a:r>
             <a:r>
-              <a:rPr lang="en-US" dirty="0" err="1"/>
+              <a:rPr lang="en-US" err="1"/>
               <a:t>meer</a:t>
             </a:r>
             <a:r>
-              <a:rPr lang="en-US" dirty="0"/>
+              <a:rPr lang="en-US"/>
               <a:t> </a:t>
             </a:r>
             <a:r>
-              <a:rPr lang="en-US" dirty="0" err="1"/>
+              <a:rPr lang="en-US" err="1"/>
               <a:t>munitie</a:t>
             </a:r>
             <a:r>
-              <a:rPr lang="en-US" dirty="0"/>
+              <a:rPr lang="en-US"/>
               <a:t> </a:t>
             </a:r>
             <a:r>
-              <a:rPr lang="en-US" dirty="0" err="1"/>
+              <a:rPr lang="en-US" err="1"/>
               <a:t>voor</a:t>
             </a:r>
             <a:r>
-              <a:rPr lang="en-US" dirty="0"/>
+              <a:rPr lang="en-US"/>
               <a:t> hackers/</a:t>
             </a:r>
             <a:r>
-              <a:rPr lang="en-US" dirty="0" err="1"/>
+              <a:rPr lang="en-US" err="1"/>
               <a:t>aanvallers</a:t>
             </a:r>
             <a:endParaRPr lang="en-US"/>
@@ -5098,7 +5487,7 @@
 </p:sld>
 </file>
 
-<file path=ppt/slides/slide12.xml><?xml version="1.0" encoding="utf-8"?>
+<file path=ppt/slides/slide13.xml><?xml version="1.0" encoding="utf-8"?>
 <p:sld xmlns:a="http://schemas.openxmlformats.org/drawingml/2006/main" xmlns:r="http://schemas.openxmlformats.org/officeDocument/2006/relationships" xmlns:p="http://schemas.openxmlformats.org/presentationml/2006/main">
   <p:cSld>
     <p:bg>
@@ -5234,10 +5623,10 @@
           <a:lstStyle/>
           <a:p>
             <a:r>
-              <a:rPr lang="en-US" dirty="0"/>
+              <a:rPr lang="en-US"/>
               <a:t>Types van SQLi: Inferential/Blind</a:t>
             </a:r>
-            <a:endParaRPr lang="nl-NL" dirty="0">
+            <a:endParaRPr lang="nl-NL">
               <a:ea typeface="+mj-ea"/>
               <a:cs typeface="+mj-cs"/>
             </a:endParaRPr>
@@ -5283,11 +5672,11 @@
               </a:spcBef>
             </a:pPr>
             <a:r>
-              <a:rPr lang="en-US" b="1" dirty="0"/>
+              <a:rPr lang="en-US" b="1"/>
               <a:t>Inferential/blind</a:t>
             </a:r>
             <a:r>
-              <a:rPr lang="en-US" dirty="0"/>
+              <a:rPr lang="en-US"/>
               <a:t>: De </a:t>
             </a:r>
             <a:r>
@@ -5295,7 +5684,7 @@
               <a:t>aanvaller</a:t>
             </a:r>
             <a:r>
-              <a:rPr lang="en-US" dirty="0"/>
+              <a:rPr lang="en-US"/>
               <a:t> </a:t>
             </a:r>
             <a:r>
@@ -5303,7 +5692,7 @@
               <a:t>ziet</a:t>
             </a:r>
             <a:r>
-              <a:rPr lang="en-US" dirty="0"/>
+              <a:rPr lang="en-US"/>
               <a:t> </a:t>
             </a:r>
             <a:r>
@@ -5311,7 +5700,7 @@
               <a:t>geen</a:t>
             </a:r>
             <a:r>
-              <a:rPr lang="en-US" dirty="0"/>
+              <a:rPr lang="en-US"/>
               <a:t> </a:t>
             </a:r>
             <a:r>
@@ -5319,7 +5708,7 @@
               <a:t>foutmeldingen</a:t>
             </a:r>
             <a:r>
-              <a:rPr lang="en-US" dirty="0"/>
+              <a:rPr lang="en-US"/>
               <a:t> of </a:t>
             </a:r>
             <a:r>
@@ -5327,7 +5716,7 @@
               <a:t>veranderingen</a:t>
             </a:r>
             <a:r>
-              <a:rPr lang="en-US" dirty="0"/>
+              <a:rPr lang="en-US"/>
               <a:t> in </a:t>
             </a:r>
             <a:r>
@@ -5335,7 +5724,7 @@
               <a:t>getoonde</a:t>
             </a:r>
             <a:r>
-              <a:rPr lang="en-US" dirty="0"/>
+              <a:rPr lang="en-US"/>
               <a:t> </a:t>
             </a:r>
             <a:r>
@@ -5343,7 +5732,7 @@
               <a:t>gegevens</a:t>
             </a:r>
             <a:r>
-              <a:rPr lang="en-US" dirty="0"/>
+              <a:rPr lang="en-US"/>
               <a:t> (</a:t>
             </a:r>
             <a:r>
@@ -5351,7 +5740,7 @@
               <a:t>bv</a:t>
             </a:r>
             <a:r>
-              <a:rPr lang="en-US" dirty="0"/>
+              <a:rPr lang="en-US"/>
               <a:t>: </a:t>
             </a:r>
             <a:r>
@@ -5359,7 +5748,7 @@
               <a:t>filterconstructie</a:t>
             </a:r>
             <a:r>
-              <a:rPr lang="en-US" dirty="0"/>
+              <a:rPr lang="en-US"/>
               <a:t> met GET parameter)</a:t>
             </a:r>
             <a:endParaRPr lang="nl-NL"/>
@@ -5380,7 +5769,7 @@
               <a:t>Gebruik</a:t>
             </a:r>
             <a:r>
-              <a:rPr lang="en-US" dirty="0"/>
+              <a:rPr lang="en-US"/>
               <a:t> </a:t>
             </a:r>
             <a:r>
@@ -5388,7 +5777,7 @@
               <a:t>maken</a:t>
             </a:r>
             <a:r>
-              <a:rPr lang="en-US" dirty="0"/>
+              <a:rPr lang="en-US"/>
               <a:t> van meta-</a:t>
             </a:r>
             <a:r>
@@ -5396,7 +5785,7 @@
               <a:t>informatie</a:t>
             </a:r>
             <a:r>
-              <a:rPr lang="en-US" dirty="0"/>
+              <a:rPr lang="en-US"/>
               <a:t> </a:t>
             </a:r>
             <a:r>
@@ -5404,7 +5793,7 @@
               <a:t>als</a:t>
             </a:r>
             <a:r>
-              <a:rPr lang="en-US" dirty="0"/>
+              <a:rPr lang="en-US"/>
               <a:t> </a:t>
             </a:r>
             <a:r>
@@ -5412,7 +5801,7 @@
               <a:t>laadtijden</a:t>
             </a:r>
             <a:r>
-              <a:rPr lang="en-US" dirty="0"/>
+              <a:rPr lang="en-US"/>
               <a:t> </a:t>
             </a:r>
             <a:r>
@@ -5420,7 +5809,7 @@
               <a:t>en</a:t>
             </a:r>
             <a:r>
-              <a:rPr lang="en-US" dirty="0"/>
+              <a:rPr lang="en-US"/>
               <a:t> </a:t>
             </a:r>
             <a:r>
@@ -5428,7 +5817,7 @@
               <a:t>indirecte</a:t>
             </a:r>
             <a:r>
-              <a:rPr lang="en-US" dirty="0"/>
+              <a:rPr lang="en-US"/>
               <a:t> </a:t>
             </a:r>
             <a:r>
@@ -5436,7 +5825,7 @@
               <a:t>resultaten</a:t>
             </a:r>
             <a:r>
-              <a:rPr lang="en-US" dirty="0"/>
+              <a:rPr lang="en-US"/>
               <a:t> (*)</a:t>
             </a:r>
           </a:p>
@@ -5451,7 +5840,7 @@
               <a:buFont typeface="Calibri"/>
               <a:buChar char="-"/>
             </a:pPr>
-            <a:endParaRPr lang="en-US" dirty="0"/>
+            <a:endParaRPr lang="en-US"/>
           </a:p>
           <a:p>
             <a:pPr marL="342900" indent="-285750">
@@ -5465,27 +5854,27 @@
               <a:buChar char="-"/>
             </a:pPr>
             <a:r>
-              <a:rPr lang="en-US" b="1" dirty="0" err="1"/>
+              <a:rPr lang="en-US" b="1" err="1"/>
               <a:t>Indirecte</a:t>
             </a:r>
             <a:r>
-              <a:rPr lang="en-US" b="1" dirty="0"/>
+              <a:rPr lang="en-US" b="1"/>
               <a:t> </a:t>
             </a:r>
             <a:r>
-              <a:rPr lang="en-US" b="1" dirty="0" err="1"/>
+              <a:rPr lang="en-US" b="1" err="1"/>
               <a:t>resultaten</a:t>
             </a:r>
             <a:r>
-              <a:rPr lang="en-US" b="1" dirty="0"/>
+              <a:rPr lang="en-US" b="1"/>
               <a:t> </a:t>
             </a:r>
             <a:r>
-              <a:rPr lang="en-US" b="1" dirty="0" err="1"/>
+              <a:rPr lang="en-US" b="1" err="1"/>
               <a:t>verkrijgen</a:t>
             </a:r>
             <a:r>
-              <a:rPr lang="en-US" b="1" dirty="0"/>
+              <a:rPr lang="en-US" b="1"/>
               <a:t>:</a:t>
             </a:r>
           </a:p>
@@ -5499,7 +5888,7 @@
               </a:spcBef>
             </a:pPr>
             <a:r>
-              <a:rPr lang="en-US" dirty="0"/>
+              <a:rPr lang="en-US"/>
               <a:t> - (1) Boolean based</a:t>
             </a:r>
           </a:p>
@@ -5513,23 +5902,23 @@
               </a:spcBef>
             </a:pPr>
             <a:r>
-              <a:rPr lang="en-US" dirty="0"/>
+              <a:rPr lang="en-US"/>
               <a:t> - (2) Time based: </a:t>
             </a:r>
             <a:r>
-              <a:rPr lang="en-US" dirty="0" err="1"/>
+              <a:rPr lang="en-US" err="1"/>
               <a:t>productID</a:t>
             </a:r>
             <a:r>
-              <a:rPr lang="en-US" dirty="0"/>
+              <a:rPr lang="en-US"/>
               <a:t> </a:t>
             </a:r>
             <a:r>
-              <a:rPr lang="en-US" dirty="0" err="1"/>
+              <a:rPr lang="en-US" err="1"/>
               <a:t>invoer</a:t>
             </a:r>
             <a:r>
-              <a:rPr lang="en-US" dirty="0"/>
+              <a:rPr lang="en-US"/>
               <a:t>: 42; IF(EXISTS(SELECT DATABASE LIKE `a_%`)); WAITFOR DELAY '0:0:10'</a:t>
             </a:r>
           </a:p>
@@ -5542,7 +5931,7 @@
                 <a:spcPts val="1000"/>
               </a:spcBef>
             </a:pPr>
-            <a:endParaRPr lang="en-US" dirty="0"/>
+            <a:endParaRPr lang="en-US"/>
           </a:p>
           <a:p>
             <a:pPr marL="57150">
@@ -5554,87 +5943,87 @@
               </a:spcBef>
             </a:pPr>
             <a:r>
-              <a:rPr lang="en-US" dirty="0"/>
+              <a:rPr lang="en-US"/>
               <a:t>(2) </a:t>
             </a:r>
             <a:r>
-              <a:rPr lang="en-US" dirty="0" err="1"/>
+              <a:rPr lang="en-US" err="1"/>
               <a:t>als</a:t>
             </a:r>
             <a:r>
-              <a:rPr lang="en-US" dirty="0"/>
+              <a:rPr lang="en-US"/>
               <a:t> het 10sec+ </a:t>
             </a:r>
             <a:r>
-              <a:rPr lang="en-US" dirty="0" err="1"/>
+              <a:rPr lang="en-US" err="1"/>
               <a:t>duurt</a:t>
             </a:r>
             <a:r>
-              <a:rPr lang="en-US" dirty="0"/>
+              <a:rPr lang="en-US"/>
               <a:t> om </a:t>
             </a:r>
             <a:r>
-              <a:rPr lang="en-US" dirty="0" err="1"/>
+              <a:rPr lang="en-US" err="1"/>
               <a:t>resultaten</a:t>
             </a:r>
             <a:r>
-              <a:rPr lang="en-US" dirty="0"/>
+              <a:rPr lang="en-US"/>
               <a:t> </a:t>
             </a:r>
             <a:r>
-              <a:rPr lang="en-US" dirty="0" err="1"/>
+              <a:rPr lang="en-US" err="1"/>
               <a:t>te</a:t>
             </a:r>
             <a:r>
-              <a:rPr lang="en-US" dirty="0"/>
+              <a:rPr lang="en-US"/>
               <a:t> </a:t>
             </a:r>
             <a:r>
-              <a:rPr lang="en-US" dirty="0" err="1"/>
+              <a:rPr lang="en-US" err="1"/>
               <a:t>zien</a:t>
             </a:r>
             <a:r>
-              <a:rPr lang="en-US" dirty="0"/>
+              <a:rPr lang="en-US"/>
               <a:t> of </a:t>
             </a:r>
             <a:r>
-              <a:rPr lang="en-US" dirty="0" err="1"/>
+              <a:rPr lang="en-US" err="1"/>
               <a:t>pagina</a:t>
             </a:r>
             <a:r>
-              <a:rPr lang="en-US" dirty="0"/>
+              <a:rPr lang="en-US"/>
               <a:t> </a:t>
             </a:r>
             <a:r>
-              <a:rPr lang="en-US" dirty="0" err="1"/>
+              <a:rPr lang="en-US" err="1"/>
               <a:t>laadt</a:t>
             </a:r>
             <a:r>
-              <a:rPr lang="en-US" dirty="0"/>
+              <a:rPr lang="en-US"/>
               <a:t>: dan is het IF statement TRUE, </a:t>
             </a:r>
             <a:r>
-              <a:rPr lang="en-US" dirty="0" err="1"/>
+              <a:rPr lang="en-US" err="1"/>
               <a:t>en</a:t>
             </a:r>
             <a:r>
-              <a:rPr lang="en-US" dirty="0"/>
+              <a:rPr lang="en-US"/>
               <a:t> dan </a:t>
             </a:r>
             <a:r>
-              <a:rPr lang="en-US" dirty="0" err="1"/>
+              <a:rPr lang="en-US" err="1"/>
               <a:t>bestaat</a:t>
             </a:r>
             <a:r>
-              <a:rPr lang="en-US" dirty="0"/>
+              <a:rPr lang="en-US"/>
               <a:t> er </a:t>
             </a:r>
             <a:r>
-              <a:rPr lang="en-US" dirty="0" err="1"/>
+              <a:rPr lang="en-US" err="1"/>
               <a:t>een</a:t>
             </a:r>
             <a:r>
-              <a:rPr lang="en-US" dirty="0"/>
+              <a:rPr lang="en-US"/>
               <a:t> database die start met de letter A.</a:t>
             </a:r>
           </a:p>
@@ -5648,15 +6037,15 @@
               </a:spcBef>
             </a:pPr>
             <a:r>
-              <a:rPr lang="en-US" dirty="0" err="1"/>
+              <a:rPr lang="en-US" err="1"/>
               <a:t>Kijk</a:t>
             </a:r>
             <a:r>
-              <a:rPr lang="en-US" dirty="0"/>
+              <a:rPr lang="en-US"/>
               <a:t> op: </a:t>
             </a:r>
             <a:r>
-              <a:rPr lang="en-US" dirty="0">
+              <a:rPr lang="en-US">
                 <a:ea typeface="+mn-lt"/>
                 <a:cs typeface="+mn-lt"/>
                 <a:hlinkClick r:id="rId2"/>
@@ -5664,13 +6053,13 @@
               <a:t>https://www.invicti.com/learn/blind-sql-injection</a:t>
             </a:r>
             <a:r>
-              <a:rPr lang="en-US" dirty="0">
+              <a:rPr lang="en-US">
                 <a:ea typeface="+mn-lt"/>
                 <a:cs typeface="+mn-lt"/>
               </a:rPr>
               <a:t> </a:t>
             </a:r>
-            <a:endParaRPr lang="en-US" dirty="0"/>
+            <a:endParaRPr lang="en-US"/>
           </a:p>
         </p:txBody>
       </p:sp>
@@ -5699,7 +6088,7 @@
 </p:sld>
 </file>
 
-<file path=ppt/slides/slide13.xml><?xml version="1.0" encoding="utf-8"?>
+<file path=ppt/slides/slide14.xml><?xml version="1.0" encoding="utf-8"?>
 <p:sld xmlns:a="http://schemas.openxmlformats.org/drawingml/2006/main" xmlns:r="http://schemas.openxmlformats.org/officeDocument/2006/relationships" xmlns:p="http://schemas.openxmlformats.org/presentationml/2006/main">
   <p:cSld>
     <p:bg>
@@ -5835,10 +6224,10 @@
           <a:lstStyle/>
           <a:p>
             <a:r>
-              <a:rPr lang="en-US" dirty="0"/>
+              <a:rPr lang="en-US"/>
               <a:t>Types van SQLi: Out-of-band</a:t>
             </a:r>
-            <a:endParaRPr lang="nl-NL" dirty="0">
+            <a:endParaRPr lang="nl-NL">
               <a:ea typeface="+mj-ea"/>
               <a:cs typeface="+mj-cs"/>
             </a:endParaRPr>
@@ -5884,34 +6273,34 @@
               </a:spcBef>
             </a:pPr>
             <a:r>
-              <a:rPr lang="en-US" b="1" dirty="0"/>
+              <a:rPr lang="en-US" b="1"/>
               <a:t>Out-of-band: door </a:t>
             </a:r>
             <a:r>
-              <a:rPr lang="en-US" b="1" dirty="0" err="1"/>
+              <a:rPr lang="en-US" b="1" err="1"/>
               <a:t>gebruik</a:t>
             </a:r>
             <a:r>
-              <a:rPr lang="en-US" b="1" dirty="0"/>
+              <a:rPr lang="en-US" b="1"/>
               <a:t> van </a:t>
             </a:r>
             <a:r>
-              <a:rPr lang="en-US" b="1" dirty="0" err="1"/>
+              <a:rPr lang="en-US" b="1" err="1"/>
               <a:t>een</a:t>
             </a:r>
             <a:r>
-              <a:rPr lang="en-US" b="1" dirty="0"/>
+              <a:rPr lang="en-US" b="1"/>
               <a:t> medium (e-mail, DNS) </a:t>
             </a:r>
             <a:r>
-              <a:rPr lang="en-US" b="1" dirty="0" err="1"/>
+              <a:rPr lang="en-US" b="1" err="1"/>
               <a:t>verschillend</a:t>
             </a:r>
             <a:r>
-              <a:rPr lang="en-US" b="1" dirty="0"/>
+              <a:rPr lang="en-US" b="1"/>
               <a:t> van HTTP</a:t>
             </a:r>
-            <a:endParaRPr lang="nl-NL" dirty="0"/>
+            <a:endParaRPr lang="nl-NL"/>
           </a:p>
           <a:p>
             <a:pPr marL="342900" indent="-285750">
@@ -5924,7 +6313,7 @@
               <a:buFont typeface="Calibri"/>
               <a:buChar char="-"/>
             </a:pPr>
-            <a:endParaRPr lang="en-US" dirty="0"/>
+            <a:endParaRPr lang="en-US"/>
           </a:p>
           <a:p>
             <a:pPr marL="342900" indent="-285750">
@@ -5938,51 +6327,51 @@
               <a:buChar char="-"/>
             </a:pPr>
             <a:r>
-              <a:rPr lang="en-US" dirty="0" err="1"/>
+              <a:rPr lang="en-US" err="1"/>
               <a:t>Voorbeeld</a:t>
             </a:r>
             <a:r>
-              <a:rPr lang="en-US" dirty="0"/>
+              <a:rPr lang="en-US"/>
               <a:t>: School  DNS / </a:t>
             </a:r>
             <a:r>
-              <a:rPr lang="en-US" dirty="0" err="1"/>
+              <a:rPr lang="en-US" err="1"/>
               <a:t>Classroom.Cloud</a:t>
             </a:r>
             <a:r>
-              <a:rPr lang="en-US" dirty="0"/>
+              <a:rPr lang="en-US"/>
               <a:t> op alle </a:t>
             </a:r>
             <a:r>
-              <a:rPr lang="en-US" dirty="0" err="1"/>
+              <a:rPr lang="en-US" err="1"/>
               <a:t>schoollaptops</a:t>
             </a:r>
             <a:r>
-              <a:rPr lang="en-US" dirty="0"/>
+              <a:rPr lang="en-US"/>
               <a:t> </a:t>
             </a:r>
             <a:r>
-              <a:rPr lang="en-US" dirty="0" err="1"/>
+              <a:rPr lang="en-US" err="1"/>
               <a:t>bewaren</a:t>
             </a:r>
             <a:r>
-              <a:rPr lang="en-US" dirty="0"/>
+              <a:rPr lang="en-US"/>
               <a:t> alle </a:t>
             </a:r>
             <a:r>
-              <a:rPr lang="en-US" dirty="0" err="1"/>
+              <a:rPr lang="en-US" err="1"/>
               <a:t>bezochte</a:t>
             </a:r>
             <a:r>
-              <a:rPr lang="en-US" dirty="0"/>
+              <a:rPr lang="en-US"/>
               <a:t> websites in </a:t>
             </a:r>
             <a:r>
-              <a:rPr lang="en-US" dirty="0" err="1"/>
+              <a:rPr lang="en-US" err="1"/>
               <a:t>een</a:t>
             </a:r>
             <a:r>
-              <a:rPr lang="en-US" dirty="0"/>
+              <a:rPr lang="en-US"/>
               <a:t> Database.</a:t>
             </a:r>
           </a:p>
@@ -5998,87 +6387,87 @@
               <a:buChar char="-"/>
             </a:pPr>
             <a:r>
-              <a:rPr lang="en-US" dirty="0"/>
+              <a:rPr lang="en-US"/>
               <a:t>Als </a:t>
             </a:r>
             <a:r>
-              <a:rPr lang="en-US" dirty="0" err="1"/>
+              <a:rPr lang="en-US" err="1"/>
               <a:t>een</a:t>
             </a:r>
             <a:r>
-              <a:rPr lang="en-US" dirty="0"/>
+              <a:rPr lang="en-US"/>
               <a:t> </a:t>
             </a:r>
             <a:r>
-              <a:rPr lang="en-US" dirty="0" err="1"/>
+              <a:rPr lang="en-US" err="1"/>
               <a:t>leerling</a:t>
             </a:r>
             <a:r>
-              <a:rPr lang="en-US" dirty="0"/>
+              <a:rPr lang="en-US"/>
               <a:t> </a:t>
             </a:r>
             <a:r>
-              <a:rPr lang="en-US" dirty="0" err="1"/>
+              <a:rPr lang="en-US" err="1"/>
               <a:t>een</a:t>
             </a:r>
             <a:r>
-              <a:rPr lang="en-US" dirty="0"/>
+              <a:rPr lang="en-US"/>
               <a:t> DNS </a:t>
             </a:r>
             <a:r>
-              <a:rPr lang="en-US" dirty="0" err="1"/>
+              <a:rPr lang="en-US" err="1"/>
               <a:t>verzoek</a:t>
             </a:r>
             <a:r>
-              <a:rPr lang="en-US" dirty="0"/>
+              <a:rPr lang="en-US"/>
               <a:t> </a:t>
             </a:r>
             <a:r>
-              <a:rPr lang="en-US" dirty="0" err="1"/>
+              <a:rPr lang="en-US" err="1"/>
               <a:t>stuurt</a:t>
             </a:r>
             <a:r>
-              <a:rPr lang="en-US" dirty="0"/>
+              <a:rPr lang="en-US"/>
               <a:t> met Python in </a:t>
             </a:r>
             <a:r>
-              <a:rPr lang="en-US" dirty="0" err="1"/>
+              <a:rPr lang="en-US" err="1"/>
               <a:t>een</a:t>
             </a:r>
             <a:r>
-              <a:rPr lang="en-US" dirty="0"/>
+              <a:rPr lang="en-US"/>
               <a:t> loop </a:t>
             </a:r>
             <a:r>
-              <a:rPr lang="en-US" dirty="0" err="1"/>
+              <a:rPr lang="en-US" err="1"/>
               <a:t>rechtstreeks</a:t>
             </a:r>
             <a:r>
-              <a:rPr lang="en-US" dirty="0"/>
+              <a:rPr lang="en-US"/>
               <a:t> </a:t>
             </a:r>
             <a:r>
-              <a:rPr lang="en-US" dirty="0" err="1"/>
+              <a:rPr lang="en-US" err="1"/>
               <a:t>naar</a:t>
             </a:r>
             <a:r>
-              <a:rPr lang="en-US" dirty="0"/>
+              <a:rPr lang="en-US"/>
               <a:t> DNS server met </a:t>
             </a:r>
             <a:r>
-              <a:rPr lang="en-US" dirty="0" err="1"/>
+              <a:rPr lang="en-US" err="1"/>
               <a:t>als</a:t>
             </a:r>
             <a:r>
-              <a:rPr lang="en-US" dirty="0"/>
+              <a:rPr lang="en-US"/>
               <a:t> </a:t>
             </a:r>
             <a:r>
-              <a:rPr lang="en-US" dirty="0" err="1"/>
+              <a:rPr lang="en-US" err="1"/>
               <a:t>invoer</a:t>
             </a:r>
             <a:r>
-              <a:rPr lang="en-US" dirty="0"/>
+              <a:rPr lang="en-US"/>
               <a:t>: "school.smartschool.be; DROP DATABASE *"</a:t>
             </a:r>
           </a:p>
@@ -6094,7 +6483,7 @@
               <a:buChar char="-"/>
             </a:pPr>
             <a:r>
-              <a:rPr lang="en-US" dirty="0">
+              <a:rPr lang="en-US">
                 <a:solidFill>
                   <a:srgbClr val="FF0000"/>
                 </a:solidFill>
@@ -6102,7 +6491,7 @@
               <a:t>=&gt; Data </a:t>
             </a:r>
             <a:r>
-              <a:rPr lang="en-US" dirty="0" err="1">
+              <a:rPr lang="en-US" err="1">
                 <a:solidFill>
                   <a:srgbClr val="FF0000"/>
                 </a:solidFill>
@@ -6110,7 +6499,7 @@
               <a:t>kwijt</a:t>
             </a:r>
             <a:r>
-              <a:rPr lang="en-US" dirty="0">
+              <a:rPr lang="en-US">
                 <a:solidFill>
                   <a:srgbClr val="FF0000"/>
                 </a:solidFill>
@@ -6118,7 +6507,7 @@
               <a:t> </a:t>
             </a:r>
             <a:r>
-              <a:rPr lang="en-US" dirty="0" err="1">
+              <a:rPr lang="en-US" err="1">
                 <a:solidFill>
                   <a:srgbClr val="FF0000"/>
                 </a:solidFill>
@@ -6126,7 +6515,7 @@
               <a:t>en</a:t>
             </a:r>
             <a:r>
-              <a:rPr lang="en-US" dirty="0">
+              <a:rPr lang="en-US">
                 <a:solidFill>
                   <a:srgbClr val="FF0000"/>
                 </a:solidFill>
@@ -6134,7 +6523,7 @@
               <a:t> </a:t>
             </a:r>
             <a:r>
-              <a:rPr lang="en-US" dirty="0" err="1">
+              <a:rPr lang="en-US" err="1">
                 <a:solidFill>
                   <a:srgbClr val="FF0000"/>
                 </a:solidFill>
@@ -6142,7 +6531,7 @@
               <a:t>blijft</a:t>
             </a:r>
             <a:r>
-              <a:rPr lang="en-US" dirty="0">
+              <a:rPr lang="en-US">
                 <a:solidFill>
                   <a:srgbClr val="FF0000"/>
                 </a:solidFill>
@@ -6150,7 +6539,7 @@
               <a:t> </a:t>
             </a:r>
             <a:r>
-              <a:rPr lang="en-US" dirty="0" err="1">
+              <a:rPr lang="en-US" err="1">
                 <a:solidFill>
                   <a:srgbClr val="FF0000"/>
                 </a:solidFill>
@@ -6158,7 +6547,7 @@
               <a:t>gewist</a:t>
             </a:r>
             <a:r>
-              <a:rPr lang="en-US" dirty="0">
+              <a:rPr lang="en-US">
                 <a:solidFill>
                   <a:srgbClr val="FF0000"/>
                 </a:solidFill>
@@ -6166,7 +6555,7 @@
               <a:t> </a:t>
             </a:r>
             <a:r>
-              <a:rPr lang="en-US" dirty="0" err="1">
+              <a:rPr lang="en-US" err="1">
                 <a:solidFill>
                   <a:srgbClr val="FF0000"/>
                 </a:solidFill>
@@ -6174,7 +6563,7 @@
               <a:t>zolang</a:t>
             </a:r>
             <a:r>
-              <a:rPr lang="en-US" dirty="0">
+              <a:rPr lang="en-US">
                 <a:solidFill>
                   <a:srgbClr val="FF0000"/>
                 </a:solidFill>
@@ -6182,7 +6571,7 @@
               <a:t> de </a:t>
             </a:r>
             <a:r>
-              <a:rPr lang="en-US" dirty="0" err="1">
+              <a:rPr lang="en-US" err="1">
                 <a:solidFill>
                   <a:srgbClr val="FF0000"/>
                 </a:solidFill>
@@ -6190,7 +6579,7 @@
               <a:t>kwetsbaarheid</a:t>
             </a:r>
             <a:r>
-              <a:rPr lang="en-US" dirty="0">
+              <a:rPr lang="en-US">
                 <a:solidFill>
                   <a:srgbClr val="FF0000"/>
                 </a:solidFill>
@@ -6198,14 +6587,14 @@
               <a:t> </a:t>
             </a:r>
             <a:r>
-              <a:rPr lang="en-US" dirty="0" err="1">
+              <a:rPr lang="en-US" err="1">
                 <a:solidFill>
                   <a:srgbClr val="FF0000"/>
                 </a:solidFill>
               </a:rPr>
               <a:t>bestaat</a:t>
             </a:r>
-            <a:endParaRPr lang="en-US" dirty="0">
+            <a:endParaRPr lang="en-US">
               <a:solidFill>
                 <a:srgbClr val="FF0000"/>
               </a:solidFill>
@@ -6238,7 +6627,7 @@
 </p:sld>
 </file>
 
-<file path=ppt/slides/slide14.xml><?xml version="1.0" encoding="utf-8"?>
+<file path=ppt/slides/slide15.xml><?xml version="1.0" encoding="utf-8"?>
 <p:sld xmlns:a="http://schemas.openxmlformats.org/drawingml/2006/main" xmlns:r="http://schemas.openxmlformats.org/officeDocument/2006/relationships" xmlns:p="http://schemas.openxmlformats.org/presentationml/2006/main">
   <p:cSld>
     <p:bg>
@@ -6374,31 +6763,31 @@
           <a:lstStyle/>
           <a:p>
             <a:r>
-              <a:rPr lang="en-US" dirty="0"/>
+              <a:rPr lang="en-US"/>
               <a:t>Hoe </a:t>
             </a:r>
             <a:r>
-              <a:rPr lang="en-US" dirty="0" err="1"/>
+              <a:rPr lang="en-US" err="1"/>
               <a:t>kwetsbaarheid</a:t>
             </a:r>
             <a:r>
-              <a:rPr lang="en-US" dirty="0"/>
+              <a:rPr lang="en-US"/>
               <a:t> </a:t>
             </a:r>
             <a:r>
-              <a:rPr lang="en-US" dirty="0" err="1"/>
+              <a:rPr lang="en-US" err="1"/>
               <a:t>tegen</a:t>
             </a:r>
             <a:r>
-              <a:rPr lang="en-US" dirty="0"/>
+              <a:rPr lang="en-US"/>
               <a:t> SQLi </a:t>
             </a:r>
             <a:r>
-              <a:rPr lang="en-US" dirty="0" err="1"/>
+              <a:rPr lang="en-US" err="1"/>
               <a:t>voorkomen</a:t>
             </a:r>
             <a:r>
-              <a:rPr lang="en-US" dirty="0"/>
+              <a:rPr lang="en-US"/>
               <a:t>?</a:t>
             </a:r>
           </a:p>
@@ -6443,7 +6832,7 @@
               </a:spcBef>
             </a:pPr>
             <a:r>
-              <a:rPr lang="en-US" sz="3200" b="1" dirty="0" err="1">
+              <a:rPr lang="en-US" sz="3200" b="1" err="1">
                 <a:solidFill>
                   <a:srgbClr val="FFC800"/>
                 </a:solidFill>
@@ -6451,7 +6840,7 @@
               <a:t>Gouden</a:t>
             </a:r>
             <a:r>
-              <a:rPr lang="en-US" sz="3200" b="1" dirty="0">
+              <a:rPr lang="en-US" sz="3200" b="1">
                 <a:solidFill>
                   <a:srgbClr val="FFC800"/>
                 </a:solidFill>
@@ -6469,7 +6858,7 @@
               </a:spcBef>
             </a:pPr>
             <a:r>
-              <a:rPr lang="en-US" sz="3200" b="1" dirty="0">
+              <a:rPr lang="en-US" sz="3200" b="1">
                 <a:solidFill>
                   <a:srgbClr val="FFC800"/>
                 </a:solidFill>
@@ -6477,7 +6866,7 @@
               <a:t>"</a:t>
             </a:r>
             <a:r>
-              <a:rPr lang="en-US" sz="3200" b="1" dirty="0" err="1">
+              <a:rPr lang="en-US" sz="3200" b="1" err="1">
                 <a:solidFill>
                   <a:srgbClr val="FFC800"/>
                 </a:solidFill>
@@ -6485,7 +6874,7 @@
               <a:t>Vertrouw</a:t>
             </a:r>
             <a:r>
-              <a:rPr lang="en-US" sz="3200" b="1" dirty="0">
+              <a:rPr lang="en-US" sz="3200" b="1">
                 <a:solidFill>
                   <a:srgbClr val="FFC800"/>
                 </a:solidFill>
@@ -6493,7 +6882,7 @@
               <a:t> </a:t>
             </a:r>
             <a:r>
-              <a:rPr lang="en-US" sz="3200" b="1" dirty="0" err="1">
+              <a:rPr lang="en-US" sz="3200" b="1" err="1">
                 <a:solidFill>
                   <a:srgbClr val="FFC800"/>
                 </a:solidFill>
@@ -6501,7 +6890,7 @@
               <a:t>geen</a:t>
             </a:r>
             <a:r>
-              <a:rPr lang="en-US" sz="3200" b="1" dirty="0">
+              <a:rPr lang="en-US" sz="3200" b="1">
                 <a:solidFill>
                   <a:srgbClr val="FFC800"/>
                 </a:solidFill>
@@ -6509,7 +6898,7 @@
               <a:t> </a:t>
             </a:r>
             <a:r>
-              <a:rPr lang="en-US" sz="3200" b="1" dirty="0" err="1">
+              <a:rPr lang="en-US" sz="3200" b="1" err="1">
                 <a:solidFill>
                   <a:srgbClr val="FFC800"/>
                 </a:solidFill>
@@ -6517,7 +6906,7 @@
               <a:t>enkele</a:t>
             </a:r>
             <a:r>
-              <a:rPr lang="en-US" sz="3200" b="1" dirty="0">
+              <a:rPr lang="en-US" sz="3200" b="1">
                 <a:solidFill>
                   <a:srgbClr val="FFC800"/>
                 </a:solidFill>
@@ -6525,7 +6914,7 @@
               <a:t> </a:t>
             </a:r>
             <a:r>
-              <a:rPr lang="en-US" sz="3200" b="1" dirty="0" err="1">
+              <a:rPr lang="en-US" sz="3200" b="1" err="1">
                 <a:solidFill>
                   <a:srgbClr val="FFC800"/>
                 </a:solidFill>
@@ -6533,7 +6922,7 @@
               <a:t>Gebruikersinvoer</a:t>
             </a:r>
             <a:r>
-              <a:rPr lang="en-US" sz="3200" b="1" dirty="0">
+              <a:rPr lang="en-US" sz="3200" b="1">
                 <a:solidFill>
                   <a:srgbClr val="FFC800"/>
                 </a:solidFill>
@@ -6550,7 +6939,7 @@
                 <a:spcPts val="1000"/>
               </a:spcBef>
             </a:pPr>
-            <a:endParaRPr lang="en-US" sz="2000" b="1" dirty="0">
+            <a:endParaRPr lang="en-US" sz="2000" b="1">
               <a:solidFill>
                 <a:srgbClr val="FFC800"/>
               </a:solidFill>
@@ -6566,7 +6955,7 @@
               </a:spcBef>
             </a:pPr>
             <a:r>
-              <a:rPr lang="en-US" sz="2000" b="1" dirty="0">
+              <a:rPr lang="en-US" sz="2000" b="1">
                 <a:solidFill>
                   <a:schemeClr val="accent3"/>
                 </a:solidFill>
@@ -6574,7 +6963,7 @@
               <a:t>Ga er van </a:t>
             </a:r>
             <a:r>
-              <a:rPr lang="en-US" sz="2000" b="1" dirty="0" err="1">
+              <a:rPr lang="en-US" sz="2000" b="1" err="1">
                 <a:solidFill>
                   <a:schemeClr val="accent3"/>
                 </a:solidFill>
@@ -6582,7 +6971,7 @@
               <a:t>uit</a:t>
             </a:r>
             <a:r>
-              <a:rPr lang="en-US" sz="2000" b="1" dirty="0">
+              <a:rPr lang="en-US" sz="2000" b="1">
                 <a:solidFill>
                   <a:schemeClr val="accent3"/>
                 </a:solidFill>
@@ -6590,7 +6979,7 @@
               <a:t> </a:t>
             </a:r>
             <a:r>
-              <a:rPr lang="en-US" sz="2000" b="1" dirty="0" err="1">
+              <a:rPr lang="en-US" sz="2000" b="1" err="1">
                 <a:solidFill>
                   <a:schemeClr val="accent3"/>
                 </a:solidFill>
@@ -6598,7 +6987,7 @@
               <a:t>dat</a:t>
             </a:r>
             <a:r>
-              <a:rPr lang="en-US" sz="2000" b="1" dirty="0">
+              <a:rPr lang="en-US" sz="2000" b="1">
                 <a:solidFill>
                   <a:schemeClr val="accent3"/>
                 </a:solidFill>
@@ -6606,7 +6995,7 @@
               <a:t> ELKE input </a:t>
             </a:r>
             <a:r>
-              <a:rPr lang="en-US" sz="2000" b="1" dirty="0" err="1">
+              <a:rPr lang="en-US" sz="2000" b="1" err="1">
                 <a:solidFill>
                   <a:schemeClr val="accent3"/>
                 </a:solidFill>
@@ -6614,7 +7003,7 @@
               <a:t>meerdere</a:t>
             </a:r>
             <a:r>
-              <a:rPr lang="en-US" sz="2000" b="1" dirty="0">
+              <a:rPr lang="en-US" sz="2000" b="1">
                 <a:solidFill>
                   <a:schemeClr val="accent3"/>
                 </a:solidFill>
@@ -6622,7 +7011,7 @@
               <a:t> </a:t>
             </a:r>
             <a:r>
-              <a:rPr lang="en-US" sz="2000" b="1" dirty="0" err="1">
+              <a:rPr lang="en-US" sz="2000" b="1" err="1">
                 <a:solidFill>
                   <a:schemeClr val="accent3"/>
                 </a:solidFill>
@@ -6630,7 +7019,7 @@
               <a:t>pogingen</a:t>
             </a:r>
             <a:r>
-              <a:rPr lang="en-US" sz="2000" b="1" dirty="0">
+              <a:rPr lang="en-US" sz="2000" b="1">
                 <a:solidFill>
                   <a:schemeClr val="accent3"/>
                 </a:solidFill>
@@ -6638,7 +7027,7 @@
               <a:t> </a:t>
             </a:r>
             <a:r>
-              <a:rPr lang="en-US" sz="2000" b="1" dirty="0" err="1">
+              <a:rPr lang="en-US" sz="2000" b="1" err="1">
                 <a:solidFill>
                   <a:schemeClr val="accent3"/>
                 </a:solidFill>
@@ -6646,7 +7035,7 @@
               <a:t>bevat</a:t>
             </a:r>
             <a:r>
-              <a:rPr lang="en-US" sz="2000" b="1" dirty="0">
+              <a:rPr lang="en-US" sz="2000" b="1">
                 <a:solidFill>
                   <a:schemeClr val="accent3"/>
                 </a:solidFill>
@@ -6654,7 +7043,7 @@
               <a:t> </a:t>
             </a:r>
             <a:r>
-              <a:rPr lang="en-US" sz="2000" b="1" dirty="0" err="1">
+              <a:rPr lang="en-US" sz="2000" b="1" err="1">
                 <a:solidFill>
                   <a:schemeClr val="accent3"/>
                 </a:solidFill>
@@ -6662,7 +7051,7 @@
               <a:t>uit</a:t>
             </a:r>
             <a:r>
-              <a:rPr lang="en-US" sz="2000" b="1" dirty="0">
+              <a:rPr lang="en-US" sz="2000" b="1">
                 <a:solidFill>
                   <a:schemeClr val="accent3"/>
                 </a:solidFill>
@@ -6670,7 +7059,7 @@
               <a:t> </a:t>
             </a:r>
             <a:r>
-              <a:rPr lang="en-US" sz="2000" b="1" dirty="0" err="1">
+              <a:rPr lang="en-US" sz="2000" b="1" err="1">
                 <a:solidFill>
                   <a:schemeClr val="accent3"/>
                 </a:solidFill>
@@ -6678,7 +7067,7 @@
               <a:t>voorgaande</a:t>
             </a:r>
             <a:r>
-              <a:rPr lang="en-US" sz="2000" b="1" dirty="0">
+              <a:rPr lang="en-US" sz="2000" b="1">
                 <a:solidFill>
                   <a:schemeClr val="accent3"/>
                 </a:solidFill>
@@ -6686,7 +7075,7 @@
               <a:t> </a:t>
             </a:r>
             <a:r>
-              <a:rPr lang="en-US" sz="2000" b="1" dirty="0" err="1">
+              <a:rPr lang="en-US" sz="2000" b="1" err="1">
                 <a:solidFill>
                   <a:schemeClr val="accent3"/>
                 </a:solidFill>
@@ -6694,7 +7083,7 @@
               <a:t>voorbeelden</a:t>
             </a:r>
             <a:r>
-              <a:rPr lang="en-US" sz="2000" b="1" dirty="0">
+              <a:rPr lang="en-US" sz="2000" b="1">
                 <a:solidFill>
                   <a:schemeClr val="accent3"/>
                 </a:solidFill>
@@ -6712,11 +7101,11 @@
               </a:spcBef>
             </a:pPr>
             <a:r>
-              <a:rPr lang="en-US" sz="2000" b="1" dirty="0" err="1"/>
+              <a:rPr lang="en-US" sz="2000" b="1" err="1"/>
               <a:t>Specifiek</a:t>
             </a:r>
             <a:r>
-              <a:rPr lang="en-US" sz="2000" b="1" dirty="0"/>
+              <a:rPr lang="en-US" sz="2000" b="1"/>
               <a:t>:</a:t>
             </a:r>
           </a:p>
@@ -6732,7 +7121,7 @@
               <a:buChar char="-"/>
             </a:pPr>
             <a:r>
-              <a:rPr lang="en-US" sz="2000" b="1" dirty="0"/>
+              <a:rPr lang="en-US" sz="2000" b="1"/>
               <a:t>PHP </a:t>
             </a:r>
             <a:r>
@@ -6740,7 +7129,7 @@
               <a:t>invoer</a:t>
             </a:r>
             <a:r>
-              <a:rPr lang="en-US" sz="2000" b="1" dirty="0"/>
+              <a:rPr lang="en-US" sz="2000" b="1"/>
               <a:t> </a:t>
             </a:r>
             <a:r>
@@ -6748,7 +7137,7 @@
               <a:t>filteren</a:t>
             </a:r>
             <a:r>
-              <a:rPr lang="en-US" sz="2000" b="1" dirty="0"/>
+              <a:rPr lang="en-US" sz="2000" b="1"/>
               <a:t> (</a:t>
             </a:r>
             <a:r>
@@ -6756,7 +7145,7 @@
               <a:t>htmlspecialchars</a:t>
             </a:r>
             <a:r>
-              <a:rPr lang="en-US" sz="2000" b="1" dirty="0"/>
+              <a:rPr lang="en-US" sz="2000" b="1"/>
               <a:t> op POST </a:t>
             </a:r>
             <a:r>
@@ -6764,7 +7153,7 @@
               <a:t>en</a:t>
             </a:r>
             <a:r>
-              <a:rPr lang="en-US" sz="2000" b="1" dirty="0"/>
+              <a:rPr lang="en-US" sz="2000" b="1"/>
               <a:t> GET)</a:t>
             </a:r>
           </a:p>
@@ -6780,55 +7169,55 @@
               <a:buChar char="-"/>
             </a:pPr>
             <a:r>
-              <a:rPr lang="en-US" sz="2000" b="1" dirty="0"/>
+              <a:rPr lang="en-US" sz="2000" b="1"/>
               <a:t>PDO </a:t>
             </a:r>
             <a:r>
-              <a:rPr lang="en-US" sz="2000" b="1" dirty="0" err="1"/>
+              <a:rPr lang="en-US" sz="2000" b="1" err="1"/>
               <a:t>gebruiken</a:t>
             </a:r>
             <a:r>
-              <a:rPr lang="en-US" sz="2000" b="1" dirty="0"/>
+              <a:rPr lang="en-US" sz="2000" b="1"/>
               <a:t> (</a:t>
             </a:r>
             <a:r>
-              <a:rPr lang="en-US" sz="2000" b="1" dirty="0" err="1"/>
+              <a:rPr lang="en-US" sz="2000" b="1" err="1"/>
               <a:t>striktere</a:t>
             </a:r>
             <a:r>
-              <a:rPr lang="en-US" sz="2000" b="1" dirty="0"/>
+              <a:rPr lang="en-US" sz="2000" b="1"/>
               <a:t> </a:t>
             </a:r>
             <a:r>
-              <a:rPr lang="en-US" sz="2000" b="1" dirty="0" err="1"/>
+              <a:rPr lang="en-US" sz="2000" b="1" err="1"/>
               <a:t>controle</a:t>
             </a:r>
             <a:r>
-              <a:rPr lang="en-US" sz="2000" b="1" dirty="0"/>
+              <a:rPr lang="en-US" sz="2000" b="1"/>
               <a:t> op datatype van </a:t>
             </a:r>
             <a:r>
-              <a:rPr lang="en-US" sz="2000" b="1" dirty="0" err="1"/>
+              <a:rPr lang="en-US" sz="2000" b="1" err="1"/>
               <a:t>gegeven</a:t>
             </a:r>
             <a:r>
-              <a:rPr lang="en-US" sz="2000" b="1" dirty="0"/>
+              <a:rPr lang="en-US" sz="2000" b="1"/>
               <a:t> parameters </a:t>
             </a:r>
             <a:r>
-              <a:rPr lang="en-US" sz="2000" b="1" dirty="0" err="1"/>
+              <a:rPr lang="en-US" sz="2000" b="1" err="1"/>
               <a:t>t.o.v</a:t>
             </a:r>
             <a:r>
-              <a:rPr lang="en-US" sz="2000" b="1" dirty="0"/>
+              <a:rPr lang="en-US" sz="2000" b="1"/>
               <a:t>. </a:t>
             </a:r>
             <a:r>
-              <a:rPr lang="en-US" sz="2000" b="1" dirty="0" err="1"/>
+              <a:rPr lang="en-US" sz="2000" b="1" err="1"/>
               <a:t>db</a:t>
             </a:r>
             <a:r>
-              <a:rPr lang="en-US" sz="2000" b="1" dirty="0"/>
+              <a:rPr lang="en-US" sz="2000" b="1"/>
               <a:t>)</a:t>
             </a:r>
           </a:p>
@@ -6844,7 +7233,7 @@
               <a:buChar char="-"/>
             </a:pPr>
             <a:r>
-              <a:rPr lang="en-US" sz="2000" b="1" dirty="0"/>
+              <a:rPr lang="en-US" sz="2000" b="1"/>
               <a:t>Lengte van datatypes </a:t>
             </a:r>
             <a:r>
@@ -6852,7 +7241,7 @@
               <a:t>beperken</a:t>
             </a:r>
             <a:r>
-              <a:rPr lang="en-US" sz="2000" b="1" dirty="0"/>
+              <a:rPr lang="en-US" sz="2000" b="1"/>
               <a:t>: naam, </a:t>
             </a:r>
             <a:r>
@@ -6860,7 +7249,7 @@
               <a:t>adressen</a:t>
             </a:r>
             <a:r>
-              <a:rPr lang="en-US" sz="2000" b="1" dirty="0"/>
+              <a:rPr lang="en-US" sz="2000" b="1"/>
               <a:t>, </a:t>
             </a:r>
             <a:r>
@@ -6868,7 +7257,7 @@
               <a:t>passwoorden</a:t>
             </a:r>
             <a:r>
-              <a:rPr lang="en-US" sz="2000" b="1" dirty="0"/>
+              <a:rPr lang="en-US" sz="2000" b="1"/>
               <a:t>, </a:t>
             </a:r>
             <a:r>
@@ -6887,7 +7276,7 @@
               </a:spcBef>
             </a:pPr>
             <a:r>
-              <a:rPr lang="en-US" sz="2000" b="1" dirty="0">
+              <a:rPr lang="en-US" sz="2000" b="1">
                 <a:solidFill>
                   <a:srgbClr val="00B0F0"/>
                 </a:solidFill>
@@ -6895,7 +7284,7 @@
               <a:t>       =&gt;  </a:t>
             </a:r>
             <a:r>
-              <a:rPr lang="en-US" sz="2000" b="1" dirty="0" err="1">
+              <a:rPr lang="en-US" sz="2000" b="1" err="1">
                 <a:solidFill>
                   <a:srgbClr val="00B0F0"/>
                 </a:solidFill>
@@ -6903,7 +7292,7 @@
               <a:t>moeten</a:t>
             </a:r>
             <a:r>
-              <a:rPr lang="en-US" sz="2000" b="1" dirty="0">
+              <a:rPr lang="en-US" sz="2000" b="1">
                 <a:solidFill>
                   <a:srgbClr val="00B0F0"/>
                 </a:solidFill>
@@ -6911,7 +7300,7 @@
               <a:t> </a:t>
             </a:r>
             <a:r>
-              <a:rPr lang="en-US" sz="2000" b="1" dirty="0" err="1">
+              <a:rPr lang="en-US" sz="2000" b="1" err="1">
                 <a:solidFill>
                   <a:srgbClr val="00B0F0"/>
                 </a:solidFill>
@@ -6919,7 +7308,7 @@
               <a:t>toch</a:t>
             </a:r>
             <a:r>
-              <a:rPr lang="en-US" sz="2000" b="1" dirty="0">
+              <a:rPr lang="en-US" sz="2000" b="1">
                 <a:solidFill>
                   <a:srgbClr val="00B0F0"/>
                 </a:solidFill>
@@ -6927,7 +7316,7 @@
               <a:t> nooit &gt;200 </a:t>
             </a:r>
             <a:r>
-              <a:rPr lang="en-US" sz="2000" b="1" dirty="0" err="1">
+              <a:rPr lang="en-US" sz="2000" b="1" err="1">
                 <a:solidFill>
                   <a:srgbClr val="00B0F0"/>
                 </a:solidFill>
@@ -6935,7 +7324,7 @@
               <a:t>karakters</a:t>
             </a:r>
             <a:r>
-              <a:rPr lang="en-US" sz="2000" b="1" dirty="0">
+              <a:rPr lang="en-US" sz="2000" b="1">
                 <a:solidFill>
                   <a:srgbClr val="00B0F0"/>
                 </a:solidFill>
@@ -6943,7 +7332,7 @@
               <a:t> </a:t>
             </a:r>
             <a:r>
-              <a:rPr lang="en-US" sz="2000" b="1" dirty="0" err="1">
+              <a:rPr lang="en-US" sz="2000" b="1" err="1">
                 <a:solidFill>
                   <a:srgbClr val="00B0F0"/>
                 </a:solidFill>
@@ -6951,7 +7340,7 @@
               <a:t>bevatten</a:t>
             </a:r>
             <a:r>
-              <a:rPr lang="en-US" sz="2000" b="1" dirty="0">
+              <a:rPr lang="en-US" sz="2000" b="1">
                 <a:solidFill>
                   <a:srgbClr val="00B0F0"/>
                 </a:solidFill>
@@ -6991,7 +7380,7 @@
 </p:sld>
 </file>
 
-<file path=ppt/slides/slide15.xml><?xml version="1.0" encoding="utf-8"?>
+<file path=ppt/slides/slide16.xml><?xml version="1.0" encoding="utf-8"?>
 <p:sld xmlns:a="http://schemas.openxmlformats.org/drawingml/2006/main" xmlns:r="http://schemas.openxmlformats.org/officeDocument/2006/relationships" xmlns:p="http://schemas.openxmlformats.org/presentationml/2006/main">
   <p:cSld>
     <p:bg>
@@ -7128,7 +7517,7 @@
           <a:p>
             <a:pPr algn="ctr"/>
             <a:r>
-              <a:rPr lang="en-US" dirty="0"/>
+              <a:rPr lang="en-US"/>
               <a:t>🔐Password Hashing🔑</a:t>
             </a:r>
           </a:p>
@@ -7189,7 +7578,7 @@
 </p:sld>
 </file>
 
-<file path=ppt/slides/slide16.xml><?xml version="1.0" encoding="utf-8"?>
+<file path=ppt/slides/slide17.xml><?xml version="1.0" encoding="utf-8"?>
 <p:sld xmlns:a="http://schemas.openxmlformats.org/drawingml/2006/main" xmlns:r="http://schemas.openxmlformats.org/officeDocument/2006/relationships" xmlns:p="http://schemas.openxmlformats.org/presentationml/2006/main">
   <p:cSld>
     <p:bg>
@@ -7326,15 +7715,15 @@
           <a:p>
             <a:pPr algn="ctr"/>
             <a:r>
-              <a:rPr lang="en-US" dirty="0"/>
+              <a:rPr lang="en-US"/>
               <a:t>🔐</a:t>
             </a:r>
             <a:r>
-              <a:rPr lang="en-US" dirty="0" err="1"/>
+              <a:rPr lang="en-US" err="1"/>
               <a:t>Waarom</a:t>
             </a:r>
             <a:r>
-              <a:rPr lang="en-US" dirty="0"/>
+              <a:rPr lang="en-US"/>
               <a:t> Password Hashing?🔑</a:t>
             </a:r>
           </a:p>
@@ -7385,7 +7774,7 @@
               <a:buFont typeface="Calibri"/>
               <a:buChar char="-"/>
             </a:pPr>
-            <a:endParaRPr lang="nl-NL" dirty="0"/>
+            <a:endParaRPr lang="nl-NL"/>
           </a:p>
           <a:p>
             <a:pPr marL="285750" indent="-285750">
@@ -7394,7 +7783,7 @@
             </a:pPr>
             <a:r>
               <a:rPr lang="nl-NL" dirty="0"/>
-              <a:t>Maar - Tekst in database: leesbaar, halverwege geheim</a:t>
+              <a:t>Maar - Tekst in database: leesbaar, indien toegang</a:t>
             </a:r>
           </a:p>
           <a:p>
@@ -7402,7 +7791,7 @@
               <a:buFont typeface="Calibri"/>
               <a:buChar char="-"/>
             </a:pPr>
-            <a:endParaRPr lang="nl-NL" dirty="0"/>
+            <a:endParaRPr lang="nl-NL"/>
           </a:p>
           <a:p>
             <a:pPr marL="285750" indent="-285750">
@@ -7419,7 +7808,15 @@
             </a:r>
             <a:r>
               <a:rPr lang="nl-NL" dirty="0"/>
-              <a:t> aanvallen: datalekken komen vaak voor, ook bij grote bedrijven</a:t>
+              <a:t> aanvallen: datalekken komen vaak voor, ook bij grote bedrijven (checken op </a:t>
+            </a:r>
+            <a:r>
+              <a:rPr lang="nl-NL" dirty="0" err="1"/>
+              <a:t>HaveIBeenPwned</a:t>
+            </a:r>
+            <a:r>
+              <a:rPr lang="nl-NL" dirty="0"/>
+              <a:t>)</a:t>
             </a:r>
           </a:p>
           <a:p>
@@ -7427,7 +7824,7 @@
               <a:buFont typeface="Calibri"/>
               <a:buChar char="-"/>
             </a:pPr>
-            <a:endParaRPr lang="nl-NL" dirty="0"/>
+            <a:endParaRPr lang="nl-NL"/>
           </a:p>
           <a:p>
             <a:pPr marL="285750" indent="-285750">
@@ -7452,7 +7849,7 @@
             </a:r>
           </a:p>
           <a:p>
-            <a:endParaRPr lang="nl-NL" dirty="0"/>
+            <a:endParaRPr lang="nl-NL"/>
           </a:p>
           <a:p>
             <a:r>
@@ -7467,7 +7864,7 @@
             </a:r>
           </a:p>
           <a:p>
-            <a:endParaRPr lang="nl-NL" dirty="0"/>
+            <a:endParaRPr lang="nl-NL"/>
           </a:p>
           <a:p>
             <a:r>
@@ -7475,13 +7872,13 @@
               <a:t>"Oplossing" (geen echte oplossing): Wachtwoorden opslaan als </a:t>
             </a:r>
             <a:r>
-              <a:rPr lang="nl-NL" err="1"/>
+              <a:rPr lang="nl-NL" dirty="0" err="1"/>
               <a:t>hash</a:t>
             </a:r>
+            <a:endParaRPr lang="nl-NL" dirty="0"/>
+          </a:p>
+          <a:p>
             <a:endParaRPr lang="nl-NL"/>
-          </a:p>
-          <a:p>
-            <a:endParaRPr lang="nl-NL" dirty="0"/>
           </a:p>
           <a:p>
             <a:r>
@@ -7498,7 +7895,7 @@
             </a:r>
           </a:p>
           <a:p>
-            <a:endParaRPr lang="nl-NL" dirty="0"/>
+            <a:endParaRPr lang="nl-NL"/>
           </a:p>
         </p:txBody>
       </p:sp>
@@ -7524,8 +7921,8 @@
         </p:blipFill>
         <p:spPr>
           <a:xfrm>
-            <a:off x="8986899" y="199160"/>
-            <a:ext cx="2441864" cy="2466604"/>
+            <a:off x="10175256" y="99374"/>
+            <a:ext cx="1634507" cy="1654712"/>
           </a:xfrm>
           <a:prstGeom prst="rect">
             <a:avLst/>
@@ -7635,7 +8032,7 @@
 </p:sld>
 </file>
 
-<file path=ppt/slides/slide17.xml><?xml version="1.0" encoding="utf-8"?>
+<file path=ppt/slides/slide18.xml><?xml version="1.0" encoding="utf-8"?>
 <p:sld xmlns:a="http://schemas.openxmlformats.org/drawingml/2006/main" xmlns:r="http://schemas.openxmlformats.org/officeDocument/2006/relationships" xmlns:p="http://schemas.openxmlformats.org/presentationml/2006/main">
   <p:cSld>
     <p:bg>
@@ -7772,11 +8169,11 @@
           <a:p>
             <a:pPr algn="ctr"/>
             <a:r>
-              <a:rPr lang="en-US" dirty="0"/>
+              <a:rPr lang="en-US"/>
               <a:t>Hashing </a:t>
             </a:r>
             <a:r>
-              <a:rPr lang="en-US" dirty="0" err="1"/>
+              <a:rPr lang="en-US" err="1"/>
               <a:t>Algoritmes</a:t>
             </a:r>
           </a:p>
@@ -7844,12 +8241,12 @@
           <a:lstStyle/>
           <a:p>
             <a:r>
-              <a:rPr lang="nl-NL" b="1" dirty="0"/>
+              <a:rPr lang="nl-NL" b="1"/>
               <a:t>Frequent gebruikt:</a:t>
             </a:r>
           </a:p>
           <a:p>
-            <a:endParaRPr lang="nl-NL" dirty="0"/>
+            <a:endParaRPr lang="nl-NL"/>
           </a:p>
           <a:p>
             <a:pPr marL="285750" indent="-285750">
@@ -7867,7 +8264,7 @@
               <a:buFont typeface="Calibri"/>
               <a:buChar char="-"/>
             </a:pPr>
-            <a:endParaRPr lang="nl-NL" dirty="0"/>
+            <a:endParaRPr lang="nl-NL"/>
           </a:p>
           <a:p>
             <a:pPr marL="285750" indent="-285750">
@@ -7875,15 +8272,15 @@
               <a:buChar char="-"/>
             </a:pPr>
             <a:r>
-              <a:rPr lang="nl-NL" dirty="0"/>
+              <a:rPr lang="nl-NL"/>
               <a:t>SHA-128/256/512 (fix voor verouderde </a:t>
             </a:r>
             <a:r>
-              <a:rPr lang="nl-NL" dirty="0" err="1"/>
+              <a:rPr lang="nl-NL" err="1"/>
               <a:t>algos</a:t>
             </a:r>
             <a:r>
-              <a:rPr lang="nl-NL" dirty="0"/>
+              <a:rPr lang="nl-NL"/>
               <a:t>, niet inherent beter)</a:t>
             </a:r>
           </a:p>
@@ -7892,7 +8289,7 @@
               <a:buFont typeface="Calibri"/>
               <a:buChar char="-"/>
             </a:pPr>
-            <a:endParaRPr lang="nl-NL" dirty="0"/>
+            <a:endParaRPr lang="nl-NL"/>
           </a:p>
           <a:p>
             <a:pPr marL="285750" indent="-285750">
@@ -7900,15 +8297,15 @@
               <a:buChar char="-"/>
             </a:pPr>
             <a:r>
-              <a:rPr lang="nl-NL" dirty="0"/>
+              <a:rPr lang="nl-NL"/>
               <a:t>Argon2 (GPU </a:t>
             </a:r>
             <a:r>
-              <a:rPr lang="nl-NL" dirty="0" err="1"/>
+              <a:rPr lang="nl-NL" err="1"/>
               <a:t>bruteforce</a:t>
             </a:r>
             <a:r>
-              <a:rPr lang="nl-NL" dirty="0"/>
+              <a:rPr lang="nl-NL"/>
               <a:t> resistent)</a:t>
             </a:r>
           </a:p>
@@ -7917,7 +8314,7 @@
               <a:buFont typeface="Calibri"/>
               <a:buChar char="-"/>
             </a:pPr>
-            <a:endParaRPr lang="nl-NL" dirty="0"/>
+            <a:endParaRPr lang="nl-NL"/>
           </a:p>
           <a:p>
             <a:pPr marL="285750" indent="-285750">
@@ -7925,19 +8322,19 @@
               <a:buChar char="-"/>
             </a:pPr>
             <a:r>
-              <a:rPr lang="nl-NL" dirty="0" err="1"/>
+              <a:rPr lang="nl-NL" err="1"/>
               <a:t>Scrypt</a:t>
             </a:r>
             <a:r>
-              <a:rPr lang="nl-NL" dirty="0"/>
+              <a:rPr lang="nl-NL"/>
               <a:t> (*) (</a:t>
             </a:r>
             <a:r>
-              <a:rPr lang="nl-NL" dirty="0" err="1"/>
+              <a:rPr lang="nl-NL" err="1"/>
               <a:t>specialized</a:t>
             </a:r>
             <a:r>
-              <a:rPr lang="nl-NL" dirty="0"/>
+              <a:rPr lang="nl-NL"/>
               <a:t> hardware resistent)</a:t>
             </a:r>
           </a:p>
@@ -7946,33 +8343,33 @@
               <a:buFont typeface="Calibri"/>
               <a:buChar char="-"/>
             </a:pPr>
-            <a:endParaRPr lang="nl-NL" dirty="0"/>
-          </a:p>
-          <a:p>
-            <a:endParaRPr lang="nl-NL" dirty="0"/>
+            <a:endParaRPr lang="nl-NL"/>
+          </a:p>
+          <a:p>
+            <a:endParaRPr lang="nl-NL"/>
           </a:p>
           <a:p>
             <a:pPr>
               <a:buFont typeface="Calibri"/>
             </a:pPr>
             <a:r>
-              <a:rPr lang="nl-NL" b="1" dirty="0" err="1"/>
+              <a:rPr lang="nl-NL" b="1" err="1"/>
               <a:t>Cost</a:t>
             </a:r>
             <a:r>
-              <a:rPr lang="nl-NL" b="1" dirty="0"/>
+              <a:rPr lang="nl-NL" b="1"/>
               <a:t> Factor:</a:t>
             </a:r>
             <a:r>
-              <a:rPr lang="nl-NL" dirty="0"/>
+              <a:rPr lang="nl-NL"/>
               <a:t> een keuze die je maakt als compromis tussen performance (hoge factor + moeilijk </a:t>
             </a:r>
             <a:r>
-              <a:rPr lang="nl-NL" dirty="0" err="1"/>
+              <a:rPr lang="nl-NL" err="1"/>
               <a:t>algo</a:t>
             </a:r>
             <a:r>
-              <a:rPr lang="nl-NL" dirty="0"/>
+              <a:rPr lang="nl-NL"/>
               <a:t>: lang wachten bij account aanmaken) en veiligheid (hoge factor: lastiger te kraken)</a:t>
             </a:r>
           </a:p>
@@ -7980,14 +8377,14 @@
             <a:pPr>
               <a:buFont typeface="Calibri"/>
             </a:pPr>
-            <a:endParaRPr lang="nl-NL" dirty="0"/>
+            <a:endParaRPr lang="nl-NL"/>
           </a:p>
           <a:p>
             <a:pPr>
               <a:buFont typeface="Calibri"/>
             </a:pPr>
             <a:r>
-              <a:rPr lang="nl-NL" dirty="0"/>
+              <a:rPr lang="nl-NL"/>
               <a:t>Er zijn 2 methodes om wachtwoorden te kraken:</a:t>
             </a:r>
           </a:p>
@@ -7997,7 +8394,7 @@
               <a:buChar char="-"/>
             </a:pPr>
             <a:r>
-              <a:rPr lang="nl-NL" dirty="0"/>
+              <a:rPr lang="nl-NL"/>
               <a:t>Brute force: alle mogelijke opties proberen (kan lang duren in slechtste geval)</a:t>
             </a:r>
           </a:p>
@@ -8007,11 +8404,11 @@
               <a:buChar char="-"/>
             </a:pPr>
             <a:r>
-              <a:rPr lang="nl-NL" dirty="0" err="1"/>
+              <a:rPr lang="nl-NL" err="1"/>
               <a:t>Wordlists</a:t>
             </a:r>
             <a:r>
-              <a:rPr lang="nl-NL" dirty="0"/>
+              <a:rPr lang="nl-NL"/>
               <a:t>: vaak gebruikte wachtwoorden </a:t>
             </a:r>
           </a:p>
@@ -8042,7 +8439,7 @@
 </p:sld>
 </file>
 
-<file path=ppt/slides/slide18.xml><?xml version="1.0" encoding="utf-8"?>
+<file path=ppt/slides/slide19.xml><?xml version="1.0" encoding="utf-8"?>
 <p:sld xmlns:a="http://schemas.openxmlformats.org/drawingml/2006/main" xmlns:r="http://schemas.openxmlformats.org/officeDocument/2006/relationships" xmlns:p="http://schemas.openxmlformats.org/presentationml/2006/main">
   <p:cSld>
     <p:bg>
@@ -8275,39 +8672,39 @@
               <a:buChar char="•"/>
             </a:pPr>
             <a:r>
-              <a:rPr lang="en-US" dirty="0"/>
+              <a:rPr lang="en-US"/>
               <a:t>Er </a:t>
             </a:r>
             <a:r>
-              <a:rPr lang="en-US" dirty="0" err="1"/>
+              <a:rPr lang="en-US" err="1"/>
               <a:t>zijn</a:t>
             </a:r>
             <a:r>
-              <a:rPr lang="en-US" dirty="0"/>
+              <a:rPr lang="en-US"/>
               <a:t> 2 </a:t>
             </a:r>
             <a:r>
-              <a:rPr lang="en-US" dirty="0" err="1"/>
+              <a:rPr lang="en-US" err="1"/>
               <a:t>methodes</a:t>
             </a:r>
             <a:r>
-              <a:rPr lang="en-US" dirty="0"/>
+              <a:rPr lang="en-US"/>
               <a:t> om </a:t>
             </a:r>
             <a:r>
-              <a:rPr lang="en-US" dirty="0" err="1"/>
+              <a:rPr lang="en-US" err="1"/>
               <a:t>wachtwoorden</a:t>
             </a:r>
             <a:r>
-              <a:rPr lang="en-US" dirty="0"/>
+              <a:rPr lang="en-US"/>
               <a:t> </a:t>
             </a:r>
             <a:r>
-              <a:rPr lang="en-US" dirty="0" err="1"/>
+              <a:rPr lang="en-US" err="1"/>
               <a:t>te</a:t>
             </a:r>
             <a:r>
-              <a:rPr lang="en-US" dirty="0"/>
+              <a:rPr lang="en-US"/>
               <a:t> kraken:</a:t>
             </a:r>
           </a:p>
@@ -8323,71 +8720,71 @@
               <a:buChar char="•"/>
             </a:pPr>
             <a:r>
-              <a:rPr lang="en-US" dirty="0"/>
+              <a:rPr lang="en-US"/>
               <a:t>1) </a:t>
             </a:r>
             <a:r>
-              <a:rPr lang="en-US" b="1" dirty="0"/>
+              <a:rPr lang="en-US" b="1"/>
               <a:t>Brute force</a:t>
             </a:r>
             <a:r>
-              <a:rPr lang="en-US" dirty="0"/>
+              <a:rPr lang="en-US"/>
               <a:t>: alle </a:t>
             </a:r>
             <a:r>
-              <a:rPr lang="en-US" dirty="0" err="1"/>
+              <a:rPr lang="en-US" err="1"/>
               <a:t>mogelijke</a:t>
             </a:r>
             <a:r>
-              <a:rPr lang="en-US" dirty="0"/>
+              <a:rPr lang="en-US"/>
               <a:t> </a:t>
             </a:r>
             <a:r>
-              <a:rPr lang="en-US" dirty="0" err="1"/>
+              <a:rPr lang="en-US" err="1"/>
               <a:t>opties</a:t>
             </a:r>
             <a:r>
-              <a:rPr lang="en-US" dirty="0"/>
+              <a:rPr lang="en-US"/>
               <a:t> </a:t>
             </a:r>
             <a:r>
-              <a:rPr lang="en-US" dirty="0" err="1"/>
+              <a:rPr lang="en-US" err="1"/>
               <a:t>proberen</a:t>
             </a:r>
             <a:r>
-              <a:rPr lang="en-US" dirty="0"/>
+              <a:rPr lang="en-US"/>
               <a:t> (</a:t>
             </a:r>
             <a:r>
-              <a:rPr lang="en-US" dirty="0" err="1"/>
+              <a:rPr lang="en-US" err="1"/>
               <a:t>kan</a:t>
             </a:r>
             <a:r>
-              <a:rPr lang="en-US" dirty="0"/>
+              <a:rPr lang="en-US"/>
               <a:t> lang </a:t>
             </a:r>
             <a:r>
-              <a:rPr lang="en-US" dirty="0" err="1"/>
+              <a:rPr lang="en-US" err="1"/>
               <a:t>duren</a:t>
             </a:r>
             <a:r>
-              <a:rPr lang="en-US" dirty="0"/>
+              <a:rPr lang="en-US"/>
               <a:t> in </a:t>
             </a:r>
             <a:r>
-              <a:rPr lang="en-US" dirty="0" err="1"/>
+              <a:rPr lang="en-US" err="1"/>
               <a:t>slechtste</a:t>
             </a:r>
             <a:r>
-              <a:rPr lang="en-US" dirty="0"/>
+              <a:rPr lang="en-US"/>
               <a:t> </a:t>
             </a:r>
             <a:r>
-              <a:rPr lang="en-US" dirty="0" err="1"/>
+              <a:rPr lang="en-US" err="1"/>
               <a:t>geval</a:t>
             </a:r>
             <a:r>
-              <a:rPr lang="en-US" dirty="0"/>
+              <a:rPr lang="en-US"/>
               <a:t>)</a:t>
             </a:r>
           </a:p>
@@ -8416,71 +8813,71 @@
               <a:buChar char="•"/>
             </a:pPr>
             <a:r>
-              <a:rPr lang="en-US" dirty="0"/>
+              <a:rPr lang="en-US"/>
               <a:t>2) </a:t>
             </a:r>
             <a:r>
-              <a:rPr lang="en-US" b="1" dirty="0"/>
+              <a:rPr lang="en-US" b="1"/>
               <a:t>Wordlists</a:t>
             </a:r>
             <a:r>
-              <a:rPr lang="en-US" dirty="0"/>
+              <a:rPr lang="en-US"/>
               <a:t>: </a:t>
             </a:r>
             <a:r>
-              <a:rPr lang="en-US" dirty="0" err="1"/>
+              <a:rPr lang="en-US" err="1"/>
               <a:t>vaak</a:t>
             </a:r>
             <a:r>
-              <a:rPr lang="en-US" dirty="0"/>
+              <a:rPr lang="en-US"/>
               <a:t> </a:t>
             </a:r>
             <a:r>
-              <a:rPr lang="en-US" dirty="0" err="1"/>
+              <a:rPr lang="en-US" err="1"/>
               <a:t>gebruikte</a:t>
             </a:r>
             <a:r>
-              <a:rPr lang="en-US" dirty="0"/>
+              <a:rPr lang="en-US"/>
               <a:t> </a:t>
             </a:r>
             <a:r>
-              <a:rPr lang="en-US" dirty="0" err="1"/>
+              <a:rPr lang="en-US" err="1"/>
               <a:t>wachtwoorden</a:t>
             </a:r>
             <a:r>
-              <a:rPr lang="en-US" dirty="0"/>
+              <a:rPr lang="en-US"/>
               <a:t> </a:t>
             </a:r>
             <a:r>
-              <a:rPr lang="en-US" dirty="0" err="1"/>
+              <a:rPr lang="en-US" err="1"/>
               <a:t>proberen</a:t>
             </a:r>
             <a:r>
-              <a:rPr lang="en-US" dirty="0"/>
+              <a:rPr lang="en-US"/>
               <a:t> (kang heel </a:t>
             </a:r>
             <a:r>
-              <a:rPr lang="en-US" dirty="0" err="1"/>
+              <a:rPr lang="en-US" err="1"/>
               <a:t>snel</a:t>
             </a:r>
             <a:r>
-              <a:rPr lang="en-US" dirty="0"/>
+              <a:rPr lang="en-US"/>
               <a:t> in het </a:t>
             </a:r>
             <a:r>
-              <a:rPr lang="en-US" dirty="0" err="1"/>
+              <a:rPr lang="en-US" err="1"/>
               <a:t>beste</a:t>
             </a:r>
             <a:r>
-              <a:rPr lang="en-US" dirty="0"/>
+              <a:rPr lang="en-US"/>
               <a:t> </a:t>
             </a:r>
             <a:r>
-              <a:rPr lang="en-US" dirty="0" err="1"/>
+              <a:rPr lang="en-US" err="1"/>
               <a:t>geval</a:t>
             </a:r>
             <a:r>
-              <a:rPr lang="en-US" dirty="0"/>
+              <a:rPr lang="en-US"/>
               <a:t>)</a:t>
             </a:r>
           </a:p>
@@ -8495,7 +8892,7 @@
               <a:buFont typeface="Arial"/>
               <a:buChar char="•"/>
             </a:pPr>
-            <a:endParaRPr lang="en-US" dirty="0"/>
+            <a:endParaRPr lang="en-US"/>
           </a:p>
           <a:p>
             <a:pPr marL="285750" indent="-285750">
@@ -8503,7 +8900,7 @@
               <a:buChar char="•"/>
             </a:pPr>
             <a:r>
-              <a:rPr lang="nl-NL" dirty="0"/>
+              <a:rPr lang="nl-NL"/>
               <a:t>Er zijn wél verschillen in de sterkte van elk </a:t>
             </a:r>
             <a:r>
@@ -8511,17 +8908,17 @@
               <a:t>hashing</a:t>
             </a:r>
             <a:r>
-              <a:rPr lang="nl-NL" dirty="0"/>
+              <a:rPr lang="nl-NL"/>
               <a:t> algoritme. </a:t>
             </a:r>
-            <a:endParaRPr lang="en-US" dirty="0"/>
+            <a:endParaRPr lang="en-US"/>
           </a:p>
           <a:p>
             <a:pPr marL="285750" indent="-285750">
               <a:buFont typeface="Arial"/>
               <a:buChar char="•"/>
             </a:pPr>
-            <a:endParaRPr lang="nl-NL" dirty="0"/>
+            <a:endParaRPr lang="nl-NL"/>
           </a:p>
           <a:p>
             <a:pPr marL="285750" indent="-285750">
@@ -8529,39 +8926,39 @@
               <a:buChar char="•"/>
             </a:pPr>
             <a:r>
-              <a:rPr lang="nl-NL" dirty="0"/>
+              <a:rPr lang="nl-NL"/>
               <a:t>Te zwak? Je kan de </a:t>
             </a:r>
             <a:r>
-              <a:rPr lang="nl-NL" dirty="0" err="1"/>
+              <a:rPr lang="nl-NL" err="1"/>
               <a:t>hash</a:t>
             </a:r>
             <a:r>
-              <a:rPr lang="nl-NL" dirty="0"/>
+              <a:rPr lang="nl-NL"/>
               <a:t> zelfs kraken met consumentenapparatuur (</a:t>
             </a:r>
             <a:r>
-              <a:rPr lang="nl-NL" dirty="0" err="1"/>
+              <a:rPr lang="nl-NL" err="1"/>
               <a:t>bvb</a:t>
             </a:r>
             <a:r>
-              <a:rPr lang="nl-NL" dirty="0"/>
+              <a:rPr lang="nl-NL"/>
               <a:t> met NVIDIA </a:t>
             </a:r>
             <a:r>
-              <a:rPr lang="nl-NL" dirty="0" err="1"/>
+              <a:rPr lang="nl-NL" err="1"/>
               <a:t>GPUs</a:t>
             </a:r>
             <a:r>
-              <a:rPr lang="nl-NL" dirty="0"/>
+              <a:rPr lang="nl-NL"/>
               <a:t>, die veel CUDA </a:t>
             </a:r>
             <a:r>
-              <a:rPr lang="nl-NL" dirty="0" err="1"/>
+              <a:rPr lang="nl-NL" err="1"/>
               <a:t>Cores</a:t>
             </a:r>
             <a:r>
-              <a:rPr lang="nl-NL" dirty="0"/>
+              <a:rPr lang="nl-NL"/>
               <a:t> hebben).</a:t>
             </a:r>
             <a:endParaRPr lang="en-US"/>
@@ -8571,7 +8968,7 @@
               <a:buFont typeface="Arial"/>
               <a:buChar char="•"/>
             </a:pPr>
-            <a:endParaRPr lang="nl-NL" dirty="0"/>
+            <a:endParaRPr lang="nl-NL"/>
           </a:p>
           <a:p>
             <a:pPr marL="285750" indent="-285750">
@@ -8579,7 +8976,7 @@
               <a:buChar char="-"/>
             </a:pPr>
             <a:r>
-              <a:rPr lang="nl-NL" dirty="0"/>
+              <a:rPr lang="nl-NL"/>
               <a:t>Wachtwoorden moeten ook lang genoeg zijn. </a:t>
             </a:r>
             <a:endParaRPr lang="en-US"/>
@@ -8590,15 +8987,15 @@
               <a:buChar char="-"/>
             </a:pPr>
             <a:r>
-              <a:rPr lang="nl-NL" dirty="0"/>
+              <a:rPr lang="nl-NL"/>
               <a:t>&lt;=8 karakters (zwak) MD5 (zwak) kraken met </a:t>
             </a:r>
             <a:r>
-              <a:rPr lang="nl-NL" dirty="0" err="1"/>
+              <a:rPr lang="nl-NL" err="1"/>
               <a:t>bvb</a:t>
             </a:r>
             <a:r>
-              <a:rPr lang="nl-NL" dirty="0"/>
+              <a:rPr lang="nl-NL"/>
               <a:t> RTX xx80/xx90 (10.2K+ CUDA): binnen enkele minuten (bruteforce!)</a:t>
             </a:r>
             <a:endParaRPr lang="en-US"/>
@@ -8614,7 +9011,7 @@
               <a:buFont typeface="Arial"/>
               <a:buChar char="•"/>
             </a:pPr>
-            <a:endParaRPr lang="en-US" dirty="0"/>
+            <a:endParaRPr lang="en-US"/>
           </a:p>
         </p:txBody>
       </p:sp>
@@ -8643,7 +9040,176 @@
 </p:sld>
 </file>
 
-<file path=ppt/slides/slide19.xml><?xml version="1.0" encoding="utf-8"?>
+<file path=ppt/slides/slide2.xml><?xml version="1.0" encoding="utf-8"?>
+<p:sld xmlns:a="http://schemas.openxmlformats.org/drawingml/2006/main" xmlns:r="http://schemas.openxmlformats.org/officeDocument/2006/relationships" xmlns:p="http://schemas.openxmlformats.org/presentationml/2006/main">
+  <p:cSld>
+    <p:spTree>
+      <p:nvGrpSpPr>
+        <p:cNvPr id="1" name=""/>
+        <p:cNvGrpSpPr/>
+        <p:nvPr/>
+      </p:nvGrpSpPr>
+      <p:grpSpPr>
+        <a:xfrm>
+          <a:off x="0" y="0"/>
+          <a:ext cx="0" cy="0"/>
+          <a:chOff x="0" y="0"/>
+          <a:chExt cx="0" cy="0"/>
+        </a:xfrm>
+      </p:grpSpPr>
+      <p:sp>
+        <p:nvSpPr>
+          <p:cNvPr id="2" name="Titel 1">
+            <a:extLst>
+              <a:ext uri="{FF2B5EF4-FFF2-40B4-BE49-F238E27FC236}">
+                <a16:creationId xmlns:a16="http://schemas.microsoft.com/office/drawing/2014/main" id="{D32C37D9-25D7-80C1-D1D2-BAAF73157DCF}"/>
+              </a:ext>
+            </a:extLst>
+          </p:cNvPr>
+          <p:cNvSpPr>
+            <a:spLocks noGrp="1"/>
+          </p:cNvSpPr>
+          <p:nvPr>
+            <p:ph type="title"/>
+          </p:nvPr>
+        </p:nvSpPr>
+        <p:spPr/>
+        <p:txBody>
+          <a:bodyPr/>
+          <a:lstStyle/>
+          <a:p>
+            <a:r>
+              <a:rPr lang="nl-NL"/>
+              <a:t>Overzicht</a:t>
+            </a:r>
+          </a:p>
+        </p:txBody>
+      </p:sp>
+      <p:pic>
+        <p:nvPicPr>
+          <p:cNvPr id="3" name="Afbeelding 2" descr="Client-Server Architecture | EN.601.421: Object-Oriented Software  Engineering (OOSE)">
+            <a:extLst>
+              <a:ext uri="{FF2B5EF4-FFF2-40B4-BE49-F238E27FC236}">
+                <a16:creationId xmlns:a16="http://schemas.microsoft.com/office/drawing/2014/main" id="{D5D76B4E-88AC-CAC6-27A9-85E752F31FB6}"/>
+              </a:ext>
+            </a:extLst>
+          </p:cNvPr>
+          <p:cNvPicPr>
+            <a:picLocks noChangeAspect="1"/>
+          </p:cNvPicPr>
+          <p:nvPr/>
+        </p:nvPicPr>
+        <p:blipFill>
+          <a:blip r:embed="rId2"/>
+          <a:stretch>
+            <a:fillRect/>
+          </a:stretch>
+        </p:blipFill>
+        <p:spPr>
+          <a:xfrm>
+            <a:off x="1990725" y="1762125"/>
+            <a:ext cx="8210550" cy="3333750"/>
+          </a:xfrm>
+          <a:prstGeom prst="rect">
+            <a:avLst/>
+          </a:prstGeom>
+        </p:spPr>
+      </p:pic>
+      <p:pic>
+        <p:nvPicPr>
+          <p:cNvPr id="4" name="Afbeelding 3" descr="Free Setting Database Icon - Download SVG, PNG for Seo &amp; Web | IconScout">
+            <a:extLst>
+              <a:ext uri="{FF2B5EF4-FFF2-40B4-BE49-F238E27FC236}">
+                <a16:creationId xmlns:a16="http://schemas.microsoft.com/office/drawing/2014/main" id="{71ED6C40-0B3F-FC6D-C0EB-195BDB0F615F}"/>
+              </a:ext>
+            </a:extLst>
+          </p:cNvPr>
+          <p:cNvPicPr>
+            <a:picLocks noChangeAspect="1"/>
+          </p:cNvPicPr>
+          <p:nvPr/>
+        </p:nvPicPr>
+        <p:blipFill>
+          <a:blip r:embed="rId3"/>
+          <a:stretch>
+            <a:fillRect/>
+          </a:stretch>
+        </p:blipFill>
+        <p:spPr>
+          <a:xfrm>
+            <a:off x="8930821" y="357370"/>
+            <a:ext cx="938894" cy="899976"/>
+          </a:xfrm>
+          <a:prstGeom prst="rect">
+            <a:avLst/>
+          </a:prstGeom>
+        </p:spPr>
+      </p:pic>
+      <p:cxnSp>
+        <p:nvCxnSpPr>
+          <p:cNvPr id="5" name="Rechte verbindingslijn met pijl 4">
+            <a:extLst>
+              <a:ext uri="{FF2B5EF4-FFF2-40B4-BE49-F238E27FC236}">
+                <a16:creationId xmlns:a16="http://schemas.microsoft.com/office/drawing/2014/main" id="{319B8C7F-7C1B-6170-932F-2EFE6E4F61D1}"/>
+              </a:ext>
+            </a:extLst>
+          </p:cNvPr>
+          <p:cNvCxnSpPr/>
+          <p:nvPr/>
+        </p:nvCxnSpPr>
+        <p:spPr>
+          <a:xfrm>
+            <a:off x="9369135" y="1359477"/>
+            <a:ext cx="8659" cy="320386"/>
+          </a:xfrm>
+          <a:prstGeom prst="straightConnector1">
+            <a:avLst/>
+          </a:prstGeom>
+          <a:ln>
+            <a:tailEnd type="triangle"/>
+          </a:ln>
+        </p:spPr>
+        <p:style>
+          <a:lnRef idx="1">
+            <a:schemeClr val="accent1"/>
+          </a:lnRef>
+          <a:fillRef idx="0">
+            <a:schemeClr val="accent1"/>
+          </a:fillRef>
+          <a:effectRef idx="0">
+            <a:schemeClr val="accent1"/>
+          </a:effectRef>
+          <a:fontRef idx="minor">
+            <a:schemeClr val="tx1"/>
+          </a:fontRef>
+        </p:style>
+      </p:cxnSp>
+    </p:spTree>
+    <p:extLst>
+      <p:ext uri="{BB962C8B-B14F-4D97-AF65-F5344CB8AC3E}">
+        <p14:creationId xmlns:p14="http://schemas.microsoft.com/office/powerpoint/2010/main" val="326199104"/>
+      </p:ext>
+    </p:extLst>
+  </p:cSld>
+  <p:clrMapOvr>
+    <a:masterClrMapping/>
+  </p:clrMapOvr>
+  <mc:AlternateContent xmlns:mc="http://schemas.openxmlformats.org/markup-compatibility/2006" xmlns:p14="http://schemas.microsoft.com/office/powerpoint/2010/main">
+    <mc:Choice Requires="p14">
+      <p:transition spd="slow" p14:dur="4000">
+        <p14:vortex dir="u"/>
+      </p:transition>
+    </mc:Choice>
+    <mc:Fallback xmlns="">
+      <p:transition spd="slow">
+        <p:fade/>
+      </p:transition>
+    </mc:Fallback>
+  </mc:AlternateContent>
+</p:sld>
+</file>
+
+<file path=ppt/slides/slide20.xml><?xml version="1.0" encoding="utf-8"?>
 <p:sld xmlns:a="http://schemas.openxmlformats.org/drawingml/2006/main" xmlns:r="http://schemas.openxmlformats.org/officeDocument/2006/relationships" xmlns:p="http://schemas.openxmlformats.org/presentationml/2006/main">
   <p:cSld>
     <p:bg>
@@ -8840,7 +9406,7 @@
 </p:sld>
 </file>
 
-<file path=ppt/slides/slide2.xml><?xml version="1.0" encoding="utf-8"?>
+<file path=ppt/slides/slide21.xml><?xml version="1.0" encoding="utf-8"?>
 <p:sld xmlns:a="http://schemas.openxmlformats.org/drawingml/2006/main" xmlns:r="http://schemas.openxmlformats.org/officeDocument/2006/relationships" xmlns:p="http://schemas.openxmlformats.org/presentationml/2006/main">
   <p:cSld>
     <p:bg>
@@ -8853,7 +9419,13 @@
     </p:bg>
     <p:spTree>
       <p:nvGrpSpPr>
-        <p:cNvPr id="1" name=""/>
+        <p:cNvPr id="1" name="">
+          <a:extLst>
+            <a:ext uri="{FF2B5EF4-FFF2-40B4-BE49-F238E27FC236}">
+              <a16:creationId xmlns:a16="http://schemas.microsoft.com/office/drawing/2014/main" id="{FBDC0427-D264-CC15-8833-52404AF2AEC0}"/>
+            </a:ext>
+          </a:extLst>
+        </p:cNvPr>
         <p:cNvGrpSpPr/>
         <p:nvPr/>
       </p:nvGrpSpPr>
@@ -8867,10 +9439,10 @@
       </p:grpSpPr>
       <p:sp useBgFill="1">
         <p:nvSpPr>
-          <p:cNvPr id="14" name="Rectangle 13">
-            <a:extLst>
-              <a:ext uri="{FF2B5EF4-FFF2-40B4-BE49-F238E27FC236}">
-                <a16:creationId xmlns:a16="http://schemas.microsoft.com/office/drawing/2014/main" id="{87B4472A-332B-71E5-8009-33841E7C3F0B}"/>
+          <p:cNvPr id="66" name="Rectangle 65">
+            <a:extLst>
+              <a:ext uri="{FF2B5EF4-FFF2-40B4-BE49-F238E27FC236}">
+                <a16:creationId xmlns:a16="http://schemas.microsoft.com/office/drawing/2014/main" id="{29E5BB62-039B-BF6C-E6A9-E2C6D4A08CB1}"/>
               </a:ext>
               <a:ext uri="{C183D7F6-B498-43B3-948B-1728B52AA6E4}">
                 <adec:decorative xmlns:adec="http://schemas.microsoft.com/office/drawing/2017/decorative" val="1"/>
@@ -8946,7 +9518,7 @@
           <p:cNvPr id="2" name="Titel 1">
             <a:extLst>
               <a:ext uri="{FF2B5EF4-FFF2-40B4-BE49-F238E27FC236}">
-                <a16:creationId xmlns:a16="http://schemas.microsoft.com/office/drawing/2014/main" id="{DBA19FEF-677B-9CCD-3A5A-C2AB3F8C9420}"/>
+                <a16:creationId xmlns:a16="http://schemas.microsoft.com/office/drawing/2014/main" id="{D5B46734-523C-7274-CC65-1CED9990F7FC}"/>
               </a:ext>
             </a:extLst>
           </p:cNvPr>
@@ -8959,8 +9531,8 @@
         </p:nvSpPr>
         <p:spPr>
           <a:xfrm>
-            <a:off x="510074" y="1635260"/>
-            <a:ext cx="3348297" cy="2241755"/>
+            <a:off x="1994140" y="142203"/>
+            <a:ext cx="8203720" cy="732129"/>
           </a:xfrm>
         </p:spPr>
         <p:txBody>
@@ -8969,19 +9541,28 @@
           </a:bodyPr>
           <a:lstStyle/>
           <a:p>
-            <a:r>
-              <a:rPr lang="en-US" sz="4000"/>
-              <a:t>Wat is een database? </a:t>
+            <a:pPr algn="ctr"/>
+            <a:r>
+              <a:rPr lang="en-US"/>
+              <a:t>Let op </a:t>
+            </a:r>
+            <a:r>
+              <a:rPr lang="en-US" err="1"/>
+              <a:t>bij</a:t>
+            </a:r>
+            <a:r>
+              <a:rPr lang="en-US"/>
+              <a:t> Password Hashing</a:t>
             </a:r>
           </a:p>
         </p:txBody>
       </p:sp>
       <p:sp>
         <p:nvSpPr>
-          <p:cNvPr id="5" name="Tekstvak 4">
-            <a:extLst>
-              <a:ext uri="{FF2B5EF4-FFF2-40B4-BE49-F238E27FC236}">
-                <a16:creationId xmlns:a16="http://schemas.microsoft.com/office/drawing/2014/main" id="{A88AF0A4-C457-8D7A-4DA8-D65DD99D937D}"/>
+          <p:cNvPr id="4" name="Tekstvak 3">
+            <a:extLst>
+              <a:ext uri="{FF2B5EF4-FFF2-40B4-BE49-F238E27FC236}">
+                <a16:creationId xmlns:a16="http://schemas.microsoft.com/office/drawing/2014/main" id="{9B530BFF-6D93-1C96-601A-332047108CB8}"/>
               </a:ext>
             </a:extLst>
           </p:cNvPr>
@@ -8990,71 +9571,57 @@
         </p:nvSpPr>
         <p:spPr>
           <a:xfrm>
-            <a:off x="510074" y="4003563"/>
-            <a:ext cx="3348297" cy="1184584"/>
+            <a:off x="121269" y="873237"/>
+            <a:ext cx="11945418" cy="1754326"/>
           </a:xfrm>
           <a:prstGeom prst="rect">
             <a:avLst/>
           </a:prstGeom>
+          <a:noFill/>
         </p:spPr>
         <p:txBody>
-          <a:bodyPr rot="0" spcFirstLastPara="0" vertOverflow="overflow" horzOverflow="overflow" vert="horz" lIns="91440" tIns="45720" rIns="91440" bIns="45720" numCol="1" spcCol="0" rtlCol="0" fromWordArt="0" anchorCtr="0" forceAA="0" compatLnSpc="1">
+          <a:bodyPr rot="0" spcFirstLastPara="0" vertOverflow="overflow" horzOverflow="overflow" vert="horz" wrap="square" lIns="91440" tIns="45720" rIns="91440" bIns="45720" numCol="1" spcCol="0" rtlCol="0" fromWordArt="0" anchor="t" anchorCtr="0" forceAA="0" compatLnSpc="1">
             <a:prstTxWarp prst="textNoShape">
               <a:avLst/>
             </a:prstTxWarp>
-            <a:normAutofit/>
+            <a:spAutoFit/>
           </a:bodyPr>
           <a:lstStyle/>
           <a:p>
-            <a:pPr>
-              <a:lnSpc>
-                <a:spcPct val="110000"/>
-              </a:lnSpc>
-              <a:spcBef>
-                <a:spcPts val="1000"/>
-              </a:spcBef>
-            </a:pPr>
-            <a:r>
-              <a:rPr lang="en-US" sz="1500" b="1"/>
-              <a:t>Gegevens op gestructureerde wijze opslaan om ze op een later moment te bewerken en te raadplegen.</a:t>
-            </a:r>
-          </a:p>
-        </p:txBody>
-      </p:sp>
-      <p:pic>
-        <p:nvPicPr>
-          <p:cNvPr id="6" name="Afbeelding 5" descr="Database schema design 101 for relational databases — PlanetScale">
-            <a:extLst>
-              <a:ext uri="{FF2B5EF4-FFF2-40B4-BE49-F238E27FC236}">
-                <a16:creationId xmlns:a16="http://schemas.microsoft.com/office/drawing/2014/main" id="{6866F84F-C5CE-18FA-D341-90A73C6DA8E4}"/>
-              </a:ext>
-            </a:extLst>
-          </p:cNvPr>
-          <p:cNvPicPr>
-            <a:picLocks noChangeAspect="1"/>
-          </p:cNvPicPr>
-          <p:nvPr/>
-        </p:nvPicPr>
-        <p:blipFill>
-          <a:blip r:embed="rId2"/>
-          <a:stretch>
-            <a:fillRect/>
-          </a:stretch>
-        </p:blipFill>
-        <p:spPr>
-          <a:xfrm>
-            <a:off x="4344099" y="441433"/>
-            <a:ext cx="7390808" cy="5968076"/>
-          </a:xfrm>
-          <a:prstGeom prst="rect">
-            <a:avLst/>
-          </a:prstGeom>
-        </p:spPr>
-      </p:pic>
+            <a:r>
+              <a:rPr lang="nl-NL"/>
+              <a:t>Het kan uitzonderlijk zeldzaam voorkomen dat meerdere, totaal verschillende wachtwoorden DEZELFDE </a:t>
+            </a:r>
+            <a:r>
+              <a:rPr lang="nl-NL" err="1"/>
+              <a:t>hash</a:t>
+            </a:r>
+            <a:r>
+              <a:rPr lang="nl-NL"/>
+              <a:t> geven als resultaat</a:t>
+            </a:r>
+          </a:p>
+          <a:p>
+            <a:endParaRPr lang="nl-NL"/>
+          </a:p>
+          <a:p>
+            <a:r>
+              <a:rPr lang="nl-NL"/>
+              <a:t>Oplossing: gebruik een algoritme waar dit bijna niet voorkomt</a:t>
+            </a:r>
+          </a:p>
+          <a:p>
+            <a:endParaRPr lang="nl-NL"/>
+          </a:p>
+          <a:p>
+            <a:endParaRPr lang="nl-NL"/>
+          </a:p>
+        </p:txBody>
+      </p:sp>
     </p:spTree>
     <p:extLst>
       <p:ext uri="{BB962C8B-B14F-4D97-AF65-F5344CB8AC3E}">
-        <p14:creationId xmlns:p14="http://schemas.microsoft.com/office/powerpoint/2010/main" val="2538358084"/>
+        <p14:creationId xmlns:p14="http://schemas.microsoft.com/office/powerpoint/2010/main" val="2153389902"/>
       </p:ext>
     </p:extLst>
   </p:cSld>
@@ -9076,7 +9643,7 @@
 </p:sld>
 </file>
 
-<file path=ppt/slides/slide20.xml><?xml version="1.0" encoding="utf-8"?>
+<file path=ppt/slides/slide22.xml><?xml version="1.0" encoding="utf-8"?>
 <p:sld xmlns:a="http://schemas.openxmlformats.org/drawingml/2006/main" xmlns:r="http://schemas.openxmlformats.org/officeDocument/2006/relationships" xmlns:p="http://schemas.openxmlformats.org/presentationml/2006/main">
   <p:cSld>
     <p:bg>
@@ -9092,7 +9659,7 @@
         <p:cNvPr id="1" name="">
           <a:extLst>
             <a:ext uri="{FF2B5EF4-FFF2-40B4-BE49-F238E27FC236}">
-              <a16:creationId xmlns:a16="http://schemas.microsoft.com/office/drawing/2014/main" id="{FBDC0427-D264-CC15-8833-52404AF2AEC0}"/>
+              <a16:creationId xmlns:a16="http://schemas.microsoft.com/office/drawing/2014/main" id="{7FE52853-AD2C-9407-BFDB-C11561B9467A}"/>
             </a:ext>
           </a:extLst>
         </p:cNvPr>
@@ -9109,10 +9676,10 @@
       </p:grpSpPr>
       <p:sp useBgFill="1">
         <p:nvSpPr>
-          <p:cNvPr id="66" name="Rectangle 65">
-            <a:extLst>
-              <a:ext uri="{FF2B5EF4-FFF2-40B4-BE49-F238E27FC236}">
-                <a16:creationId xmlns:a16="http://schemas.microsoft.com/office/drawing/2014/main" id="{29E5BB62-039B-BF6C-E6A9-E2C6D4A08CB1}"/>
+          <p:cNvPr id="71" name="Rectangle 70">
+            <a:extLst>
+              <a:ext uri="{FF2B5EF4-FFF2-40B4-BE49-F238E27FC236}">
+                <a16:creationId xmlns:a16="http://schemas.microsoft.com/office/drawing/2014/main" id="{CBB0869A-0BE5-B3E9-F73D-2F3691E4D932}"/>
               </a:ext>
               <a:ext uri="{C183D7F6-B498-43B3-948B-1728B52AA6E4}">
                 <adec:decorative xmlns:adec="http://schemas.microsoft.com/office/drawing/2017/decorative" val="1"/>
@@ -9188,7 +9755,7 @@
           <p:cNvPr id="2" name="Titel 1">
             <a:extLst>
               <a:ext uri="{FF2B5EF4-FFF2-40B4-BE49-F238E27FC236}">
-                <a16:creationId xmlns:a16="http://schemas.microsoft.com/office/drawing/2014/main" id="{D5B46734-523C-7274-CC65-1CED9990F7FC}"/>
+                <a16:creationId xmlns:a16="http://schemas.microsoft.com/office/drawing/2014/main" id="{CB61E84A-FB17-CFA3-6E26-4378F4B9FFEC}"/>
               </a:ext>
             </a:extLst>
           </p:cNvPr>
@@ -9201,8 +9768,8 @@
         </p:nvSpPr>
         <p:spPr>
           <a:xfrm>
-            <a:off x="1994140" y="142203"/>
-            <a:ext cx="8203720" cy="732129"/>
+            <a:off x="612648" y="1114923"/>
+            <a:ext cx="4621553" cy="1360728"/>
           </a:xfrm>
         </p:spPr>
         <p:txBody>
@@ -9211,245 +9778,8 @@
           </a:bodyPr>
           <a:lstStyle/>
           <a:p>
-            <a:pPr algn="ctr"/>
-            <a:r>
-              <a:rPr lang="en-US" dirty="0"/>
-              <a:t>Let op </a:t>
-            </a:r>
-            <a:r>
-              <a:rPr lang="en-US" dirty="0" err="1"/>
-              <a:t>bij</a:t>
-            </a:r>
-            <a:r>
-              <a:rPr lang="en-US" dirty="0"/>
-              <a:t> Password Hashing</a:t>
-            </a:r>
-          </a:p>
-        </p:txBody>
-      </p:sp>
-      <p:sp>
-        <p:nvSpPr>
-          <p:cNvPr id="4" name="Tekstvak 3">
-            <a:extLst>
-              <a:ext uri="{FF2B5EF4-FFF2-40B4-BE49-F238E27FC236}">
-                <a16:creationId xmlns:a16="http://schemas.microsoft.com/office/drawing/2014/main" id="{9B530BFF-6D93-1C96-601A-332047108CB8}"/>
-              </a:ext>
-            </a:extLst>
-          </p:cNvPr>
-          <p:cNvSpPr txBox="1"/>
-          <p:nvPr/>
-        </p:nvSpPr>
-        <p:spPr>
-          <a:xfrm>
-            <a:off x="121269" y="873237"/>
-            <a:ext cx="11945418" cy="1754326"/>
-          </a:xfrm>
-          <a:prstGeom prst="rect">
-            <a:avLst/>
-          </a:prstGeom>
-          <a:noFill/>
-        </p:spPr>
-        <p:txBody>
-          <a:bodyPr rot="0" spcFirstLastPara="0" vertOverflow="overflow" horzOverflow="overflow" vert="horz" wrap="square" lIns="91440" tIns="45720" rIns="91440" bIns="45720" numCol="1" spcCol="0" rtlCol="0" fromWordArt="0" anchor="t" anchorCtr="0" forceAA="0" compatLnSpc="1">
-            <a:prstTxWarp prst="textNoShape">
-              <a:avLst/>
-            </a:prstTxWarp>
-            <a:spAutoFit/>
-          </a:bodyPr>
-          <a:lstStyle/>
-          <a:p>
-            <a:r>
-              <a:rPr lang="nl-NL" dirty="0"/>
-              <a:t>Het kan uitzonderlijk zeldzaam voorkomen dat meerdere, totaal verschillende wachtwoorden DEZELFDE </a:t>
-            </a:r>
-            <a:r>
-              <a:rPr lang="nl-NL" dirty="0" err="1"/>
-              <a:t>hash</a:t>
-            </a:r>
-            <a:r>
-              <a:rPr lang="nl-NL" dirty="0"/>
-              <a:t> geven als resultaat</a:t>
-            </a:r>
-          </a:p>
-          <a:p>
-            <a:endParaRPr lang="nl-NL" dirty="0"/>
-          </a:p>
-          <a:p>
-            <a:r>
-              <a:rPr lang="nl-NL" dirty="0"/>
-              <a:t>Oplossing: gebruik een algoritme waar dit bijna niet voorkomt</a:t>
-            </a:r>
-          </a:p>
-          <a:p>
-            <a:endParaRPr lang="nl-NL" dirty="0"/>
-          </a:p>
-          <a:p>
-            <a:endParaRPr lang="nl-NL" dirty="0"/>
-          </a:p>
-        </p:txBody>
-      </p:sp>
-    </p:spTree>
-    <p:extLst>
-      <p:ext uri="{BB962C8B-B14F-4D97-AF65-F5344CB8AC3E}">
-        <p14:creationId xmlns:p14="http://schemas.microsoft.com/office/powerpoint/2010/main" val="2153389902"/>
-      </p:ext>
-    </p:extLst>
-  </p:cSld>
-  <p:clrMapOvr>
-    <a:masterClrMapping/>
-  </p:clrMapOvr>
-  <mc:AlternateContent xmlns:mc="http://schemas.openxmlformats.org/markup-compatibility/2006" xmlns:p14="http://schemas.microsoft.com/office/powerpoint/2010/main">
-    <mc:Choice Requires="p14">
-      <p:transition spd="slow" p14:dur="4000">
-        <p14:vortex dir="u"/>
-      </p:transition>
-    </mc:Choice>
-    <mc:Fallback xmlns="">
-      <p:transition spd="slow">
-        <p:fade/>
-      </p:transition>
-    </mc:Fallback>
-  </mc:AlternateContent>
-</p:sld>
-</file>
-
-<file path=ppt/slides/slide21.xml><?xml version="1.0" encoding="utf-8"?>
-<p:sld xmlns:a="http://schemas.openxmlformats.org/drawingml/2006/main" xmlns:r="http://schemas.openxmlformats.org/officeDocument/2006/relationships" xmlns:p="http://schemas.openxmlformats.org/presentationml/2006/main">
-  <p:cSld>
-    <p:bg>
-      <p:bgPr>
-        <a:solidFill>
-          <a:schemeClr val="bg1"/>
-        </a:solidFill>
-        <a:effectLst/>
-      </p:bgPr>
-    </p:bg>
-    <p:spTree>
-      <p:nvGrpSpPr>
-        <p:cNvPr id="1" name="">
-          <a:extLst>
-            <a:ext uri="{FF2B5EF4-FFF2-40B4-BE49-F238E27FC236}">
-              <a16:creationId xmlns:a16="http://schemas.microsoft.com/office/drawing/2014/main" id="{7FE52853-AD2C-9407-BFDB-C11561B9467A}"/>
-            </a:ext>
-          </a:extLst>
-        </p:cNvPr>
-        <p:cNvGrpSpPr/>
-        <p:nvPr/>
-      </p:nvGrpSpPr>
-      <p:grpSpPr>
-        <a:xfrm>
-          <a:off x="0" y="0"/>
-          <a:ext cx="0" cy="0"/>
-          <a:chOff x="0" y="0"/>
-          <a:chExt cx="0" cy="0"/>
-        </a:xfrm>
-      </p:grpSpPr>
-      <p:sp useBgFill="1">
-        <p:nvSpPr>
-          <p:cNvPr id="71" name="Rectangle 70">
-            <a:extLst>
-              <a:ext uri="{FF2B5EF4-FFF2-40B4-BE49-F238E27FC236}">
-                <a16:creationId xmlns:a16="http://schemas.microsoft.com/office/drawing/2014/main" id="{CBB0869A-0BE5-B3E9-F73D-2F3691E4D932}"/>
-              </a:ext>
-              <a:ext uri="{C183D7F6-B498-43B3-948B-1728B52AA6E4}">
-                <adec:decorative xmlns:adec="http://schemas.microsoft.com/office/drawing/2017/decorative" val="1"/>
-              </a:ext>
-            </a:extLst>
-          </p:cNvPr>
-          <p:cNvSpPr>
-            <a:spLocks noGrp="1" noRot="1" noChangeAspect="1" noMove="1" noResize="1" noEditPoints="1" noAdjustHandles="1" noChangeArrowheads="1" noChangeShapeType="1" noTextEdit="1"/>
-          </p:cNvSpPr>
-          <p:nvPr>
-            <p:extLst>
-              <p:ext uri="{386F3935-93C4-4BCD-93E2-E3B085C9AB24}">
-                <p16:designElem xmlns:p16="http://schemas.microsoft.com/office/powerpoint/2015/main" val="1"/>
-              </p:ext>
-            </p:extLst>
-          </p:nvPr>
-        </p:nvSpPr>
-        <p:spPr>
-          <a:xfrm>
-            <a:off x="0" y="0"/>
-            <a:ext cx="12192000" cy="6858000"/>
-          </a:xfrm>
-          <a:prstGeom prst="rect">
-            <a:avLst/>
-          </a:prstGeom>
-          <a:ln w="12700" cap="flat" cmpd="sng" algn="ctr">
-            <a:noFill/>
-            <a:prstDash val="solid"/>
-            <a:miter lim="800000"/>
-          </a:ln>
-          <a:effectLst/>
-          <a:extLst>
-            <a:ext uri="{91240B29-F687-4F45-9708-019B960494DF}">
-              <a14:hiddenLine xmlns:a14="http://schemas.microsoft.com/office/drawing/2010/main" w="12700" cap="flat" cmpd="sng" algn="ctr">
-                <a:solidFill>
-                  <a:schemeClr val="accent1">
-                    <a:shade val="15000"/>
-                  </a:schemeClr>
-                </a:solidFill>
-                <a:prstDash val="solid"/>
-                <a:miter lim="800000"/>
-              </a14:hiddenLine>
-            </a:ext>
-          </a:extLst>
-        </p:spPr>
-        <p:style>
-          <a:lnRef idx="2">
-            <a:schemeClr val="accent1">
-              <a:shade val="15000"/>
-            </a:schemeClr>
-          </a:lnRef>
-          <a:fillRef idx="1">
-            <a:schemeClr val="accent1"/>
-          </a:fillRef>
-          <a:effectRef idx="0">
-            <a:schemeClr val="accent1"/>
-          </a:effectRef>
-          <a:fontRef idx="minor">
-            <a:schemeClr val="lt1"/>
-          </a:fontRef>
-        </p:style>
-        <p:txBody>
-          <a:bodyPr rtlCol="0" anchor="ctr"/>
-          <a:lstStyle/>
-          <a:p>
-            <a:pPr algn="ctr"/>
-            <a:endParaRPr lang="en-US"/>
-          </a:p>
-        </p:txBody>
-      </p:sp>
-      <p:sp>
-        <p:nvSpPr>
-          <p:cNvPr id="2" name="Titel 1">
-            <a:extLst>
-              <a:ext uri="{FF2B5EF4-FFF2-40B4-BE49-F238E27FC236}">
-                <a16:creationId xmlns:a16="http://schemas.microsoft.com/office/drawing/2014/main" id="{CB61E84A-FB17-CFA3-6E26-4378F4B9FFEC}"/>
-              </a:ext>
-            </a:extLst>
-          </p:cNvPr>
-          <p:cNvSpPr>
-            <a:spLocks noGrp="1"/>
-          </p:cNvSpPr>
-          <p:nvPr>
-            <p:ph type="title"/>
-          </p:nvPr>
-        </p:nvSpPr>
-        <p:spPr>
-          <a:xfrm>
-            <a:off x="612648" y="1114923"/>
-            <a:ext cx="4621553" cy="1360728"/>
-          </a:xfrm>
-        </p:spPr>
-        <p:txBody>
-          <a:bodyPr vert="horz" lIns="91440" tIns="45720" rIns="91440" bIns="45720" rtlCol="0" anchor="b">
-            <a:normAutofit/>
-          </a:bodyPr>
-          <a:lstStyle/>
-          <a:p>
-            <a:r>
-              <a:rPr lang="en-US" b="1" kern="1200" dirty="0" err="1">
+            <a:r>
+              <a:rPr lang="en-US" b="1" kern="1200" err="1">
                 <a:latin typeface="+mj-lt"/>
                 <a:ea typeface="+mj-ea"/>
                 <a:cs typeface="+mj-cs"/>
@@ -9457,14 +9787,14 @@
               <a:t>Sessies</a:t>
             </a:r>
             <a:r>
-              <a:rPr lang="en-US" dirty="0"/>
+              <a:rPr lang="en-US"/>
               <a:t> </a:t>
             </a:r>
             <a:r>
-              <a:rPr lang="en-US" dirty="0" err="1"/>
+              <a:rPr lang="en-US" err="1"/>
               <a:t>uitgebreid</a:t>
             </a:r>
-            <a:endParaRPr lang="en-US" b="1" kern="1200" dirty="0" err="1">
+            <a:endParaRPr lang="en-US" b="1" kern="1200" err="1">
               <a:latin typeface="+mj-lt"/>
             </a:endParaRPr>
           </a:p>
@@ -9572,7 +9902,7 @@
 </p:sld>
 </file>
 
-<file path=ppt/slides/slide22.xml><?xml version="1.0" encoding="utf-8"?>
+<file path=ppt/slides/slide23.xml><?xml version="1.0" encoding="utf-8"?>
 <p:sld xmlns:a="http://schemas.openxmlformats.org/drawingml/2006/main" xmlns:r="http://schemas.openxmlformats.org/officeDocument/2006/relationships" xmlns:p="http://schemas.openxmlformats.org/presentationml/2006/main">
   <p:cSld>
     <p:bg>
@@ -9708,10 +10038,10 @@
           <a:lstStyle/>
           <a:p>
             <a:r>
-              <a:rPr lang="en-US" dirty="0"/>
+              <a:rPr lang="en-US"/>
               <a:t>Sessions vs Storage</a:t>
             </a:r>
-            <a:endParaRPr lang="nl-NL" dirty="0">
+            <a:endParaRPr lang="nl-NL">
               <a:ea typeface="+mj-ea"/>
               <a:cs typeface="+mj-cs"/>
             </a:endParaRPr>
@@ -9754,23 +10084,23 @@
               <a:buChar char="-"/>
             </a:pPr>
             <a:r>
-              <a:rPr lang="en-US" dirty="0"/>
+              <a:rPr lang="en-US"/>
               <a:t>Sessions ≠ </a:t>
             </a:r>
             <a:r>
-              <a:rPr lang="en-US" dirty="0" err="1"/>
+              <a:rPr lang="en-US" err="1"/>
               <a:t>permanente</a:t>
             </a:r>
             <a:r>
-              <a:rPr lang="en-US" dirty="0"/>
+              <a:rPr lang="en-US"/>
               <a:t> </a:t>
             </a:r>
             <a:r>
-              <a:rPr lang="en-US" dirty="0" err="1"/>
+              <a:rPr lang="en-US" err="1"/>
               <a:t>opslag</a:t>
             </a:r>
             <a:r>
-              <a:rPr lang="en-US" dirty="0"/>
+              <a:rPr lang="en-US"/>
               <a:t> (DB)</a:t>
             </a:r>
           </a:p>
@@ -9780,15 +10110,15 @@
               <a:buChar char="-"/>
             </a:pPr>
             <a:r>
-              <a:rPr lang="en-US" dirty="0"/>
+              <a:rPr lang="en-US"/>
               <a:t>Cookie (PHPSESSID) replicated </a:t>
             </a:r>
             <a:r>
-              <a:rPr lang="en-US" dirty="0" err="1"/>
+              <a:rPr lang="en-US" err="1"/>
               <a:t>naar</a:t>
             </a:r>
             <a:r>
-              <a:rPr lang="en-US" dirty="0"/>
+              <a:rPr lang="en-US"/>
               <a:t> Client</a:t>
             </a:r>
           </a:p>
@@ -9798,51 +10128,51 @@
               <a:buChar char="-"/>
             </a:pPr>
             <a:r>
-              <a:rPr lang="en-US" dirty="0"/>
+              <a:rPr lang="en-US"/>
               <a:t>PHPSESSID is </a:t>
             </a:r>
             <a:r>
-              <a:rPr lang="en-US" dirty="0" err="1"/>
+              <a:rPr lang="en-US" err="1"/>
               <a:t>zoals</a:t>
             </a:r>
             <a:r>
-              <a:rPr lang="en-US" dirty="0"/>
+              <a:rPr lang="en-US"/>
               <a:t> </a:t>
             </a:r>
             <a:r>
-              <a:rPr lang="en-US" dirty="0" err="1"/>
+              <a:rPr lang="en-US" err="1"/>
               <a:t>een</a:t>
             </a:r>
             <a:r>
-              <a:rPr lang="en-US" dirty="0"/>
+              <a:rPr lang="en-US"/>
               <a:t> </a:t>
             </a:r>
             <a:r>
-              <a:rPr lang="en-US" dirty="0" err="1"/>
+              <a:rPr lang="en-US" err="1"/>
               <a:t>elektronische</a:t>
             </a:r>
             <a:r>
-              <a:rPr lang="en-US" dirty="0"/>
+              <a:rPr lang="en-US"/>
               <a:t> badge </a:t>
             </a:r>
             <a:r>
-              <a:rPr lang="en-US" dirty="0" err="1"/>
+              <a:rPr lang="en-US" err="1"/>
               <a:t>voor</a:t>
             </a:r>
             <a:r>
-              <a:rPr lang="en-US" dirty="0"/>
+              <a:rPr lang="en-US"/>
               <a:t> </a:t>
             </a:r>
             <a:r>
-              <a:rPr lang="en-US" dirty="0" err="1"/>
+              <a:rPr lang="en-US" err="1"/>
               <a:t>openen</a:t>
             </a:r>
             <a:r>
-              <a:rPr lang="en-US" dirty="0"/>
+              <a:rPr lang="en-US"/>
               <a:t> </a:t>
             </a:r>
             <a:r>
-              <a:rPr lang="en-US" dirty="0" err="1"/>
+              <a:rPr lang="en-US" err="1"/>
               <a:t>deur</a:t>
             </a:r>
           </a:p>
@@ -9852,77 +10182,77 @@
               <a:buChar char="-"/>
             </a:pPr>
             <a:r>
-              <a:rPr lang="en-US" dirty="0"/>
+              <a:rPr lang="en-US"/>
               <a:t>Vaak </a:t>
             </a:r>
             <a:r>
-              <a:rPr lang="en-US" dirty="0" err="1"/>
+              <a:rPr lang="en-US" err="1"/>
               <a:t>gebruikt</a:t>
             </a:r>
             <a:r>
-              <a:rPr lang="en-US" dirty="0"/>
+              <a:rPr lang="en-US"/>
               <a:t> </a:t>
             </a:r>
             <a:r>
-              <a:rPr lang="en-US" dirty="0" err="1"/>
+              <a:rPr lang="en-US" err="1"/>
               <a:t>voor</a:t>
             </a:r>
             <a:r>
-              <a:rPr lang="en-US" dirty="0"/>
+              <a:rPr lang="en-US"/>
               <a:t> </a:t>
             </a:r>
             <a:r>
-              <a:rPr lang="en-US" dirty="0" err="1"/>
+              <a:rPr lang="en-US" err="1"/>
               <a:t>Authenticatie</a:t>
             </a:r>
             <a:r>
-              <a:rPr lang="en-US" dirty="0"/>
+              <a:rPr lang="en-US"/>
               <a:t>: </a:t>
             </a:r>
             <a:r>
-              <a:rPr lang="en-US" dirty="0" err="1"/>
+              <a:rPr lang="en-US" err="1"/>
               <a:t>inloggen</a:t>
             </a:r>
             <a:r>
-              <a:rPr lang="en-US" dirty="0"/>
+              <a:rPr lang="en-US"/>
               <a:t>, </a:t>
             </a:r>
             <a:r>
-              <a:rPr lang="en-US" dirty="0" err="1"/>
+              <a:rPr lang="en-US" err="1"/>
               <a:t>registreren</a:t>
             </a:r>
             <a:r>
-              <a:rPr lang="en-US" dirty="0"/>
+              <a:rPr lang="en-US"/>
               <a:t>, </a:t>
             </a:r>
             <a:r>
-              <a:rPr lang="en-US" dirty="0" err="1"/>
+              <a:rPr lang="en-US" err="1"/>
               <a:t>uitloggen</a:t>
             </a:r>
             <a:r>
-              <a:rPr lang="en-US" dirty="0"/>
+              <a:rPr lang="en-US"/>
               <a:t>, </a:t>
             </a:r>
             <a:r>
-              <a:rPr lang="en-US" dirty="0" err="1"/>
+              <a:rPr lang="en-US" err="1"/>
               <a:t>beschermde</a:t>
             </a:r>
             <a:r>
-              <a:rPr lang="en-US" dirty="0"/>
+              <a:rPr lang="en-US"/>
               <a:t> </a:t>
             </a:r>
             <a:r>
-              <a:rPr lang="en-US" dirty="0" err="1"/>
+              <a:rPr lang="en-US" err="1"/>
               <a:t>pagina's</a:t>
             </a:r>
-            <a:endParaRPr lang="en-US" dirty="0"/>
+            <a:endParaRPr lang="en-US"/>
           </a:p>
           <a:p>
             <a:pPr marL="285750" indent="-285750">
               <a:buFont typeface="Calibri"/>
               <a:buChar char="-"/>
             </a:pPr>
-            <a:endParaRPr lang="en-US" dirty="0"/>
+            <a:endParaRPr lang="en-US"/>
           </a:p>
         </p:txBody>
       </p:sp>
@@ -10018,7 +10348,7 @@
           <a:lstStyle/>
           <a:p>
             <a:r>
-              <a:rPr lang="nl-NL" i="1" dirty="0"/>
+              <a:rPr lang="nl-NL" i="1"/>
               <a:t>*PHPSESSID op client (in browser)</a:t>
             </a:r>
           </a:p>
@@ -10049,7 +10379,7 @@
 </p:sld>
 </file>
 
-<file path=ppt/slides/slide23.xml><?xml version="1.0" encoding="utf-8"?>
+<file path=ppt/slides/slide24.xml><?xml version="1.0" encoding="utf-8"?>
 <p:sld xmlns:a="http://schemas.openxmlformats.org/drawingml/2006/main" xmlns:r="http://schemas.openxmlformats.org/officeDocument/2006/relationships" xmlns:p="http://schemas.openxmlformats.org/presentationml/2006/main">
   <p:cSld>
     <p:bg>
@@ -10185,7 +10515,7 @@
           <a:lstStyle/>
           <a:p>
             <a:r>
-              <a:rPr lang="en-US" dirty="0"/>
+              <a:rPr lang="en-US"/>
               <a:t>Syntax: Sessions</a:t>
             </a:r>
           </a:p>
@@ -10223,27 +10553,27 @@
           <a:lstStyle/>
           <a:p>
             <a:r>
-              <a:rPr lang="nl-NL" dirty="0"/>
+              <a:rPr lang="nl-NL"/>
               <a:t>⚠️ </a:t>
             </a:r>
             <a:r>
-              <a:rPr lang="nl-NL" dirty="0" err="1"/>
+              <a:rPr lang="nl-NL" err="1"/>
               <a:t>session_start</a:t>
             </a:r>
             <a:r>
-              <a:rPr lang="nl-NL" dirty="0"/>
+              <a:rPr lang="nl-NL"/>
               <a:t>()</a:t>
             </a:r>
           </a:p>
           <a:p>
             <a:r>
-              <a:rPr lang="nl-NL" dirty="0"/>
+              <a:rPr lang="nl-NL"/>
               <a:t>Altijd gebruiken VOOR (eerste lijn code!) dat je sessies inleest of manipuleert</a:t>
             </a:r>
           </a:p>
           <a:p>
             <a:r>
-              <a:rPr lang="nl-NL" dirty="0">
+              <a:rPr lang="nl-NL">
                 <a:solidFill>
                   <a:srgbClr val="00B0F0"/>
                 </a:solidFill>
@@ -10251,11 +10581,11 @@
               <a:t>Indien niet eerst gebruikt?</a:t>
             </a:r>
             <a:r>
-              <a:rPr lang="nl-NL" dirty="0"/>
+              <a:rPr lang="nl-NL"/>
               <a:t> </a:t>
             </a:r>
             <a:r>
-              <a:rPr lang="nl-NL" dirty="0">
+              <a:rPr lang="nl-NL">
                 <a:solidFill>
                   <a:schemeClr val="accent3"/>
                 </a:solidFill>
@@ -10271,7 +10601,7 @@
               <a:t>Coffin</a:t>
             </a:r>
             <a:r>
-              <a:rPr lang="nl-NL" dirty="0">
+              <a:rPr lang="nl-NL">
                 <a:solidFill>
                   <a:schemeClr val="accent3"/>
                 </a:solidFill>
@@ -10285,7 +10615,7 @@
               <a:buChar char="-"/>
             </a:pPr>
             <a:r>
-              <a:rPr lang="nl-NL" dirty="0">
+              <a:rPr lang="nl-NL">
                 <a:solidFill>
                   <a:schemeClr val="accent3"/>
                 </a:solidFill>
@@ -10294,69 +10624,69 @@
             </a:r>
           </a:p>
           <a:p>
-            <a:endParaRPr lang="nl-NL" dirty="0"/>
-          </a:p>
-          <a:p>
-            <a:r>
-              <a:rPr lang="nl-NL" dirty="0"/>
+            <a:endParaRPr lang="nl-NL"/>
+          </a:p>
+          <a:p>
+            <a:r>
+              <a:rPr lang="nl-NL"/>
               <a:t>2) </a:t>
             </a:r>
             <a:r>
-              <a:rPr lang="nl-NL" dirty="0" err="1"/>
+              <a:rPr lang="nl-NL" err="1"/>
               <a:t>session_unset</a:t>
             </a:r>
             <a:r>
-              <a:rPr lang="nl-NL" dirty="0"/>
+              <a:rPr lang="nl-NL"/>
               <a:t>()</a:t>
             </a:r>
-            <a:endParaRPr lang="en-US" dirty="0"/>
-          </a:p>
-          <a:p>
-            <a:r>
-              <a:rPr lang="nl-NL" dirty="0"/>
+            <a:endParaRPr lang="en-US"/>
+          </a:p>
+          <a:p>
+            <a:r>
+              <a:rPr lang="nl-NL"/>
               <a:t>Bij het afmelden/uitloggen, dan wordt de sessie van de user leeggemaakt.</a:t>
             </a:r>
           </a:p>
           <a:p>
-            <a:endParaRPr lang="nl-NL" dirty="0"/>
-          </a:p>
-          <a:p>
-            <a:r>
-              <a:rPr lang="nl-NL" dirty="0"/>
+            <a:endParaRPr lang="nl-NL"/>
+          </a:p>
+          <a:p>
+            <a:r>
+              <a:rPr lang="nl-NL"/>
               <a:t>3) </a:t>
             </a:r>
             <a:r>
-              <a:rPr lang="nl-NL" dirty="0" err="1"/>
+              <a:rPr lang="nl-NL" err="1"/>
               <a:t>session_destroy</a:t>
             </a:r>
             <a:r>
-              <a:rPr lang="nl-NL" dirty="0"/>
+              <a:rPr lang="nl-NL"/>
               <a:t>()</a:t>
             </a:r>
           </a:p>
           <a:p>
             <a:r>
-              <a:rPr lang="nl-NL" dirty="0"/>
+              <a:rPr lang="nl-NL"/>
               <a:t>De meta-info ook verwijderen (uiteraard belangrijk) want dit omvat geheime info.</a:t>
             </a:r>
           </a:p>
           <a:p>
-            <a:endParaRPr lang="nl-NL" dirty="0"/>
-          </a:p>
-          <a:p>
-            <a:r>
-              <a:rPr lang="nl-NL" dirty="0"/>
+            <a:endParaRPr lang="nl-NL"/>
+          </a:p>
+          <a:p>
+            <a:r>
+              <a:rPr lang="nl-NL"/>
               <a:t>4) $_SESSION </a:t>
             </a:r>
             <a:r>
-              <a:rPr lang="nl-NL" dirty="0" err="1"/>
+              <a:rPr lang="nl-NL" err="1"/>
               <a:t>superglobal</a:t>
             </a:r>
-            <a:endParaRPr lang="nl-NL" dirty="0"/>
-          </a:p>
-          <a:p>
-            <a:r>
-              <a:rPr lang="nl-NL" dirty="0"/>
+            <a:endParaRPr lang="nl-NL"/>
+          </a:p>
+          <a:p>
+            <a:r>
+              <a:rPr lang="nl-NL"/>
               <a:t>Dit is de </a:t>
             </a:r>
             <a:r>
@@ -10364,77 +10694,77 @@
               <a:t>getter</a:t>
             </a:r>
             <a:r>
-              <a:rPr lang="nl-NL" dirty="0"/>
+              <a:rPr lang="nl-NL"/>
               <a:t> en setter.</a:t>
             </a:r>
           </a:p>
           <a:p>
-            <a:endParaRPr lang="nl-NL" dirty="0"/>
-          </a:p>
-          <a:p>
-            <a:r>
-              <a:rPr lang="nl-NL" dirty="0" err="1"/>
+            <a:endParaRPr lang="nl-NL"/>
+          </a:p>
+          <a:p>
+            <a:r>
+              <a:rPr lang="nl-NL" err="1"/>
               <a:t>Getter</a:t>
             </a:r>
             <a:r>
-              <a:rPr lang="nl-NL" dirty="0"/>
+              <a:rPr lang="nl-NL"/>
               <a:t> </a:t>
             </a:r>
             <a:r>
-              <a:rPr lang="nl-NL" dirty="0" err="1"/>
+              <a:rPr lang="nl-NL" err="1"/>
               <a:t>vb</a:t>
             </a:r>
             <a:r>
-              <a:rPr lang="nl-NL" dirty="0"/>
+              <a:rPr lang="nl-NL"/>
               <a:t>: &lt;?</a:t>
             </a:r>
             <a:r>
-              <a:rPr lang="nl-NL" dirty="0" err="1"/>
+              <a:rPr lang="nl-NL" err="1"/>
               <a:t>php</a:t>
             </a:r>
             <a:r>
-              <a:rPr lang="nl-NL" dirty="0"/>
+              <a:rPr lang="nl-NL"/>
               <a:t> </a:t>
             </a:r>
             <a:r>
-              <a:rPr lang="nl-NL" dirty="0" err="1"/>
+              <a:rPr lang="nl-NL" err="1"/>
               <a:t>session_start</a:t>
             </a:r>
             <a:r>
-              <a:rPr lang="nl-NL" dirty="0"/>
+              <a:rPr lang="nl-NL"/>
               <a:t>(); echo $_SESSION['user']['name']; ?&gt;</a:t>
             </a:r>
           </a:p>
           <a:p>
-            <a:endParaRPr lang="nl-NL" dirty="0"/>
-          </a:p>
-          <a:p>
-            <a:r>
-              <a:rPr lang="nl-NL" dirty="0"/>
+            <a:endParaRPr lang="nl-NL"/>
+          </a:p>
+          <a:p>
+            <a:r>
+              <a:rPr lang="nl-NL"/>
               <a:t>Setter </a:t>
             </a:r>
             <a:r>
-              <a:rPr lang="nl-NL" dirty="0" err="1"/>
+              <a:rPr lang="nl-NL" err="1"/>
               <a:t>vb</a:t>
             </a:r>
             <a:r>
-              <a:rPr lang="nl-NL" dirty="0"/>
+              <a:rPr lang="nl-NL"/>
               <a:t>: &lt;?</a:t>
             </a:r>
             <a:r>
-              <a:rPr lang="nl-NL" dirty="0" err="1"/>
+              <a:rPr lang="nl-NL" err="1"/>
               <a:t>php</a:t>
             </a:r>
             <a:r>
-              <a:rPr lang="nl-NL" dirty="0"/>
+              <a:rPr lang="nl-NL"/>
               <a:t> </a:t>
             </a:r>
             <a:r>
-              <a:rPr lang="nl-NL" dirty="0" err="1"/>
+              <a:rPr lang="nl-NL" err="1"/>
               <a:t>session_start</a:t>
             </a:r>
             <a:r>
-              <a:rPr lang="nl-NL" dirty="0"/>
+              <a:rPr lang="nl-NL"/>
               <a:t>(); $_SESSION['user']['name'] = "Mr. Bonjour"; ?&gt;</a:t>
             </a:r>
           </a:p>
@@ -10534,23 +10864,23 @@
           <a:lstStyle/>
           <a:p>
             <a:r>
-              <a:rPr lang="nl-NL" dirty="0"/>
+              <a:rPr lang="nl-NL"/>
               <a:t>PHP sessies zijn pesterij wanneer je ze pas later aanroept: </a:t>
             </a:r>
             <a:r>
-              <a:rPr lang="nl-NL" dirty="0" err="1"/>
+              <a:rPr lang="nl-NL" err="1"/>
               <a:t>sessions</a:t>
             </a:r>
             <a:r>
-              <a:rPr lang="nl-NL" dirty="0"/>
+              <a:rPr lang="nl-NL"/>
               <a:t> kunnen vastlopen als je ze niet eerst </a:t>
             </a:r>
             <a:r>
-              <a:rPr lang="nl-NL" dirty="0" err="1"/>
+              <a:rPr lang="nl-NL" err="1"/>
               <a:t>initialiseert</a:t>
             </a:r>
             <a:r>
-              <a:rPr lang="nl-NL" dirty="0"/>
+              <a:rPr lang="nl-NL"/>
               <a:t> </a:t>
             </a:r>
           </a:p>
@@ -10581,7 +10911,7 @@
 </p:sld>
 </file>
 
-<file path=ppt/slides/slide24.xml><?xml version="1.0" encoding="utf-8"?>
+<file path=ppt/slides/slide25.xml><?xml version="1.0" encoding="utf-8"?>
 <p:sld xmlns:a="http://schemas.openxmlformats.org/drawingml/2006/main" xmlns:r="http://schemas.openxmlformats.org/officeDocument/2006/relationships" xmlns:p="http://schemas.openxmlformats.org/presentationml/2006/main">
   <p:cSld>
     <p:bg>
@@ -10955,6 +11285,242 @@
     </p:bg>
     <p:spTree>
       <p:nvGrpSpPr>
+        <p:cNvPr id="1" name=""/>
+        <p:cNvGrpSpPr/>
+        <p:nvPr/>
+      </p:nvGrpSpPr>
+      <p:grpSpPr>
+        <a:xfrm>
+          <a:off x="0" y="0"/>
+          <a:ext cx="0" cy="0"/>
+          <a:chOff x="0" y="0"/>
+          <a:chExt cx="0" cy="0"/>
+        </a:xfrm>
+      </p:grpSpPr>
+      <p:sp useBgFill="1">
+        <p:nvSpPr>
+          <p:cNvPr id="14" name="Rectangle 13">
+            <a:extLst>
+              <a:ext uri="{FF2B5EF4-FFF2-40B4-BE49-F238E27FC236}">
+                <a16:creationId xmlns:a16="http://schemas.microsoft.com/office/drawing/2014/main" id="{87B4472A-332B-71E5-8009-33841E7C3F0B}"/>
+              </a:ext>
+              <a:ext uri="{C183D7F6-B498-43B3-948B-1728B52AA6E4}">
+                <adec:decorative xmlns:adec="http://schemas.microsoft.com/office/drawing/2017/decorative" val="1"/>
+              </a:ext>
+            </a:extLst>
+          </p:cNvPr>
+          <p:cNvSpPr>
+            <a:spLocks noGrp="1" noRot="1" noChangeAspect="1" noMove="1" noResize="1" noEditPoints="1" noAdjustHandles="1" noChangeArrowheads="1" noChangeShapeType="1" noTextEdit="1"/>
+          </p:cNvSpPr>
+          <p:nvPr>
+            <p:extLst>
+              <p:ext uri="{386F3935-93C4-4BCD-93E2-E3B085C9AB24}">
+                <p16:designElem xmlns:p16="http://schemas.microsoft.com/office/powerpoint/2015/main" val="1"/>
+              </p:ext>
+            </p:extLst>
+          </p:nvPr>
+        </p:nvSpPr>
+        <p:spPr>
+          <a:xfrm>
+            <a:off x="0" y="0"/>
+            <a:ext cx="12192000" cy="6858000"/>
+          </a:xfrm>
+          <a:prstGeom prst="rect">
+            <a:avLst/>
+          </a:prstGeom>
+          <a:ln w="12700" cap="flat" cmpd="sng" algn="ctr">
+            <a:noFill/>
+            <a:prstDash val="solid"/>
+            <a:miter lim="800000"/>
+          </a:ln>
+          <a:effectLst/>
+          <a:extLst>
+            <a:ext uri="{91240B29-F687-4F45-9708-019B960494DF}">
+              <a14:hiddenLine xmlns:a14="http://schemas.microsoft.com/office/drawing/2010/main" w="12700" cap="flat" cmpd="sng" algn="ctr">
+                <a:solidFill>
+                  <a:schemeClr val="accent1">
+                    <a:shade val="15000"/>
+                  </a:schemeClr>
+                </a:solidFill>
+                <a:prstDash val="solid"/>
+                <a:miter lim="800000"/>
+              </a14:hiddenLine>
+            </a:ext>
+          </a:extLst>
+        </p:spPr>
+        <p:style>
+          <a:lnRef idx="2">
+            <a:schemeClr val="accent1">
+              <a:shade val="15000"/>
+            </a:schemeClr>
+          </a:lnRef>
+          <a:fillRef idx="1">
+            <a:schemeClr val="accent1"/>
+          </a:fillRef>
+          <a:effectRef idx="0">
+            <a:schemeClr val="accent1"/>
+          </a:effectRef>
+          <a:fontRef idx="minor">
+            <a:schemeClr val="lt1"/>
+          </a:fontRef>
+        </p:style>
+        <p:txBody>
+          <a:bodyPr rtlCol="0" anchor="ctr"/>
+          <a:lstStyle/>
+          <a:p>
+            <a:pPr algn="ctr"/>
+            <a:endParaRPr lang="en-US"/>
+          </a:p>
+        </p:txBody>
+      </p:sp>
+      <p:sp>
+        <p:nvSpPr>
+          <p:cNvPr id="2" name="Titel 1">
+            <a:extLst>
+              <a:ext uri="{FF2B5EF4-FFF2-40B4-BE49-F238E27FC236}">
+                <a16:creationId xmlns:a16="http://schemas.microsoft.com/office/drawing/2014/main" id="{DBA19FEF-677B-9CCD-3A5A-C2AB3F8C9420}"/>
+              </a:ext>
+            </a:extLst>
+          </p:cNvPr>
+          <p:cNvSpPr>
+            <a:spLocks noGrp="1"/>
+          </p:cNvSpPr>
+          <p:nvPr>
+            <p:ph type="title"/>
+          </p:nvPr>
+        </p:nvSpPr>
+        <p:spPr>
+          <a:xfrm>
+            <a:off x="510074" y="1635260"/>
+            <a:ext cx="3348297" cy="2241755"/>
+          </a:xfrm>
+        </p:spPr>
+        <p:txBody>
+          <a:bodyPr vert="horz" lIns="91440" tIns="45720" rIns="91440" bIns="45720" rtlCol="0" anchor="b">
+            <a:normAutofit/>
+          </a:bodyPr>
+          <a:lstStyle/>
+          <a:p>
+            <a:r>
+              <a:rPr lang="en-US" sz="4000"/>
+              <a:t>Wat is een database? </a:t>
+            </a:r>
+          </a:p>
+        </p:txBody>
+      </p:sp>
+      <p:sp>
+        <p:nvSpPr>
+          <p:cNvPr id="5" name="Tekstvak 4">
+            <a:extLst>
+              <a:ext uri="{FF2B5EF4-FFF2-40B4-BE49-F238E27FC236}">
+                <a16:creationId xmlns:a16="http://schemas.microsoft.com/office/drawing/2014/main" id="{A88AF0A4-C457-8D7A-4DA8-D65DD99D937D}"/>
+              </a:ext>
+            </a:extLst>
+          </p:cNvPr>
+          <p:cNvSpPr txBox="1"/>
+          <p:nvPr/>
+        </p:nvSpPr>
+        <p:spPr>
+          <a:xfrm>
+            <a:off x="510074" y="4003563"/>
+            <a:ext cx="3348297" cy="1184584"/>
+          </a:xfrm>
+          <a:prstGeom prst="rect">
+            <a:avLst/>
+          </a:prstGeom>
+        </p:spPr>
+        <p:txBody>
+          <a:bodyPr rot="0" spcFirstLastPara="0" vertOverflow="overflow" horzOverflow="overflow" vert="horz" lIns="91440" tIns="45720" rIns="91440" bIns="45720" numCol="1" spcCol="0" rtlCol="0" fromWordArt="0" anchorCtr="0" forceAA="0" compatLnSpc="1">
+            <a:prstTxWarp prst="textNoShape">
+              <a:avLst/>
+            </a:prstTxWarp>
+            <a:normAutofit/>
+          </a:bodyPr>
+          <a:lstStyle/>
+          <a:p>
+            <a:pPr>
+              <a:lnSpc>
+                <a:spcPct val="110000"/>
+              </a:lnSpc>
+              <a:spcBef>
+                <a:spcPts val="1000"/>
+              </a:spcBef>
+            </a:pPr>
+            <a:r>
+              <a:rPr lang="en-US" sz="1500" b="1"/>
+              <a:t>Gegevens op gestructureerde wijze opslaan om ze op een later moment te bewerken en te raadplegen.</a:t>
+            </a:r>
+          </a:p>
+        </p:txBody>
+      </p:sp>
+      <p:pic>
+        <p:nvPicPr>
+          <p:cNvPr id="6" name="Afbeelding 5" descr="Database schema design 101 for relational databases — PlanetScale">
+            <a:extLst>
+              <a:ext uri="{FF2B5EF4-FFF2-40B4-BE49-F238E27FC236}">
+                <a16:creationId xmlns:a16="http://schemas.microsoft.com/office/drawing/2014/main" id="{6866F84F-C5CE-18FA-D341-90A73C6DA8E4}"/>
+              </a:ext>
+            </a:extLst>
+          </p:cNvPr>
+          <p:cNvPicPr>
+            <a:picLocks noChangeAspect="1"/>
+          </p:cNvPicPr>
+          <p:nvPr/>
+        </p:nvPicPr>
+        <p:blipFill>
+          <a:blip r:embed="rId2"/>
+          <a:stretch>
+            <a:fillRect/>
+          </a:stretch>
+        </p:blipFill>
+        <p:spPr>
+          <a:xfrm>
+            <a:off x="4344099" y="441433"/>
+            <a:ext cx="7390808" cy="5968076"/>
+          </a:xfrm>
+          <a:prstGeom prst="rect">
+            <a:avLst/>
+          </a:prstGeom>
+        </p:spPr>
+      </p:pic>
+    </p:spTree>
+    <p:extLst>
+      <p:ext uri="{BB962C8B-B14F-4D97-AF65-F5344CB8AC3E}">
+        <p14:creationId xmlns:p14="http://schemas.microsoft.com/office/powerpoint/2010/main" val="2538358084"/>
+      </p:ext>
+    </p:extLst>
+  </p:cSld>
+  <p:clrMapOvr>
+    <a:masterClrMapping/>
+  </p:clrMapOvr>
+  <mc:AlternateContent xmlns:mc="http://schemas.openxmlformats.org/markup-compatibility/2006" xmlns:p14="http://schemas.microsoft.com/office/powerpoint/2010/main">
+    <mc:Choice Requires="p14">
+      <p:transition spd="slow" p14:dur="4000">
+        <p14:vortex dir="u"/>
+      </p:transition>
+    </mc:Choice>
+    <mc:Fallback xmlns="">
+      <p:transition spd="slow">
+        <p:fade/>
+      </p:transition>
+    </mc:Fallback>
+  </mc:AlternateContent>
+</p:sld>
+</file>
+
+<file path=ppt/slides/slide4.xml><?xml version="1.0" encoding="utf-8"?>
+<p:sld xmlns:a="http://schemas.openxmlformats.org/drawingml/2006/main" xmlns:r="http://schemas.openxmlformats.org/officeDocument/2006/relationships" xmlns:p="http://schemas.openxmlformats.org/presentationml/2006/main">
+  <p:cSld>
+    <p:bg>
+      <p:bgPr>
+        <a:solidFill>
+          <a:schemeClr val="bg1"/>
+        </a:solidFill>
+        <a:effectLst/>
+      </p:bgPr>
+    </p:bg>
+    <p:spTree>
+      <p:nvGrpSpPr>
         <p:cNvPr id="1" name="">
           <a:extLst>
             <a:ext uri="{FF2B5EF4-FFF2-40B4-BE49-F238E27FC236}">
@@ -11328,7 +11894,7 @@
 </p:sld>
 </file>
 
-<file path=ppt/slides/slide4.xml><?xml version="1.0" encoding="utf-8"?>
+<file path=ppt/slides/slide5.xml><?xml version="1.0" encoding="utf-8"?>
 <p:sld xmlns:a="http://schemas.openxmlformats.org/drawingml/2006/main" xmlns:r="http://schemas.openxmlformats.org/officeDocument/2006/relationships" xmlns:p="http://schemas.openxmlformats.org/presentationml/2006/main">
   <p:cSld>
     <p:bg>
@@ -11611,7 +12177,7 @@
 </p:sld>
 </file>
 
-<file path=ppt/slides/slide5.xml><?xml version="1.0" encoding="utf-8"?>
+<file path=ppt/slides/slide6.xml><?xml version="1.0" encoding="utf-8"?>
 <p:sld xmlns:a="http://schemas.openxmlformats.org/drawingml/2006/main" xmlns:r="http://schemas.openxmlformats.org/officeDocument/2006/relationships" xmlns:p="http://schemas.openxmlformats.org/presentationml/2006/main">
   <p:cSld>
     <p:bg>
@@ -11794,7 +12360,7 @@
             </a:pPr>
             <a:r>
               <a:rPr lang="nl-NL" dirty="0"/>
-              <a:t>Manier om te communiceren met database:</a:t>
+              <a:t>Manier om te communiceren met dé echte database server (=driver):</a:t>
             </a:r>
           </a:p>
           <a:p>
@@ -11832,7 +12398,7 @@
               <a:buFont typeface="Calibri"/>
               <a:buChar char="-"/>
             </a:pPr>
-            <a:endParaRPr lang="nl-NL" dirty="0"/>
+            <a:endParaRPr lang="nl-NL"/>
           </a:p>
           <a:p>
             <a:pPr marL="285750" indent="-285750">
@@ -11843,7 +12409,6 @@
               <a:rPr lang="nl-NL" dirty="0"/>
               <a:t>Veel voordelen: o.a. betere efficiëntie van de query, veilige parameter-binding, sneller herhaaldelijk uitvoeren, minder overhead op database server</a:t>
             </a:r>
-            <a:endParaRPr lang="nl-NL"/>
           </a:p>
         </p:txBody>
       </p:sp>
@@ -11879,7 +12444,7 @@
           <a:lstStyle/>
           <a:p>
             <a:r>
-              <a:rPr lang="nl-NL" dirty="0"/>
+              <a:rPr lang="nl-NL"/>
               <a:t>PDO doorloopt stapsgewijs:</a:t>
             </a:r>
           </a:p>
@@ -11889,7 +12454,7 @@
               <a:buChar char="-"/>
             </a:pPr>
             <a:r>
-              <a:rPr lang="nl-NL" dirty="0" err="1"/>
+              <a:rPr lang="nl-NL" err="1"/>
               <a:t>Prepare</a:t>
             </a:r>
           </a:p>
@@ -11899,7 +12464,7 @@
               <a:buChar char="-"/>
             </a:pPr>
             <a:r>
-              <a:rPr lang="nl-NL" dirty="0"/>
+              <a:rPr lang="nl-NL"/>
               <a:t>Bind</a:t>
             </a:r>
           </a:p>
@@ -11909,7 +12474,7 @@
               <a:buChar char="-"/>
             </a:pPr>
             <a:r>
-              <a:rPr lang="nl-NL" dirty="0" err="1"/>
+              <a:rPr lang="nl-NL" err="1"/>
               <a:t>Execute</a:t>
             </a:r>
           </a:p>
@@ -11919,19 +12484,19 @@
               <a:buChar char="-"/>
             </a:pPr>
             <a:r>
-              <a:rPr lang="nl-NL" dirty="0"/>
+              <a:rPr lang="nl-NL"/>
               <a:t>Optioneel: </a:t>
             </a:r>
             <a:r>
-              <a:rPr lang="nl-NL" dirty="0" err="1"/>
+              <a:rPr lang="nl-NL" err="1"/>
               <a:t>Fetch</a:t>
             </a:r>
             <a:r>
-              <a:rPr lang="nl-NL" dirty="0"/>
+              <a:rPr lang="nl-NL"/>
               <a:t> / </a:t>
             </a:r>
             <a:r>
-              <a:rPr lang="nl-NL" dirty="0" err="1"/>
+              <a:rPr lang="nl-NL" err="1"/>
               <a:t>FetchAll</a:t>
             </a:r>
           </a:p>
@@ -11962,7 +12527,7 @@
 </p:sld>
 </file>
 
-<file path=ppt/slides/slide6.xml><?xml version="1.0" encoding="utf-8"?>
+<file path=ppt/slides/slide7.xml><?xml version="1.0" encoding="utf-8"?>
 <p:sld xmlns:a="http://schemas.openxmlformats.org/drawingml/2006/main" xmlns:r="http://schemas.openxmlformats.org/officeDocument/2006/relationships" xmlns:p="http://schemas.openxmlformats.org/presentationml/2006/main">
   <p:cSld>
     <p:bg>
@@ -12159,7 +12724,7 @@
 </p:sld>
 </file>
 
-<file path=ppt/slides/slide7.xml><?xml version="1.0" encoding="utf-8"?>
+<file path=ppt/slides/slide8.xml><?xml version="1.0" encoding="utf-8"?>
 <p:sld xmlns:a="http://schemas.openxmlformats.org/drawingml/2006/main" xmlns:r="http://schemas.openxmlformats.org/officeDocument/2006/relationships" xmlns:p="http://schemas.openxmlformats.org/presentationml/2006/main">
   <p:cSld>
     <p:bg>
@@ -12296,27 +12861,27 @@
           <a:p>
             <a:pPr algn="ctr"/>
             <a:r>
-              <a:rPr lang="en-US" dirty="0"/>
+              <a:rPr lang="en-US"/>
               <a:t>PDO: </a:t>
             </a:r>
             <a:r>
-              <a:rPr lang="en-US" dirty="0" err="1"/>
+              <a:rPr lang="en-US" err="1"/>
               <a:t>Ophalen</a:t>
             </a:r>
             <a:r>
-              <a:rPr lang="en-US" dirty="0"/>
+              <a:rPr lang="en-US"/>
               <a:t> van </a:t>
             </a:r>
             <a:r>
-              <a:rPr lang="en-US" dirty="0" err="1"/>
+              <a:rPr lang="en-US" err="1"/>
               <a:t>meerdere</a:t>
             </a:r>
             <a:r>
-              <a:rPr lang="en-US" dirty="0"/>
+              <a:rPr lang="en-US"/>
               <a:t> </a:t>
             </a:r>
             <a:r>
-              <a:rPr lang="en-US" dirty="0" err="1"/>
+              <a:rPr lang="en-US" err="1"/>
               <a:t>rijen</a:t>
             </a:r>
           </a:p>
@@ -12377,7 +12942,7 @@
 </p:sld>
 </file>
 
-<file path=ppt/slides/slide8.xml><?xml version="1.0" encoding="utf-8"?>
+<file path=ppt/slides/slide9.xml><?xml version="1.0" encoding="utf-8"?>
 <p:sld xmlns:a="http://schemas.openxmlformats.org/drawingml/2006/main" xmlns:r="http://schemas.openxmlformats.org/officeDocument/2006/relationships" xmlns:p="http://schemas.openxmlformats.org/presentationml/2006/main">
   <p:cSld>
     <p:bg>
@@ -12608,399 +13173,6 @@
     <p:extLst>
       <p:ext uri="{BB962C8B-B14F-4D97-AF65-F5344CB8AC3E}">
         <p14:creationId xmlns:p14="http://schemas.microsoft.com/office/powerpoint/2010/main" val="1521328278"/>
-      </p:ext>
-    </p:extLst>
-  </p:cSld>
-  <p:clrMapOvr>
-    <a:masterClrMapping/>
-  </p:clrMapOvr>
-  <mc:AlternateContent xmlns:mc="http://schemas.openxmlformats.org/markup-compatibility/2006" xmlns:p14="http://schemas.microsoft.com/office/powerpoint/2010/main">
-    <mc:Choice Requires="p14">
-      <p:transition spd="slow" p14:dur="4000">
-        <p14:vortex dir="u"/>
-      </p:transition>
-    </mc:Choice>
-    <mc:Fallback xmlns="">
-      <p:transition spd="slow">
-        <p:fade/>
-      </p:transition>
-    </mc:Fallback>
-  </mc:AlternateContent>
-</p:sld>
-</file>
-
-<file path=ppt/slides/slide9.xml><?xml version="1.0" encoding="utf-8"?>
-<p:sld xmlns:a="http://schemas.openxmlformats.org/drawingml/2006/main" xmlns:r="http://schemas.openxmlformats.org/officeDocument/2006/relationships" xmlns:p="http://schemas.openxmlformats.org/presentationml/2006/main">
-  <p:cSld>
-    <p:bg>
-      <p:bgPr>
-        <a:solidFill>
-          <a:schemeClr val="bg1"/>
-        </a:solidFill>
-        <a:effectLst/>
-      </p:bgPr>
-    </p:bg>
-    <p:spTree>
-      <p:nvGrpSpPr>
-        <p:cNvPr id="1" name="">
-          <a:extLst>
-            <a:ext uri="{FF2B5EF4-FFF2-40B4-BE49-F238E27FC236}">
-              <a16:creationId xmlns:a16="http://schemas.microsoft.com/office/drawing/2014/main" id="{FCA5A999-D668-D122-5CF9-38D4413010EA}"/>
-            </a:ext>
-          </a:extLst>
-        </p:cNvPr>
-        <p:cNvGrpSpPr/>
-        <p:nvPr/>
-      </p:nvGrpSpPr>
-      <p:grpSpPr>
-        <a:xfrm>
-          <a:off x="0" y="0"/>
-          <a:ext cx="0" cy="0"/>
-          <a:chOff x="0" y="0"/>
-          <a:chExt cx="0" cy="0"/>
-        </a:xfrm>
-      </p:grpSpPr>
-      <p:sp useBgFill="1">
-        <p:nvSpPr>
-          <p:cNvPr id="61" name="Rectangle 60">
-            <a:extLst>
-              <a:ext uri="{FF2B5EF4-FFF2-40B4-BE49-F238E27FC236}">
-                <a16:creationId xmlns:a16="http://schemas.microsoft.com/office/drawing/2014/main" id="{43867147-1C83-BF71-39B0-B590EE7F349F}"/>
-              </a:ext>
-              <a:ext uri="{C183D7F6-B498-43B3-948B-1728B52AA6E4}">
-                <adec:decorative xmlns:adec="http://schemas.microsoft.com/office/drawing/2017/decorative" val="1"/>
-              </a:ext>
-            </a:extLst>
-          </p:cNvPr>
-          <p:cNvSpPr>
-            <a:spLocks noGrp="1" noRot="1" noChangeAspect="1" noMove="1" noResize="1" noEditPoints="1" noAdjustHandles="1" noChangeArrowheads="1" noChangeShapeType="1" noTextEdit="1"/>
-          </p:cNvSpPr>
-          <p:nvPr>
-            <p:extLst>
-              <p:ext uri="{386F3935-93C4-4BCD-93E2-E3B085C9AB24}">
-                <p16:designElem xmlns:p16="http://schemas.microsoft.com/office/powerpoint/2015/main" val="1"/>
-              </p:ext>
-            </p:extLst>
-          </p:nvPr>
-        </p:nvSpPr>
-        <p:spPr>
-          <a:xfrm>
-            <a:off x="0" y="0"/>
-            <a:ext cx="12192000" cy="6858000"/>
-          </a:xfrm>
-          <a:prstGeom prst="rect">
-            <a:avLst/>
-          </a:prstGeom>
-          <a:ln w="12700" cap="flat" cmpd="sng" algn="ctr">
-            <a:noFill/>
-            <a:prstDash val="solid"/>
-            <a:miter lim="800000"/>
-          </a:ln>
-          <a:effectLst/>
-          <a:extLst>
-            <a:ext uri="{91240B29-F687-4F45-9708-019B960494DF}">
-              <a14:hiddenLine xmlns:a14="http://schemas.microsoft.com/office/drawing/2010/main" w="12700" cap="flat" cmpd="sng" algn="ctr">
-                <a:solidFill>
-                  <a:schemeClr val="accent1">
-                    <a:shade val="15000"/>
-                  </a:schemeClr>
-                </a:solidFill>
-                <a:prstDash val="solid"/>
-                <a:miter lim="800000"/>
-              </a14:hiddenLine>
-            </a:ext>
-          </a:extLst>
-        </p:spPr>
-        <p:style>
-          <a:lnRef idx="2">
-            <a:schemeClr val="accent1">
-              <a:shade val="15000"/>
-            </a:schemeClr>
-          </a:lnRef>
-          <a:fillRef idx="1">
-            <a:schemeClr val="accent1"/>
-          </a:fillRef>
-          <a:effectRef idx="0">
-            <a:schemeClr val="accent1"/>
-          </a:effectRef>
-          <a:fontRef idx="minor">
-            <a:schemeClr val="lt1"/>
-          </a:fontRef>
-        </p:style>
-        <p:txBody>
-          <a:bodyPr rtlCol="0" anchor="ctr"/>
-          <a:lstStyle/>
-          <a:p>
-            <a:pPr algn="ctr"/>
-            <a:endParaRPr lang="en-US"/>
-          </a:p>
-        </p:txBody>
-      </p:sp>
-      <p:sp>
-        <p:nvSpPr>
-          <p:cNvPr id="2" name="Titel 1">
-            <a:extLst>
-              <a:ext uri="{FF2B5EF4-FFF2-40B4-BE49-F238E27FC236}">
-                <a16:creationId xmlns:a16="http://schemas.microsoft.com/office/drawing/2014/main" id="{FD3AAE6F-D3B0-27F7-FA33-879DE876EFD9}"/>
-              </a:ext>
-            </a:extLst>
-          </p:cNvPr>
-          <p:cNvSpPr>
-            <a:spLocks noGrp="1"/>
-          </p:cNvSpPr>
-          <p:nvPr>
-            <p:ph type="title"/>
-          </p:nvPr>
-        </p:nvSpPr>
-        <p:spPr>
-          <a:xfrm>
-            <a:off x="614678" y="548640"/>
-            <a:ext cx="10872216" cy="1133856"/>
-          </a:xfrm>
-        </p:spPr>
-        <p:txBody>
-          <a:bodyPr vert="horz" lIns="91440" tIns="45720" rIns="91440" bIns="45720" rtlCol="0" anchor="t">
-            <a:normAutofit/>
-          </a:bodyPr>
-          <a:lstStyle/>
-          <a:p>
-            <a:r>
-              <a:rPr lang="en-US" b="1" kern="1200" dirty="0">
-                <a:solidFill>
-                  <a:schemeClr val="tx1"/>
-                </a:solidFill>
-                <a:latin typeface="+mj-lt"/>
-                <a:ea typeface="+mj-ea"/>
-                <a:cs typeface="+mj-cs"/>
-              </a:rPr>
-              <a:t>Security: SQL Injection</a:t>
-            </a:r>
-          </a:p>
-        </p:txBody>
-      </p:sp>
-      <p:pic>
-        <p:nvPicPr>
-          <p:cNvPr id="6" name="Afbeelding 5" descr="SQL Injection Attacks — Web-based App Security, Part 4 | Spanning">
-            <a:extLst>
-              <a:ext uri="{FF2B5EF4-FFF2-40B4-BE49-F238E27FC236}">
-                <a16:creationId xmlns:a16="http://schemas.microsoft.com/office/drawing/2014/main" id="{7B16DF80-FFD3-1FC4-A667-0E2145A55D31}"/>
-              </a:ext>
-            </a:extLst>
-          </p:cNvPr>
-          <p:cNvPicPr>
-            <a:picLocks noChangeAspect="1"/>
-          </p:cNvPicPr>
-          <p:nvPr/>
-        </p:nvPicPr>
-        <p:blipFill>
-          <a:blip r:embed="rId2"/>
-          <a:stretch>
-            <a:fillRect/>
-          </a:stretch>
-        </p:blipFill>
-        <p:spPr>
-          <a:xfrm>
-            <a:off x="827735" y="1792223"/>
-            <a:ext cx="5921495" cy="4539813"/>
-          </a:xfrm>
-          <a:prstGeom prst="rect">
-            <a:avLst/>
-          </a:prstGeom>
-        </p:spPr>
-      </p:pic>
-      <p:sp>
-        <p:nvSpPr>
-          <p:cNvPr id="4" name="Tekstvak 3">
-            <a:extLst>
-              <a:ext uri="{FF2B5EF4-FFF2-40B4-BE49-F238E27FC236}">
-                <a16:creationId xmlns:a16="http://schemas.microsoft.com/office/drawing/2014/main" id="{878FE41B-9CC3-6EEF-2A40-11A20FDC9D73}"/>
-              </a:ext>
-            </a:extLst>
-          </p:cNvPr>
-          <p:cNvSpPr txBox="1"/>
-          <p:nvPr/>
-        </p:nvSpPr>
-        <p:spPr>
-          <a:xfrm>
-            <a:off x="7177176" y="1792224"/>
-            <a:ext cx="4307527" cy="4517136"/>
-          </a:xfrm>
-          <a:prstGeom prst="rect">
-            <a:avLst/>
-          </a:prstGeom>
-        </p:spPr>
-        <p:txBody>
-          <a:bodyPr rot="0" spcFirstLastPara="0" vertOverflow="overflow" horzOverflow="overflow" vert="horz" lIns="91440" tIns="45720" rIns="91440" bIns="45720" numCol="1" spcCol="0" rtlCol="0" fromWordArt="0" anchor="t" anchorCtr="0" forceAA="0" compatLnSpc="1">
-            <a:prstTxWarp prst="textNoShape">
-              <a:avLst/>
-            </a:prstTxWarp>
-            <a:normAutofit/>
-          </a:bodyPr>
-          <a:lstStyle/>
-          <a:p>
-            <a:pPr marL="285750" indent="-228600">
-              <a:lnSpc>
-                <a:spcPct val="120000"/>
-              </a:lnSpc>
-              <a:spcBef>
-                <a:spcPts val="1000"/>
-              </a:spcBef>
-              <a:buFont typeface="Arial" panose="020B0604020202020204" pitchFamily="34" charset="0"/>
-              <a:buChar char="•"/>
-            </a:pPr>
-            <a:r>
-              <a:rPr lang="en-US" dirty="0"/>
-              <a:t>⚠️ </a:t>
-            </a:r>
-            <a:r>
-              <a:rPr lang="en-US" dirty="0" err="1"/>
-              <a:t>Gevaarlijke</a:t>
-            </a:r>
-            <a:r>
-              <a:rPr lang="en-US" dirty="0"/>
-              <a:t> </a:t>
-            </a:r>
-            <a:r>
-              <a:rPr lang="en-US" dirty="0" err="1"/>
-              <a:t>kwetsbaarheid</a:t>
-            </a:r>
-            <a:r>
-              <a:rPr lang="en-US" dirty="0"/>
-              <a:t> (vulnerability) </a:t>
-            </a:r>
-            <a:r>
-              <a:rPr lang="en-US" dirty="0" err="1"/>
-              <a:t>bij</a:t>
-            </a:r>
-            <a:r>
-              <a:rPr lang="en-US" dirty="0"/>
-              <a:t> </a:t>
-            </a:r>
-            <a:r>
-              <a:rPr lang="en-US" dirty="0" err="1"/>
-              <a:t>webapplicaties</a:t>
-            </a:r>
-            <a:endParaRPr lang="en-US" dirty="0"/>
-          </a:p>
-          <a:p>
-            <a:pPr marL="285750" indent="-228600">
-              <a:lnSpc>
-                <a:spcPct val="120000"/>
-              </a:lnSpc>
-              <a:spcBef>
-                <a:spcPts val="1000"/>
-              </a:spcBef>
-              <a:buFont typeface="Arial" panose="020B0604020202020204" pitchFamily="34" charset="0"/>
-              <a:buChar char="•"/>
-            </a:pPr>
-            <a:r>
-              <a:rPr lang="en-US" dirty="0"/>
-              <a:t>Bij </a:t>
-            </a:r>
-            <a:r>
-              <a:rPr lang="en-US" err="1"/>
-              <a:t>kwetsbaarheid</a:t>
-            </a:r>
-            <a:r>
-              <a:rPr lang="en-US" dirty="0"/>
-              <a:t> </a:t>
-            </a:r>
-            <a:r>
-              <a:rPr lang="en-US" err="1"/>
-              <a:t>kan</a:t>
-            </a:r>
-            <a:r>
-              <a:rPr lang="en-US" dirty="0"/>
-              <a:t> </a:t>
-            </a:r>
-            <a:r>
-              <a:rPr lang="en-US" err="1"/>
-              <a:t>een</a:t>
-            </a:r>
-            <a:r>
-              <a:rPr lang="en-US" dirty="0"/>
-              <a:t> </a:t>
-            </a:r>
-            <a:r>
-              <a:rPr lang="en-US" err="1"/>
-              <a:t>aanvaller</a:t>
-            </a:r>
-            <a:r>
-              <a:rPr lang="en-US" dirty="0"/>
-              <a:t>/hacker </a:t>
-            </a:r>
-            <a:r>
-              <a:rPr lang="en-US" err="1"/>
-              <a:t>zich</a:t>
-            </a:r>
-            <a:r>
-              <a:rPr lang="en-US" dirty="0"/>
-              <a:t> </a:t>
-            </a:r>
-            <a:r>
-              <a:rPr lang="en-US" err="1"/>
-              <a:t>bemoeien</a:t>
-            </a:r>
-            <a:r>
-              <a:rPr lang="en-US" dirty="0"/>
-              <a:t> met SQL queries </a:t>
-            </a:r>
-            <a:r>
-              <a:rPr lang="en-US" b="1" dirty="0"/>
-              <a:t>VIA de </a:t>
-            </a:r>
-            <a:r>
-              <a:rPr lang="en-US" b="1" err="1"/>
-              <a:t>applicatie</a:t>
-            </a:r>
-            <a:r>
-              <a:rPr lang="en-US" b="1" dirty="0"/>
-              <a:t> </a:t>
-            </a:r>
-            <a:r>
-              <a:rPr lang="en-US" b="1" err="1"/>
-              <a:t>zelf</a:t>
-            </a:r>
-            <a:endParaRPr lang="en-US" b="1"/>
-          </a:p>
-          <a:p>
-            <a:pPr marL="285750" indent="-228600">
-              <a:lnSpc>
-                <a:spcPct val="120000"/>
-              </a:lnSpc>
-              <a:spcBef>
-                <a:spcPts val="1000"/>
-              </a:spcBef>
-              <a:buFont typeface="Arial" panose="020B0604020202020204" pitchFamily="34" charset="0"/>
-              <a:buChar char="•"/>
-            </a:pPr>
-            <a:r>
-              <a:rPr lang="en-US" dirty="0"/>
-              <a:t>SQL Injection ≠ SQL Server Vulnerability (</a:t>
-            </a:r>
-            <a:r>
-              <a:rPr lang="en-US" dirty="0" err="1"/>
-              <a:t>opgenomen</a:t>
-            </a:r>
-            <a:r>
-              <a:rPr lang="en-US" dirty="0"/>
-              <a:t> in CVE </a:t>
-            </a:r>
-            <a:r>
-              <a:rPr lang="en-US" dirty="0" err="1"/>
-              <a:t>lijsten</a:t>
-            </a:r>
-            <a:r>
-              <a:rPr lang="en-US" dirty="0"/>
-              <a:t>)</a:t>
-            </a:r>
-          </a:p>
-        </p:txBody>
-      </p:sp>
-    </p:spTree>
-    <p:extLst>
-      <p:ext uri="{BB962C8B-B14F-4D97-AF65-F5344CB8AC3E}">
-        <p14:creationId xmlns:p14="http://schemas.microsoft.com/office/powerpoint/2010/main" val="1336239671"/>
       </p:ext>
     </p:extLst>
   </p:cSld>

--- a/H3 - Databases en Beveiliging/Presentatie/H3 Databases en Beveiliging - Dynamische Websites.pptx
+++ b/H3 - Databases en Beveiliging/Presentatie/H3 Databases en Beveiliging - Dynamische Websites.pptx
@@ -226,7 +226,7 @@
           <a:p>
             <a:fld id="{6706355E-35B0-47A6-8E00-D68DE081856C}" type="datetimeFigureOut">
               <a:rPr lang="nl-BE" smtClean="0"/>
-              <a:t>7/01/2026</a:t>
+              <a:t>8/01/2026</a:t>
             </a:fld>
             <a:endParaRPr lang="nl-BE"/>
           </a:p>
@@ -856,7 +856,7 @@
           <a:p>
             <a:fld id="{C128FA71-3A18-48C0-980F-4B68F7F63042}" type="datetime1">
               <a:rPr lang="en-US" smtClean="0"/>
-              <a:t>1/7/2026</a:t>
+              <a:t>1/8/2026</a:t>
             </a:fld>
             <a:endParaRPr lang="en-US"/>
           </a:p>
@@ -1076,7 +1076,7 @@
           <a:p>
             <a:fld id="{7104EDB3-C0E8-45F8-9E1D-1B6C8D1880C0}" type="datetime1">
               <a:rPr lang="en-US" smtClean="0"/>
-              <a:t>1/7/2026</a:t>
+              <a:t>1/8/2026</a:t>
             </a:fld>
             <a:endParaRPr lang="en-US"/>
           </a:p>
@@ -1296,7 +1296,7 @@
           <a:p>
             <a:fld id="{9CF0EC4B-54ED-4041-B552-9BA760FA3DBA}" type="datetime1">
               <a:rPr lang="en-US" smtClean="0"/>
-              <a:t>1/7/2026</a:t>
+              <a:t>1/8/2026</a:t>
             </a:fld>
             <a:endParaRPr lang="en-US"/>
           </a:p>
@@ -1506,7 +1506,7 @@
           <a:p>
             <a:fld id="{51C1210E-201E-4473-82AC-2466F5386C38}" type="datetime1">
               <a:rPr lang="en-US" smtClean="0"/>
-              <a:t>1/7/2026</a:t>
+              <a:t>1/8/2026</a:t>
             </a:fld>
             <a:endParaRPr lang="en-US"/>
           </a:p>
@@ -1795,7 +1795,7 @@
           <a:p>
             <a:fld id="{B01EA198-6CAB-4B8F-B93F-1F9C8C4B6CE7}" type="datetime1">
               <a:rPr lang="en-US" smtClean="0"/>
-              <a:t>1/7/2026</a:t>
+              <a:t>1/8/2026</a:t>
             </a:fld>
             <a:endParaRPr lang="en-US"/>
           </a:p>
@@ -2077,7 +2077,7 @@
           <a:p>
             <a:fld id="{CA06041F-4525-44D5-AA4F-332294BF1F56}" type="datetime1">
               <a:rPr lang="en-US" smtClean="0"/>
-              <a:t>1/7/2026</a:t>
+              <a:t>1/8/2026</a:t>
             </a:fld>
             <a:endParaRPr lang="en-US"/>
           </a:p>
@@ -2511,7 +2511,7 @@
           <a:p>
             <a:fld id="{F9557091-BBDF-4EB9-BA6B-2BB67AC4FC0F}" type="datetime1">
               <a:rPr lang="en-US" smtClean="0"/>
-              <a:t>1/7/2026</a:t>
+              <a:t>1/8/2026</a:t>
             </a:fld>
             <a:endParaRPr lang="en-US"/>
           </a:p>
@@ -2664,7 +2664,7 @@
           <a:p>
             <a:fld id="{2D6B226B-77A6-410C-9796-083F278E0125}" type="datetime1">
               <a:rPr lang="en-US" smtClean="0"/>
-              <a:t>1/7/2026</a:t>
+              <a:t>1/8/2026</a:t>
             </a:fld>
             <a:endParaRPr lang="en-US"/>
           </a:p>
@@ -2789,7 +2789,7 @@
           <a:p>
             <a:fld id="{A23A578B-D289-4C40-8593-3D356C49DA58}" type="datetime1">
               <a:rPr lang="en-US" smtClean="0"/>
-              <a:t>1/7/2026</a:t>
+              <a:t>1/8/2026</a:t>
             </a:fld>
             <a:endParaRPr lang="en-US"/>
           </a:p>
@@ -3118,7 +3118,7 @@
           <a:p>
             <a:fld id="{713DFAE3-14DB-48A7-A80F-80DDB072CE3D}" type="datetime1">
               <a:rPr lang="en-US" smtClean="0"/>
-              <a:t>1/7/2026</a:t>
+              <a:t>1/8/2026</a:t>
             </a:fld>
             <a:endParaRPr lang="en-US"/>
           </a:p>
@@ -3423,7 +3423,7 @@
           <a:p>
             <a:fld id="{92C5EAEF-6478-4102-8F5D-A5FE9FC97ACB}" type="datetime1">
               <a:rPr lang="en-US" smtClean="0"/>
-              <a:t>1/7/2026</a:t>
+              <a:t>1/8/2026</a:t>
             </a:fld>
             <a:endParaRPr lang="en-US"/>
           </a:p>
@@ -3674,7 +3674,7 @@
           <a:p>
             <a:fld id="{67F45AC6-C491-4585-A584-9CE2AF7D5500}" type="datetime1">
               <a:rPr lang="en-US" smtClean="0"/>
-              <a:t>1/7/2026</a:t>
+              <a:t>1/8/2026</a:t>
             </a:fld>
             <a:endParaRPr lang="en-US"/>
           </a:p>
@@ -10063,7 +10063,7 @@
         <p:spPr>
           <a:xfrm>
             <a:off x="608610" y="2582882"/>
-            <a:ext cx="9721682" cy="1477328"/>
+            <a:ext cx="9721682" cy="1754326"/>
           </a:xfrm>
           <a:prstGeom prst="rect">
             <a:avLst/>
@@ -10084,23 +10084,23 @@
               <a:buChar char="-"/>
             </a:pPr>
             <a:r>
-              <a:rPr lang="en-US"/>
+              <a:rPr lang="en-US" dirty="0"/>
               <a:t>Sessions ≠ </a:t>
             </a:r>
             <a:r>
-              <a:rPr lang="en-US" err="1"/>
+              <a:rPr lang="en-US" dirty="0" err="1"/>
               <a:t>permanente</a:t>
             </a:r>
             <a:r>
-              <a:rPr lang="en-US"/>
+              <a:rPr lang="en-US" dirty="0"/>
               <a:t> </a:t>
             </a:r>
             <a:r>
-              <a:rPr lang="en-US" err="1"/>
+              <a:rPr lang="en-US" dirty="0" err="1"/>
               <a:t>opslag</a:t>
             </a:r>
             <a:r>
-              <a:rPr lang="en-US"/>
+              <a:rPr lang="en-US" dirty="0"/>
               <a:t> (DB)</a:t>
             </a:r>
           </a:p>
@@ -10110,15 +10110,15 @@
               <a:buChar char="-"/>
             </a:pPr>
             <a:r>
-              <a:rPr lang="en-US"/>
+              <a:rPr lang="en-US" dirty="0"/>
               <a:t>Cookie (PHPSESSID) replicated </a:t>
             </a:r>
             <a:r>
-              <a:rPr lang="en-US" err="1"/>
+              <a:rPr lang="en-US" dirty="0" err="1"/>
               <a:t>naar</a:t>
             </a:r>
             <a:r>
-              <a:rPr lang="en-US"/>
+              <a:rPr lang="en-US" dirty="0"/>
               <a:t> Client</a:t>
             </a:r>
           </a:p>
@@ -10128,53 +10128,54 @@
               <a:buChar char="-"/>
             </a:pPr>
             <a:r>
-              <a:rPr lang="en-US"/>
+              <a:rPr lang="en-US" dirty="0"/>
               <a:t>PHPSESSID is </a:t>
             </a:r>
             <a:r>
-              <a:rPr lang="en-US" err="1"/>
+              <a:rPr lang="en-US" dirty="0" err="1"/>
               <a:t>zoals</a:t>
             </a:r>
             <a:r>
-              <a:rPr lang="en-US"/>
+              <a:rPr lang="en-US" dirty="0"/>
               <a:t> </a:t>
             </a:r>
             <a:r>
-              <a:rPr lang="en-US" err="1"/>
+              <a:rPr lang="en-US" dirty="0" err="1"/>
               <a:t>een</a:t>
             </a:r>
             <a:r>
-              <a:rPr lang="en-US"/>
+              <a:rPr lang="en-US" dirty="0"/>
               <a:t> </a:t>
             </a:r>
             <a:r>
-              <a:rPr lang="en-US" err="1"/>
+              <a:rPr lang="en-US" dirty="0" err="1"/>
               <a:t>elektronische</a:t>
             </a:r>
             <a:r>
-              <a:rPr lang="en-US"/>
+              <a:rPr lang="en-US" dirty="0"/>
               <a:t> badge </a:t>
             </a:r>
             <a:r>
-              <a:rPr lang="en-US" err="1"/>
+              <a:rPr lang="en-US" dirty="0" err="1"/>
               <a:t>voor</a:t>
             </a:r>
             <a:r>
-              <a:rPr lang="en-US"/>
+              <a:rPr lang="en-US" dirty="0"/>
               <a:t> </a:t>
             </a:r>
             <a:r>
-              <a:rPr lang="en-US" err="1"/>
+              <a:rPr lang="en-US" dirty="0" err="1"/>
               <a:t>openen</a:t>
             </a:r>
             <a:r>
-              <a:rPr lang="en-US"/>
+              <a:rPr lang="en-US" dirty="0"/>
               <a:t> </a:t>
             </a:r>
             <a:r>
-              <a:rPr lang="en-US" err="1"/>
+              <a:rPr lang="en-US" dirty="0" err="1"/>
               <a:t>deur</a:t>
             </a:r>
+            <a:endParaRPr lang="en-US" dirty="0"/>
           </a:p>
           <a:p>
             <a:pPr marL="285750" indent="-285750">
@@ -10182,77 +10183,101 @@
               <a:buChar char="-"/>
             </a:pPr>
             <a:r>
-              <a:rPr lang="en-US"/>
+              <a:rPr lang="en-US" dirty="0"/>
               <a:t>Vaak </a:t>
             </a:r>
             <a:r>
-              <a:rPr lang="en-US" err="1"/>
+              <a:rPr lang="en-US" dirty="0" err="1"/>
               <a:t>gebruikt</a:t>
             </a:r>
             <a:r>
-              <a:rPr lang="en-US"/>
+              <a:rPr lang="en-US" dirty="0"/>
               <a:t> </a:t>
             </a:r>
             <a:r>
-              <a:rPr lang="en-US" err="1"/>
+              <a:rPr lang="en-US" dirty="0" err="1"/>
               <a:t>voor</a:t>
             </a:r>
             <a:r>
-              <a:rPr lang="en-US"/>
+              <a:rPr lang="en-US" dirty="0"/>
               <a:t> </a:t>
             </a:r>
             <a:r>
-              <a:rPr lang="en-US" err="1"/>
+              <a:rPr lang="en-US" dirty="0" err="1"/>
               <a:t>Authenticatie</a:t>
             </a:r>
             <a:r>
-              <a:rPr lang="en-US"/>
-              <a:t>: </a:t>
-            </a:r>
-            <a:r>
-              <a:rPr lang="en-US" err="1"/>
+              <a:rPr lang="en-US" dirty="0"/>
+              <a:t> (AuthN) </a:t>
+            </a:r>
+            <a:r>
+              <a:rPr lang="en-US" dirty="0" err="1"/>
+              <a:t>en</a:t>
+            </a:r>
+            <a:r>
+              <a:rPr lang="en-US" dirty="0"/>
+              <a:t> </a:t>
+            </a:r>
+            <a:r>
+              <a:rPr lang="en-US" dirty="0" err="1"/>
+              <a:t>Authorizatie</a:t>
+            </a:r>
+            <a:r>
+              <a:rPr lang="en-US" dirty="0"/>
+              <a:t> (</a:t>
+            </a:r>
+            <a:r>
+              <a:rPr lang="en-US" dirty="0" err="1"/>
+              <a:t>AuthZ</a:t>
+            </a:r>
+            <a:r>
+              <a:rPr lang="en-US" dirty="0"/>
+              <a:t>): </a:t>
+            </a:r>
+            <a:r>
+              <a:rPr lang="en-US" dirty="0" err="1"/>
               <a:t>inloggen</a:t>
             </a:r>
             <a:r>
-              <a:rPr lang="en-US"/>
+              <a:rPr lang="en-US" dirty="0"/>
               <a:t>, </a:t>
             </a:r>
             <a:r>
-              <a:rPr lang="en-US" err="1"/>
+              <a:rPr lang="en-US" dirty="0" err="1"/>
               <a:t>registreren</a:t>
             </a:r>
             <a:r>
-              <a:rPr lang="en-US"/>
+              <a:rPr lang="en-US" dirty="0"/>
               <a:t>, </a:t>
             </a:r>
             <a:r>
-              <a:rPr lang="en-US" err="1"/>
+              <a:rPr lang="en-US" dirty="0" err="1"/>
               <a:t>uitloggen</a:t>
             </a:r>
             <a:r>
-              <a:rPr lang="en-US"/>
+              <a:rPr lang="en-US" dirty="0"/>
               <a:t>, </a:t>
             </a:r>
             <a:r>
-              <a:rPr lang="en-US" err="1"/>
+              <a:rPr lang="en-US" dirty="0" err="1"/>
               <a:t>beschermde</a:t>
             </a:r>
             <a:r>
-              <a:rPr lang="en-US"/>
+              <a:rPr lang="en-US" dirty="0"/>
               <a:t> </a:t>
             </a:r>
             <a:r>
-              <a:rPr lang="en-US" err="1"/>
+              <a:rPr lang="en-US" dirty="0" err="1"/>
               <a:t>pagina's</a:t>
             </a:r>
-            <a:endParaRPr lang="en-US"/>
+            <a:endParaRPr lang="en-US" dirty="0"/>
           </a:p>
           <a:p>
             <a:pPr marL="285750" indent="-285750">
               <a:buFont typeface="Calibri"/>
               <a:buChar char="-"/>
             </a:pPr>
-            <a:endParaRPr lang="en-US"/>
+            <a:endParaRPr lang="en-US" dirty="0"/>
           </a:p>
         </p:txBody>
       </p:sp>
@@ -11639,15 +11664,22 @@
         </p:spPr>
         <p:txBody>
           <a:bodyPr vert="horz" lIns="91440" tIns="45720" rIns="91440" bIns="45720" rtlCol="0" anchor="b">
-            <a:normAutofit/>
+            <a:normAutofit fontScale="90000"/>
           </a:bodyPr>
           <a:lstStyle/>
           <a:p>
             <a:r>
-              <a:rPr lang="en-US" sz="4000"/>
+              <a:rPr lang="en-US" sz="4000" dirty="0"/>
               <a:t>MySQL/MariaDB</a:t>
             </a:r>
-            <a:endParaRPr lang="nl-NL"/>
+            <a:br>
+              <a:rPr lang="en-US" sz="4000" dirty="0"/>
+            </a:br>
+            <a:r>
+              <a:rPr lang="en-US" sz="4000" dirty="0"/>
+              <a:t>Database</a:t>
+            </a:r>
+            <a:endParaRPr lang="nl-NL" dirty="0"/>
           </a:p>
         </p:txBody>
       </p:sp>
@@ -11691,26 +11723,26 @@
               <a:buAutoNum type="arabicParenR"/>
             </a:pPr>
             <a:r>
-              <a:rPr lang="en-US" sz="1500" b="1"/>
+              <a:rPr lang="en-US" sz="1500" b="1" dirty="0"/>
               <a:t>Vaak </a:t>
             </a:r>
             <a:r>
-              <a:rPr lang="en-US" sz="1500" b="1" err="1"/>
+              <a:rPr lang="en-US" sz="1500" b="1" dirty="0" err="1"/>
               <a:t>gebruikt</a:t>
             </a:r>
             <a:r>
-              <a:rPr lang="en-US" sz="1500" b="1"/>
+              <a:rPr lang="en-US" sz="1500" b="1" dirty="0"/>
               <a:t> in </a:t>
             </a:r>
             <a:r>
-              <a:rPr lang="en-US" sz="1500" b="1" err="1"/>
+              <a:rPr lang="en-US" sz="1500" b="1" dirty="0" err="1"/>
               <a:t>combinatie</a:t>
             </a:r>
             <a:r>
-              <a:rPr lang="en-US" sz="1500" b="1"/>
+              <a:rPr lang="en-US" sz="1500" b="1" dirty="0"/>
               <a:t> met PHP</a:t>
             </a:r>
-            <a:endParaRPr lang="nl-NL"/>
+            <a:endParaRPr lang="nl-NL" dirty="0"/>
           </a:p>
           <a:p>
             <a:pPr marL="285750" indent="-285750">
@@ -11723,7 +11755,7 @@
               <a:buAutoNum type="arabicParenR"/>
             </a:pPr>
             <a:r>
-              <a:rPr lang="en-US" sz="1500" b="1"/>
+              <a:rPr lang="en-US" sz="1500" b="1" dirty="0"/>
               <a:t>SQL</a:t>
             </a:r>
           </a:p>
@@ -11736,7 +11768,7 @@
                 <a:spcPts val="1000"/>
               </a:spcBef>
             </a:pPr>
-            <a:endParaRPr lang="en-US" sz="1500" b="1"/>
+            <a:endParaRPr lang="en-US" sz="1500" b="1" dirty="0"/>
           </a:p>
           <a:p>
             <a:pPr>
@@ -11748,8 +11780,12 @@
               </a:spcBef>
             </a:pPr>
             <a:r>
-              <a:rPr lang="en-US" sz="1500"/>
-              <a:t>Voorbeelden van SQL Queries:</a:t>
+              <a:rPr lang="en-US" sz="1500" dirty="0" err="1"/>
+              <a:t>Voorbeelden</a:t>
+            </a:r>
+            <a:r>
+              <a:rPr lang="en-US" sz="1500" dirty="0"/>
+              <a:t> van SQL Queries:</a:t>
             </a:r>
           </a:p>
           <a:p>
@@ -11763,23 +11799,23 @@
               <a:buAutoNum type="arabicParenR"/>
             </a:pPr>
             <a:r>
-              <a:rPr lang="en-US" sz="1500"/>
+              <a:rPr lang="en-US" sz="1500" dirty="0"/>
               <a:t>SELECT </a:t>
             </a:r>
             <a:r>
-              <a:rPr lang="en-US" sz="1500" err="1"/>
+              <a:rPr lang="en-US" sz="1500" dirty="0" err="1"/>
               <a:t>firstname</a:t>
             </a:r>
             <a:r>
-              <a:rPr lang="en-US" sz="1500"/>
+              <a:rPr lang="en-US" sz="1500" dirty="0"/>
               <a:t>, </a:t>
             </a:r>
             <a:r>
-              <a:rPr lang="en-US" sz="1500" err="1"/>
+              <a:rPr lang="en-US" sz="1500" dirty="0" err="1"/>
               <a:t>lastname</a:t>
             </a:r>
             <a:r>
-              <a:rPr lang="en-US" sz="1500"/>
+              <a:rPr lang="en-US" sz="1500" dirty="0"/>
               <a:t> FROM `users`;</a:t>
             </a:r>
           </a:p>
@@ -11794,15 +11830,15 @@
               <a:buAutoNum type="arabicParenR"/>
             </a:pPr>
             <a:r>
-              <a:rPr lang="en-US" sz="1500"/>
+              <a:rPr lang="en-US" sz="1500" dirty="0"/>
               <a:t>UPDATE `users` SET </a:t>
             </a:r>
             <a:r>
-              <a:rPr lang="en-US" sz="1500" err="1"/>
+              <a:rPr lang="en-US" sz="1500" dirty="0" err="1"/>
               <a:t>password_remember_token</a:t>
             </a:r>
             <a:r>
-              <a:rPr lang="en-US" sz="1500"/>
+              <a:rPr lang="en-US" sz="1500" dirty="0"/>
               <a:t> = ? WHERE id = ?;</a:t>
             </a:r>
           </a:p>
@@ -11817,23 +11853,23 @@
               <a:buAutoNum type="arabicParenR"/>
             </a:pPr>
             <a:r>
-              <a:rPr lang="en-US" sz="1500"/>
+              <a:rPr lang="en-US" sz="1500" dirty="0"/>
               <a:t>SELECT * FROM `pupils` WHERE </a:t>
             </a:r>
             <a:r>
-              <a:rPr lang="en-US" sz="1500" err="1"/>
+              <a:rPr lang="en-US" sz="1500" dirty="0" err="1"/>
               <a:t>school_org</a:t>
             </a:r>
             <a:r>
-              <a:rPr lang="en-US" sz="1500"/>
+              <a:rPr lang="en-US" sz="1500" dirty="0"/>
               <a:t> = '</a:t>
             </a:r>
             <a:r>
-              <a:rPr lang="en-US" sz="1500" err="1"/>
+              <a:rPr lang="en-US" sz="1500" dirty="0" err="1"/>
               <a:t>Sjabi</a:t>
             </a:r>
             <a:r>
-              <a:rPr lang="en-US" sz="1500"/>
+              <a:rPr lang="en-US" sz="1500" dirty="0"/>
               <a:t>';</a:t>
             </a:r>
           </a:p>
